--- a/基于RobotFramework的UI自动化测试.pptx
+++ b/基于RobotFramework的UI自动化测试.pptx
@@ -237,7 +237,7 @@
           <a:p>
             <a:fld id="{7CDE5C2F-3901-4E1F-B5ED-EF5753AEB818}" type="datetimeFigureOut">
               <a:rPr lang="zh-CN" altLang="en-US" smtClean="0"/>
-              <a:t>2019/10/28</a:t>
+              <a:t>2019/10/29</a:t>
             </a:fld>
             <a:endParaRPr lang="zh-CN" altLang="en-US"/>
           </a:p>
@@ -2806,7 +2806,7 @@
           <a:p>
             <a:fld id="{530820CF-B880-4189-942D-D702A7CBA730}" type="datetimeFigureOut">
               <a:rPr lang="zh-CN" altLang="en-US" smtClean="0"/>
-              <a:t>2019/10/28</a:t>
+              <a:t>2019/10/29</a:t>
             </a:fld>
             <a:endParaRPr lang="zh-CN" altLang="en-US"/>
           </a:p>
@@ -3936,7 +3936,7 @@
           <a:p>
             <a:fld id="{530820CF-B880-4189-942D-D702A7CBA730}" type="datetimeFigureOut">
               <a:rPr lang="zh-CN" altLang="en-US" smtClean="0"/>
-              <a:t>2019/10/28</a:t>
+              <a:t>2019/10/29</a:t>
             </a:fld>
             <a:endParaRPr lang="zh-CN" altLang="en-US"/>
           </a:p>
@@ -4077,7 +4077,7 @@
           <a:p>
             <a:fld id="{530820CF-B880-4189-942D-D702A7CBA730}" type="datetimeFigureOut">
               <a:rPr lang="zh-CN" altLang="en-US" smtClean="0"/>
-              <a:t>2019/10/28</a:t>
+              <a:t>2019/10/29</a:t>
             </a:fld>
             <a:endParaRPr lang="zh-CN" altLang="en-US"/>
           </a:p>
@@ -4398,7 +4398,7 @@
           <a:p>
             <a:fld id="{530820CF-B880-4189-942D-D702A7CBA730}" type="datetimeFigureOut">
               <a:rPr lang="zh-CN" altLang="en-US" smtClean="0"/>
-              <a:t>2019/10/28</a:t>
+              <a:t>2019/10/29</a:t>
             </a:fld>
             <a:endParaRPr lang="zh-CN" altLang="en-US"/>
           </a:p>
@@ -4491,7 +4491,7 @@
           <a:p>
             <a:fld id="{530820CF-B880-4189-942D-D702A7CBA730}" type="datetimeFigureOut">
               <a:rPr lang="zh-CN" altLang="en-US" smtClean="0"/>
-              <a:t>2019/10/28</a:t>
+              <a:t>2019/10/29</a:t>
             </a:fld>
             <a:endParaRPr lang="zh-CN" altLang="en-US"/>
           </a:p>
@@ -4764,7 +4764,7 @@
           <a:p>
             <a:fld id="{530820CF-B880-4189-942D-D702A7CBA730}" type="datetimeFigureOut">
               <a:rPr lang="zh-CN" altLang="en-US" smtClean="0"/>
-              <a:t>2019/10/28</a:t>
+              <a:t>2019/10/29</a:t>
             </a:fld>
             <a:endParaRPr lang="zh-CN" altLang="en-US"/>
           </a:p>
@@ -5014,7 +5014,7 @@
           <a:p>
             <a:fld id="{530820CF-B880-4189-942D-D702A7CBA730}" type="datetimeFigureOut">
               <a:rPr lang="zh-CN" altLang="en-US" smtClean="0"/>
-              <a:t>2019/10/28</a:t>
+              <a:t>2019/10/29</a:t>
             </a:fld>
             <a:endParaRPr lang="zh-CN" altLang="en-US"/>
           </a:p>
@@ -5180,7 +5180,7 @@
           <a:p>
             <a:fld id="{530820CF-B880-4189-942D-D702A7CBA730}" type="datetimeFigureOut">
               <a:rPr lang="zh-CN" altLang="en-US" smtClean="0"/>
-              <a:t>2019/10/28</a:t>
+              <a:t>2019/10/29</a:t>
             </a:fld>
             <a:endParaRPr lang="zh-CN" altLang="en-US"/>
           </a:p>
@@ -5356,7 +5356,7 @@
           <a:p>
             <a:fld id="{530820CF-B880-4189-942D-D702A7CBA730}" type="datetimeFigureOut">
               <a:rPr lang="zh-CN" altLang="en-US" smtClean="0"/>
-              <a:t>2019/10/28</a:t>
+              <a:t>2019/10/29</a:t>
             </a:fld>
             <a:endParaRPr lang="zh-CN" altLang="en-US"/>
           </a:p>
@@ -5565,7 +5565,7 @@
           <a:p>
             <a:fld id="{530820CF-B880-4189-942D-D702A7CBA730}" type="datetimeFigureOut">
               <a:rPr lang="zh-CN" altLang="en-US" smtClean="0"/>
-              <a:t>2019/10/28</a:t>
+              <a:t>2019/10/29</a:t>
             </a:fld>
             <a:endParaRPr lang="zh-CN" altLang="en-US"/>
           </a:p>
@@ -8150,36 +8150,6 @@
           </p:txBody>
         </p:sp>
       </p:grpSp>
-      <p:pic>
-        <p:nvPicPr>
-          <p:cNvPr id="2" name="图片 1"/>
-          <p:cNvPicPr>
-            <a:picLocks noChangeAspect="1"/>
-          </p:cNvPicPr>
-          <p:nvPr/>
-        </p:nvPicPr>
-        <p:blipFill>
-          <a:blip r:embed="rId3" cstate="print">
-            <a:extLst>
-              <a:ext uri="{28A0092B-C50C-407E-A947-70E740481C1C}">
-                <a14:useLocalDpi xmlns:a14="http://schemas.microsoft.com/office/drawing/2010/main" val="0"/>
-              </a:ext>
-            </a:extLst>
-          </a:blip>
-          <a:stretch>
-            <a:fillRect/>
-          </a:stretch>
-        </p:blipFill>
-        <p:spPr>
-          <a:xfrm>
-            <a:off x="2848599" y="2422292"/>
-            <a:ext cx="800664" cy="800664"/>
-          </a:xfrm>
-          <a:prstGeom prst="rect">
-            <a:avLst/>
-          </a:prstGeom>
-        </p:spPr>
-      </p:pic>
       <p:sp>
         <p:nvSpPr>
           <p:cNvPr id="56" name="文本框 55"/>
@@ -8295,6 +8265,36 @@
           </a:p>
         </p:txBody>
       </p:sp>
+      <p:pic>
+        <p:nvPicPr>
+          <p:cNvPr id="57" name="图片 56"/>
+          <p:cNvPicPr>
+            <a:picLocks noChangeAspect="1"/>
+          </p:cNvPicPr>
+          <p:nvPr/>
+        </p:nvPicPr>
+        <p:blipFill>
+          <a:blip r:embed="rId3" cstate="print">
+            <a:extLst>
+              <a:ext uri="{28A0092B-C50C-407E-A947-70E740481C1C}">
+                <a14:useLocalDpi xmlns:a14="http://schemas.microsoft.com/office/drawing/2010/main" val="0"/>
+              </a:ext>
+            </a:extLst>
+          </a:blip>
+          <a:stretch>
+            <a:fillRect/>
+          </a:stretch>
+        </p:blipFill>
+        <p:spPr>
+          <a:xfrm>
+            <a:off x="2872821" y="2464587"/>
+            <a:ext cx="763075" cy="637537"/>
+          </a:xfrm>
+          <a:prstGeom prst="rect">
+            <a:avLst/>
+          </a:prstGeom>
+        </p:spPr>
+      </p:pic>
     </p:spTree>
     <p:extLst>
       <p:ext uri="{BB962C8B-B14F-4D97-AF65-F5344CB8AC3E}">
@@ -8884,6 +8884,41 @@
                                         <p:cTn id="39" dur="500"/>
                                         <p:tgtEl>
                                           <p:spTgt spid="56"/>
+                                        </p:tgtEl>
+                                      </p:cBhvr>
+                                    </p:animEffect>
+                                  </p:childTnLst>
+                                </p:cTn>
+                              </p:par>
+                              <p:par>
+                                <p:cTn id="40" presetID="14" presetClass="entr" presetSubtype="10" fill="hold" nodeType="withEffect">
+                                  <p:stCondLst>
+                                    <p:cond delay="0"/>
+                                  </p:stCondLst>
+                                  <p:childTnLst>
+                                    <p:set>
+                                      <p:cBhvr>
+                                        <p:cTn id="41" dur="1" fill="hold">
+                                          <p:stCondLst>
+                                            <p:cond delay="0"/>
+                                          </p:stCondLst>
+                                        </p:cTn>
+                                        <p:tgtEl>
+                                          <p:spTgt spid="57"/>
+                                        </p:tgtEl>
+                                        <p:attrNameLst>
+                                          <p:attrName>style.visibility</p:attrName>
+                                        </p:attrNameLst>
+                                      </p:cBhvr>
+                                      <p:to>
+                                        <p:strVal val="visible"/>
+                                      </p:to>
+                                    </p:set>
+                                    <p:animEffect transition="in" filter="randombar(horizontal)">
+                                      <p:cBhvr>
+                                        <p:cTn id="42" dur="500"/>
+                                        <p:tgtEl>
+                                          <p:spTgt spid="57"/>
                                         </p:tgtEl>
                                       </p:cBhvr>
                                     </p:animEffect>
@@ -9752,12 +9787,6 @@
               </a:rPr>
               <a:t>(id=)</a:t>
             </a:r>
-            <a:endParaRPr lang="en-US" altLang="zh-CN" sz="1400" dirty="0" smtClean="0">
-              <a:solidFill>
-                <a:srgbClr val="0070C0"/>
-              </a:solidFill>
-              <a:latin typeface="+mn-ea"/>
-            </a:endParaRPr>
           </a:p>
           <a:p>
             <a:pPr>
@@ -9783,9 +9812,6 @@
               </a:rPr>
               <a:t>(name=)</a:t>
             </a:r>
-            <a:endParaRPr lang="en-US" altLang="zh-CN" sz="1400" dirty="0" smtClean="0">
-              <a:latin typeface="+mn-ea"/>
-            </a:endParaRPr>
           </a:p>
           <a:p>
             <a:pPr>
@@ -9811,9 +9837,6 @@
               </a:rPr>
               <a:t>(class=)</a:t>
             </a:r>
-            <a:endParaRPr lang="en-US" altLang="zh-CN" sz="1400" dirty="0" smtClean="0">
-              <a:latin typeface="+mn-ea"/>
-            </a:endParaRPr>
           </a:p>
           <a:p>
             <a:pPr>
@@ -9845,12 +9868,6 @@
               </a:rPr>
               <a:t>(tag=)</a:t>
             </a:r>
-            <a:endParaRPr lang="en-US" altLang="zh-CN" sz="1400" dirty="0" smtClean="0">
-              <a:solidFill>
-                <a:srgbClr val="FF0000"/>
-              </a:solidFill>
-              <a:latin typeface="+mn-ea"/>
-            </a:endParaRPr>
           </a:p>
           <a:p>
             <a:pPr>
@@ -9900,12 +9917,6 @@
               </a:rPr>
               <a:t>=)</a:t>
             </a:r>
-            <a:endParaRPr lang="en-US" altLang="zh-CN" sz="1400" dirty="0" smtClean="0">
-              <a:solidFill>
-                <a:srgbClr val="00B050"/>
-              </a:solidFill>
-              <a:latin typeface="+mn-ea"/>
-            </a:endParaRPr>
           </a:p>
           <a:p>
             <a:pPr>
@@ -9955,12 +9966,6 @@
               </a:rPr>
               <a:t>=)</a:t>
             </a:r>
-            <a:endParaRPr lang="en-US" altLang="zh-CN" sz="1400" dirty="0" smtClean="0">
-              <a:solidFill>
-                <a:srgbClr val="00B050"/>
-              </a:solidFill>
-              <a:latin typeface="+mn-ea"/>
-            </a:endParaRPr>
           </a:p>
           <a:p>
             <a:pPr>
@@ -9986,9 +9991,6 @@
               </a:rPr>
               <a:t>(link=)</a:t>
             </a:r>
-            <a:endParaRPr lang="en-US" altLang="zh-CN" sz="1400" dirty="0" smtClean="0">
-              <a:latin typeface="+mn-ea"/>
-            </a:endParaRPr>
           </a:p>
           <a:p>
             <a:pPr>
@@ -11838,6 +11840,41 @@
                                   </p:childTnLst>
                                 </p:cTn>
                               </p:par>
+                              <p:par>
+                                <p:cTn id="13" presetID="14" presetClass="entr" presetSubtype="10" fill="hold" nodeType="withEffect">
+                                  <p:stCondLst>
+                                    <p:cond delay="0"/>
+                                  </p:stCondLst>
+                                  <p:childTnLst>
+                                    <p:set>
+                                      <p:cBhvr>
+                                        <p:cTn id="14" dur="1" fill="hold">
+                                          <p:stCondLst>
+                                            <p:cond delay="0"/>
+                                          </p:stCondLst>
+                                        </p:cTn>
+                                        <p:tgtEl>
+                                          <p:spTgt spid="3"/>
+                                        </p:tgtEl>
+                                        <p:attrNameLst>
+                                          <p:attrName>style.visibility</p:attrName>
+                                        </p:attrNameLst>
+                                      </p:cBhvr>
+                                      <p:to>
+                                        <p:strVal val="visible"/>
+                                      </p:to>
+                                    </p:set>
+                                    <p:animEffect transition="in" filter="randombar(horizontal)">
+                                      <p:cBhvr>
+                                        <p:cTn id="15" dur="500"/>
+                                        <p:tgtEl>
+                                          <p:spTgt spid="3"/>
+                                        </p:tgtEl>
+                                      </p:cBhvr>
+                                    </p:animEffect>
+                                  </p:childTnLst>
+                                </p:cTn>
+                              </p:par>
                             </p:childTnLst>
                           </p:cTn>
                         </p:par>
@@ -12159,7 +12196,7 @@
                     <a:p>
                       <a:pPr algn="l" fontAlgn="base"/>
                       <a:r>
-                        <a:rPr lang="zh-CN" altLang="en-US" sz="1000">
+                        <a:rPr lang="zh-CN" altLang="en-US" sz="1000" dirty="0">
                           <a:solidFill>
                             <a:srgbClr val="FFFFFF"/>
                           </a:solidFill>
@@ -12358,7 +12395,7 @@
                     <a:p>
                       <a:pPr fontAlgn="t"/>
                       <a:r>
-                        <a:rPr lang="en-US" sz="1000">
+                        <a:rPr lang="en-US" sz="1000" dirty="0">
                           <a:effectLst/>
                           <a:latin typeface="+mn-ea"/>
                           <a:ea typeface="+mn-ea"/>
@@ -15239,6 +15276,41 @@
                                         <p:cTn id="12" dur="500"/>
                                         <p:tgtEl>
                                           <p:spTgt spid="6"/>
+                                        </p:tgtEl>
+                                      </p:cBhvr>
+                                    </p:animEffect>
+                                  </p:childTnLst>
+                                </p:cTn>
+                              </p:par>
+                              <p:par>
+                                <p:cTn id="13" presetID="14" presetClass="entr" presetSubtype="10" fill="hold" nodeType="withEffect">
+                                  <p:stCondLst>
+                                    <p:cond delay="0"/>
+                                  </p:stCondLst>
+                                  <p:childTnLst>
+                                    <p:set>
+                                      <p:cBhvr>
+                                        <p:cTn id="14" dur="1" fill="hold">
+                                          <p:stCondLst>
+                                            <p:cond delay="0"/>
+                                          </p:stCondLst>
+                                        </p:cTn>
+                                        <p:tgtEl>
+                                          <p:spTgt spid="2"/>
+                                        </p:tgtEl>
+                                        <p:attrNameLst>
+                                          <p:attrName>style.visibility</p:attrName>
+                                        </p:attrNameLst>
+                                      </p:cBhvr>
+                                      <p:to>
+                                        <p:strVal val="visible"/>
+                                      </p:to>
+                                    </p:set>
+                                    <p:animEffect transition="in" filter="randombar(horizontal)">
+                                      <p:cBhvr>
+                                        <p:cTn id="15" dur="500"/>
+                                        <p:tgtEl>
+                                          <p:spTgt spid="2"/>
                                         </p:tgtEl>
                                       </p:cBhvr>
                                     </p:animEffect>
@@ -19474,6 +19546,41 @@
                                   </p:childTnLst>
                                 </p:cTn>
                               </p:par>
+                              <p:par>
+                                <p:cTn id="9" presetID="14" presetClass="entr" presetSubtype="10" fill="hold" nodeType="withEffect">
+                                  <p:stCondLst>
+                                    <p:cond delay="0"/>
+                                  </p:stCondLst>
+                                  <p:childTnLst>
+                                    <p:set>
+                                      <p:cBhvr>
+                                        <p:cTn id="10" dur="1" fill="hold">
+                                          <p:stCondLst>
+                                            <p:cond delay="0"/>
+                                          </p:stCondLst>
+                                        </p:cTn>
+                                        <p:tgtEl>
+                                          <p:spTgt spid="2"/>
+                                        </p:tgtEl>
+                                        <p:attrNameLst>
+                                          <p:attrName>style.visibility</p:attrName>
+                                        </p:attrNameLst>
+                                      </p:cBhvr>
+                                      <p:to>
+                                        <p:strVal val="visible"/>
+                                      </p:to>
+                                    </p:set>
+                                    <p:animEffect transition="in" filter="randombar(horizontal)">
+                                      <p:cBhvr>
+                                        <p:cTn id="11" dur="500"/>
+                                        <p:tgtEl>
+                                          <p:spTgt spid="2"/>
+                                        </p:tgtEl>
+                                      </p:cBhvr>
+                                    </p:animEffect>
+                                  </p:childTnLst>
+                                </p:cTn>
+                              </p:par>
                             </p:childTnLst>
                           </p:cTn>
                         </p:par>
@@ -21650,6 +21757,41 @@
                                         </p:tav>
                                       </p:tavLst>
                                     </p:anim>
+                                  </p:childTnLst>
+                                </p:cTn>
+                              </p:par>
+                              <p:par>
+                                <p:cTn id="9" presetID="14" presetClass="entr" presetSubtype="10" fill="hold" nodeType="withEffect">
+                                  <p:stCondLst>
+                                    <p:cond delay="0"/>
+                                  </p:stCondLst>
+                                  <p:childTnLst>
+                                    <p:set>
+                                      <p:cBhvr>
+                                        <p:cTn id="10" dur="1" fill="hold">
+                                          <p:stCondLst>
+                                            <p:cond delay="0"/>
+                                          </p:stCondLst>
+                                        </p:cTn>
+                                        <p:tgtEl>
+                                          <p:spTgt spid="5"/>
+                                        </p:tgtEl>
+                                        <p:attrNameLst>
+                                          <p:attrName>style.visibility</p:attrName>
+                                        </p:attrNameLst>
+                                      </p:cBhvr>
+                                      <p:to>
+                                        <p:strVal val="visible"/>
+                                      </p:to>
+                                    </p:set>
+                                    <p:animEffect transition="in" filter="randombar(horizontal)">
+                                      <p:cBhvr>
+                                        <p:cTn id="11" dur="500"/>
+                                        <p:tgtEl>
+                                          <p:spTgt spid="5"/>
+                                        </p:tgtEl>
+                                      </p:cBhvr>
+                                    </p:animEffect>
                                   </p:childTnLst>
                                 </p:cTn>
                               </p:par>
@@ -24695,6 +24837,41 @@
                                   </p:childTnLst>
                                 </p:cTn>
                               </p:par>
+                              <p:par>
+                                <p:cTn id="9" presetID="14" presetClass="entr" presetSubtype="10" fill="hold" nodeType="withEffect">
+                                  <p:stCondLst>
+                                    <p:cond delay="0"/>
+                                  </p:stCondLst>
+                                  <p:childTnLst>
+                                    <p:set>
+                                      <p:cBhvr>
+                                        <p:cTn id="10" dur="1" fill="hold">
+                                          <p:stCondLst>
+                                            <p:cond delay="0"/>
+                                          </p:stCondLst>
+                                        </p:cTn>
+                                        <p:tgtEl>
+                                          <p:spTgt spid="2"/>
+                                        </p:tgtEl>
+                                        <p:attrNameLst>
+                                          <p:attrName>style.visibility</p:attrName>
+                                        </p:attrNameLst>
+                                      </p:cBhvr>
+                                      <p:to>
+                                        <p:strVal val="visible"/>
+                                      </p:to>
+                                    </p:set>
+                                    <p:animEffect transition="in" filter="randombar(horizontal)">
+                                      <p:cBhvr>
+                                        <p:cTn id="11" dur="500"/>
+                                        <p:tgtEl>
+                                          <p:spTgt spid="2"/>
+                                        </p:tgtEl>
+                                      </p:cBhvr>
+                                    </p:animEffect>
+                                  </p:childTnLst>
+                                </p:cTn>
+                              </p:par>
                             </p:childTnLst>
                           </p:cTn>
                         </p:par>
@@ -27851,15 +28028,7 @@
                           <a:latin typeface="+mn-ea"/>
                           <a:ea typeface="+mn-ea"/>
                         </a:rPr>
-                        <a:t>弹出框应该</a:t>
-                      </a:r>
-                      <a:r>
-                        <a:rPr lang="zh-CN" altLang="en-US" sz="1000" dirty="0" smtClean="0">
-                          <a:effectLst/>
-                          <a:latin typeface="+mn-ea"/>
-                          <a:ea typeface="+mn-ea"/>
-                        </a:rPr>
-                        <a:t>存在并点击</a:t>
+                        <a:t>弹出框应该存在并点击</a:t>
                       </a:r>
                       <a:endParaRPr lang="en-US" sz="1000" dirty="0">
                         <a:effectLst/>
@@ -28363,15 +28532,7 @@
                           <a:latin typeface="+mn-ea"/>
                           <a:ea typeface="+mn-ea"/>
                         </a:rPr>
-                        <a:t>表单应该</a:t>
-                      </a:r>
-                      <a:r>
-                        <a:rPr lang="zh-CN" altLang="en-US" sz="1000" dirty="0" smtClean="0">
-                          <a:effectLst/>
-                          <a:latin typeface="+mn-ea"/>
-                          <a:ea typeface="+mn-ea"/>
-                        </a:rPr>
-                        <a:t>包含</a:t>
+                        <a:t>表单应该包含</a:t>
                       </a:r>
                       <a:r>
                         <a:rPr lang="en-US" altLang="zh-CN" sz="1000" dirty="0" smtClean="0">
@@ -28659,6 +28820,41 @@
                                         </p:tav>
                                       </p:tavLst>
                                     </p:anim>
+                                  </p:childTnLst>
+                                </p:cTn>
+                              </p:par>
+                              <p:par>
+                                <p:cTn id="9" presetID="14" presetClass="entr" presetSubtype="10" fill="hold" nodeType="withEffect">
+                                  <p:stCondLst>
+                                    <p:cond delay="0"/>
+                                  </p:stCondLst>
+                                  <p:childTnLst>
+                                    <p:set>
+                                      <p:cBhvr>
+                                        <p:cTn id="10" dur="1" fill="hold">
+                                          <p:stCondLst>
+                                            <p:cond delay="0"/>
+                                          </p:stCondLst>
+                                        </p:cTn>
+                                        <p:tgtEl>
+                                          <p:spTgt spid="2"/>
+                                        </p:tgtEl>
+                                        <p:attrNameLst>
+                                          <p:attrName>style.visibility</p:attrName>
+                                        </p:attrNameLst>
+                                      </p:cBhvr>
+                                      <p:to>
+                                        <p:strVal val="visible"/>
+                                      </p:to>
+                                    </p:set>
+                                    <p:animEffect transition="in" filter="randombar(horizontal)">
+                                      <p:cBhvr>
+                                        <p:cTn id="11" dur="500"/>
+                                        <p:tgtEl>
+                                          <p:spTgt spid="2"/>
+                                        </p:tgtEl>
+                                      </p:cBhvr>
+                                    </p:animEffect>
                                   </p:childTnLst>
                                 </p:cTn>
                               </p:par>
@@ -28799,7 +28995,7 @@
           <a:graphicData uri="http://schemas.openxmlformats.org/presentationml/2006/ole">
             <mc:AlternateContent xmlns:mc="http://schemas.openxmlformats.org/markup-compatibility/2006">
               <mc:Choice xmlns:v="urn:schemas-microsoft-com:vml" Requires="v">
-                <p:oleObj spid="_x0000_s1043" name="包装程序外壳对象" showAsIcon="1" r:id="rId4" imgW="1244160" imgH="711360" progId="Package">
+                <p:oleObj spid="_x0000_s1050" name="包装程序外壳对象" showAsIcon="1" r:id="rId4" imgW="1244160" imgH="711360" progId="Package">
                   <p:embed/>
                 </p:oleObj>
               </mc:Choice>
@@ -29123,6 +29319,129 @@
                                         <p:cTn id="12" dur="500"/>
                                         <p:tgtEl>
                                           <p:spTgt spid="7"/>
+                                        </p:tgtEl>
+                                      </p:cBhvr>
+                                    </p:animEffect>
+                                  </p:childTnLst>
+                                </p:cTn>
+                              </p:par>
+                            </p:childTnLst>
+                          </p:cTn>
+                        </p:par>
+                      </p:childTnLst>
+                    </p:cTn>
+                  </p:par>
+                  <p:par>
+                    <p:cTn id="13" fill="hold">
+                      <p:stCondLst>
+                        <p:cond delay="indefinite"/>
+                      </p:stCondLst>
+                      <p:childTnLst>
+                        <p:par>
+                          <p:cTn id="14" fill="hold">
+                            <p:stCondLst>
+                              <p:cond delay="0"/>
+                            </p:stCondLst>
+                            <p:childTnLst>
+                              <p:par>
+                                <p:cTn id="15" presetID="14" presetClass="entr" presetSubtype="10" fill="hold" nodeType="clickEffect">
+                                  <p:stCondLst>
+                                    <p:cond delay="0"/>
+                                  </p:stCondLst>
+                                  <p:childTnLst>
+                                    <p:set>
+                                      <p:cBhvr>
+                                        <p:cTn id="16" dur="1" fill="hold">
+                                          <p:stCondLst>
+                                            <p:cond delay="0"/>
+                                          </p:stCondLst>
+                                        </p:cTn>
+                                        <p:tgtEl>
+                                          <p:spTgt spid="5"/>
+                                        </p:tgtEl>
+                                        <p:attrNameLst>
+                                          <p:attrName>style.visibility</p:attrName>
+                                        </p:attrNameLst>
+                                      </p:cBhvr>
+                                      <p:to>
+                                        <p:strVal val="visible"/>
+                                      </p:to>
+                                    </p:set>
+                                    <p:animEffect transition="in" filter="randombar(horizontal)">
+                                      <p:cBhvr>
+                                        <p:cTn id="17" dur="500"/>
+                                        <p:tgtEl>
+                                          <p:spTgt spid="5"/>
+                                        </p:tgtEl>
+                                      </p:cBhvr>
+                                    </p:animEffect>
+                                  </p:childTnLst>
+                                </p:cTn>
+                              </p:par>
+                              <p:par>
+                                <p:cTn id="18" presetID="14" presetClass="entr" presetSubtype="10" fill="hold" nodeType="withEffect">
+                                  <p:stCondLst>
+                                    <p:cond delay="0"/>
+                                  </p:stCondLst>
+                                  <p:childTnLst>
+                                    <p:set>
+                                      <p:cBhvr>
+                                        <p:cTn id="19" dur="1" fill="hold">
+                                          <p:stCondLst>
+                                            <p:cond delay="0"/>
+                                          </p:stCondLst>
+                                        </p:cTn>
+                                        <p:tgtEl>
+                                          <p:spTgt spid="6"/>
+                                        </p:tgtEl>
+                                        <p:attrNameLst>
+                                          <p:attrName>style.visibility</p:attrName>
+                                        </p:attrNameLst>
+                                      </p:cBhvr>
+                                      <p:to>
+                                        <p:strVal val="visible"/>
+                                      </p:to>
+                                    </p:set>
+                                    <p:animEffect transition="in" filter="randombar(horizontal)">
+                                      <p:cBhvr>
+                                        <p:cTn id="20" dur="500"/>
+                                        <p:tgtEl>
+                                          <p:spTgt spid="6"/>
+                                        </p:tgtEl>
+                                      </p:cBhvr>
+                                    </p:animEffect>
+                                  </p:childTnLst>
+                                </p:cTn>
+                              </p:par>
+                              <p:par>
+                                <p:cTn id="21" presetID="14" presetClass="entr" presetSubtype="10" fill="hold" nodeType="withEffect">
+                                  <p:stCondLst>
+                                    <p:cond delay="0"/>
+                                  </p:stCondLst>
+                                  <p:childTnLst>
+                                    <p:set>
+                                      <p:cBhvr>
+                                        <p:cTn id="22" dur="1" fill="hold">
+                                          <p:stCondLst>
+                                            <p:cond delay="0"/>
+                                          </p:stCondLst>
+                                        </p:cTn>
+                                        <p:tgtEl>
+                                          <p:spTgt spid="8"/>
+                                        </p:tgtEl>
+                                        <p:attrNameLst>
+                                          <p:attrName>style.visibility</p:attrName>
+                                        </p:attrNameLst>
+                                      </p:cBhvr>
+                                      <p:to>
+                                        <p:strVal val="visible"/>
+                                      </p:to>
+                                    </p:set>
+                                    <p:animEffect transition="in" filter="randombar(horizontal)">
+                                      <p:cBhvr>
+                                        <p:cTn id="23" dur="500"/>
+                                        <p:tgtEl>
+                                          <p:spTgt spid="8"/>
                                         </p:tgtEl>
                                       </p:cBhvr>
                                     </p:animEffect>
@@ -30197,33 +30516,15 @@
                                   </p:childTnLst>
                                 </p:cTn>
                               </p:par>
-                            </p:childTnLst>
-                          </p:cTn>
-                        </p:par>
-                      </p:childTnLst>
-                    </p:cTn>
-                  </p:par>
-                  <p:par>
-                    <p:cTn id="21" fill="hold">
-                      <p:stCondLst>
-                        <p:cond delay="indefinite"/>
-                      </p:stCondLst>
-                      <p:childTnLst>
-                        <p:par>
-                          <p:cTn id="22" fill="hold">
-                            <p:stCondLst>
-                              <p:cond delay="0"/>
-                            </p:stCondLst>
-                            <p:childTnLst>
                               <p:par>
-                                <p:cTn id="23" presetID="14" presetClass="entr" presetSubtype="10" fill="hold" grpId="0" nodeType="clickEffect">
+                                <p:cTn id="21" presetID="14" presetClass="entr" presetSubtype="10" fill="hold" grpId="0" nodeType="withEffect">
                                   <p:stCondLst>
                                     <p:cond delay="0"/>
                                   </p:stCondLst>
                                   <p:childTnLst>
                                     <p:set>
                                       <p:cBhvr>
-                                        <p:cTn id="24" dur="1" fill="hold">
+                                        <p:cTn id="22" dur="1" fill="hold">
                                           <p:stCondLst>
                                             <p:cond delay="0"/>
                                           </p:stCondLst>
@@ -30241,7 +30542,7 @@
                                     </p:set>
                                     <p:animEffect transition="in" filter="randombar(horizontal)">
                                       <p:cBhvr>
-                                        <p:cTn id="25" dur="500"/>
+                                        <p:cTn id="23" dur="500"/>
                                         <p:tgtEl>
                                           <p:spTgt spid="9"/>
                                         </p:tgtEl>
@@ -30251,14 +30552,14 @@
                                 </p:cTn>
                               </p:par>
                               <p:par>
-                                <p:cTn id="26" presetID="14" presetClass="entr" presetSubtype="10" fill="hold" grpId="0" nodeType="withEffect">
+                                <p:cTn id="24" presetID="14" presetClass="entr" presetSubtype="10" fill="hold" grpId="0" nodeType="withEffect">
                                   <p:stCondLst>
                                     <p:cond delay="0"/>
                                   </p:stCondLst>
                                   <p:childTnLst>
                                     <p:set>
                                       <p:cBhvr>
-                                        <p:cTn id="27" dur="1" fill="hold">
+                                        <p:cTn id="25" dur="1" fill="hold">
                                           <p:stCondLst>
                                             <p:cond delay="0"/>
                                           </p:stCondLst>
@@ -30276,7 +30577,7 @@
                                     </p:set>
                                     <p:animEffect transition="in" filter="randombar(horizontal)">
                                       <p:cBhvr>
-                                        <p:cTn id="28" dur="500"/>
+                                        <p:cTn id="26" dur="500"/>
                                         <p:tgtEl>
                                           <p:spTgt spid="10"/>
                                         </p:tgtEl>
@@ -30286,14 +30587,14 @@
                                 </p:cTn>
                               </p:par>
                               <p:par>
-                                <p:cTn id="29" presetID="14" presetClass="entr" presetSubtype="10" fill="hold" grpId="0" nodeType="withEffect">
+                                <p:cTn id="27" presetID="14" presetClass="entr" presetSubtype="10" fill="hold" grpId="0" nodeType="withEffect">
                                   <p:stCondLst>
                                     <p:cond delay="0"/>
                                   </p:stCondLst>
                                   <p:childTnLst>
                                     <p:set>
                                       <p:cBhvr>
-                                        <p:cTn id="30" dur="1" fill="hold">
+                                        <p:cTn id="28" dur="1" fill="hold">
                                           <p:stCondLst>
                                             <p:cond delay="0"/>
                                           </p:stCondLst>
@@ -30311,7 +30612,7 @@
                                     </p:set>
                                     <p:animEffect transition="in" filter="randombar(horizontal)">
                                       <p:cBhvr>
-                                        <p:cTn id="31" dur="500"/>
+                                        <p:cTn id="29" dur="500"/>
                                         <p:tgtEl>
                                           <p:spTgt spid="11"/>
                                         </p:tgtEl>
@@ -30321,14 +30622,14 @@
                                 </p:cTn>
                               </p:par>
                               <p:par>
-                                <p:cTn id="32" presetID="14" presetClass="entr" presetSubtype="10" fill="hold" grpId="0" nodeType="withEffect">
+                                <p:cTn id="30" presetID="14" presetClass="entr" presetSubtype="10" fill="hold" grpId="0" nodeType="withEffect">
                                   <p:stCondLst>
                                     <p:cond delay="0"/>
                                   </p:stCondLst>
                                   <p:childTnLst>
                                     <p:set>
                                       <p:cBhvr>
-                                        <p:cTn id="33" dur="1" fill="hold">
+                                        <p:cTn id="31" dur="1" fill="hold">
                                           <p:stCondLst>
                                             <p:cond delay="0"/>
                                           </p:stCondLst>
@@ -30346,7 +30647,7 @@
                                     </p:set>
                                     <p:animEffect transition="in" filter="randombar(horizontal)">
                                       <p:cBhvr>
-                                        <p:cTn id="34" dur="500"/>
+                                        <p:cTn id="32" dur="500"/>
                                         <p:tgtEl>
                                           <p:spTgt spid="12"/>
                                         </p:tgtEl>
@@ -30356,14 +30657,14 @@
                                 </p:cTn>
                               </p:par>
                               <p:par>
-                                <p:cTn id="35" presetID="14" presetClass="entr" presetSubtype="10" fill="hold" grpId="0" nodeType="withEffect">
+                                <p:cTn id="33" presetID="14" presetClass="entr" presetSubtype="10" fill="hold" grpId="0" nodeType="withEffect">
                                   <p:stCondLst>
                                     <p:cond delay="0"/>
                                   </p:stCondLst>
                                   <p:childTnLst>
                                     <p:set>
                                       <p:cBhvr>
-                                        <p:cTn id="36" dur="1" fill="hold">
+                                        <p:cTn id="34" dur="1" fill="hold">
                                           <p:stCondLst>
                                             <p:cond delay="0"/>
                                           </p:stCondLst>
@@ -30381,7 +30682,7 @@
                                     </p:set>
                                     <p:animEffect transition="in" filter="randombar(horizontal)">
                                       <p:cBhvr>
-                                        <p:cTn id="37" dur="500"/>
+                                        <p:cTn id="35" dur="500"/>
                                         <p:tgtEl>
                                           <p:spTgt spid="13"/>
                                         </p:tgtEl>
@@ -30391,14 +30692,14 @@
                                 </p:cTn>
                               </p:par>
                               <p:par>
-                                <p:cTn id="38" presetID="14" presetClass="entr" presetSubtype="10" fill="hold" grpId="0" nodeType="withEffect">
+                                <p:cTn id="36" presetID="14" presetClass="entr" presetSubtype="10" fill="hold" grpId="0" nodeType="withEffect">
                                   <p:stCondLst>
                                     <p:cond delay="0"/>
                                   </p:stCondLst>
                                   <p:childTnLst>
                                     <p:set>
                                       <p:cBhvr>
-                                        <p:cTn id="39" dur="1" fill="hold">
+                                        <p:cTn id="37" dur="1" fill="hold">
                                           <p:stCondLst>
                                             <p:cond delay="0"/>
                                           </p:stCondLst>
@@ -30416,7 +30717,7 @@
                                     </p:set>
                                     <p:animEffect transition="in" filter="randombar(horizontal)">
                                       <p:cBhvr>
-                                        <p:cTn id="40" dur="500"/>
+                                        <p:cTn id="38" dur="500"/>
                                         <p:tgtEl>
                                           <p:spTgt spid="14"/>
                                         </p:tgtEl>
@@ -30426,14 +30727,14 @@
                                 </p:cTn>
                               </p:par>
                               <p:par>
-                                <p:cTn id="41" presetID="14" presetClass="entr" presetSubtype="10" fill="hold" grpId="0" nodeType="withEffect">
+                                <p:cTn id="39" presetID="14" presetClass="entr" presetSubtype="10" fill="hold" grpId="0" nodeType="withEffect">
                                   <p:stCondLst>
                                     <p:cond delay="0"/>
                                   </p:stCondLst>
                                   <p:childTnLst>
                                     <p:set>
                                       <p:cBhvr>
-                                        <p:cTn id="42" dur="1" fill="hold">
+                                        <p:cTn id="40" dur="1" fill="hold">
                                           <p:stCondLst>
                                             <p:cond delay="0"/>
                                           </p:stCondLst>
@@ -30451,7 +30752,7 @@
                                     </p:set>
                                     <p:animEffect transition="in" filter="randombar(horizontal)">
                                       <p:cBhvr>
-                                        <p:cTn id="43" dur="500"/>
+                                        <p:cTn id="41" dur="500"/>
                                         <p:tgtEl>
                                           <p:spTgt spid="15"/>
                                         </p:tgtEl>
@@ -30461,14 +30762,14 @@
                                 </p:cTn>
                               </p:par>
                               <p:par>
-                                <p:cTn id="44" presetID="14" presetClass="entr" presetSubtype="10" fill="hold" grpId="0" nodeType="withEffect">
+                                <p:cTn id="42" presetID="14" presetClass="entr" presetSubtype="10" fill="hold" grpId="0" nodeType="withEffect">
                                   <p:stCondLst>
                                     <p:cond delay="0"/>
                                   </p:stCondLst>
                                   <p:childTnLst>
                                     <p:set>
                                       <p:cBhvr>
-                                        <p:cTn id="45" dur="1" fill="hold">
+                                        <p:cTn id="43" dur="1" fill="hold">
                                           <p:stCondLst>
                                             <p:cond delay="0"/>
                                           </p:stCondLst>
@@ -30486,7 +30787,7 @@
                                     </p:set>
                                     <p:animEffect transition="in" filter="randombar(horizontal)">
                                       <p:cBhvr>
-                                        <p:cTn id="46" dur="500"/>
+                                        <p:cTn id="44" dur="500"/>
                                         <p:tgtEl>
                                           <p:spTgt spid="16"/>
                                         </p:tgtEl>
@@ -30665,15 +30966,6 @@
               </a:rPr>
               <a:t>设计</a:t>
             </a:r>
-            <a:endParaRPr lang="zh-CN" altLang="en-US" sz="3200" dirty="0">
-              <a:solidFill>
-                <a:srgbClr val="F79646">
-                  <a:lumMod val="75000"/>
-                </a:srgbClr>
-              </a:solidFill>
-              <a:latin typeface="黑体" panose="02010609060101010101" pitchFamily="49" charset="-122"/>
-              <a:ea typeface="黑体" panose="02010609060101010101" pitchFamily="49" charset="-122"/>
-            </a:endParaRPr>
           </a:p>
         </p:txBody>
       </p:sp>
@@ -31262,17 +31554,7 @@
                 <a:latin typeface="黑体" panose="02010609060101010101" pitchFamily="49" charset="-122"/>
                 <a:ea typeface="黑体" panose="02010609060101010101" pitchFamily="49" charset="-122"/>
               </a:rPr>
-              <a:t> </a:t>
-            </a:r>
-            <a:r>
-              <a:rPr lang="en-US" altLang="zh-CN" sz="2000" dirty="0" smtClean="0">
-                <a:solidFill>
-                  <a:prstClr val="white"/>
-                </a:solidFill>
-                <a:latin typeface="黑体" panose="02010609060101010101" pitchFamily="49" charset="-122"/>
-                <a:ea typeface="黑体" panose="02010609060101010101" pitchFamily="49" charset="-122"/>
-              </a:rPr>
-              <a:t>Page Objects</a:t>
+              <a:t> Page Objects</a:t>
             </a:r>
             <a:r>
               <a:rPr lang="zh-CN" altLang="en-US" sz="2000" dirty="0" smtClean="0">
@@ -31496,7 +31778,7 @@
           <a:graphicData uri="http://schemas.openxmlformats.org/presentationml/2006/ole">
             <mc:AlternateContent xmlns:mc="http://schemas.openxmlformats.org/markup-compatibility/2006">
               <mc:Choice xmlns:v="urn:schemas-microsoft-com:vml" Requires="v">
-                <p:oleObj spid="_x0000_s3074" name="包装程序外壳对象" showAsIcon="1" r:id="rId4" imgW="1485000" imgH="711360" progId="Package">
+                <p:oleObj spid="_x0000_s3081" name="包装程序外壳对象" showAsIcon="1" r:id="rId4" imgW="1485000" imgH="711360" progId="Package">
                   <p:embed/>
                 </p:oleObj>
               </mc:Choice>
@@ -31687,21 +31969,30 @@
                             </p:childTnLst>
                           </p:cTn>
                         </p:par>
+                      </p:childTnLst>
+                    </p:cTn>
+                  </p:par>
+                  <p:par>
+                    <p:cTn id="13" fill="hold">
+                      <p:stCondLst>
+                        <p:cond delay="indefinite"/>
+                      </p:stCondLst>
+                      <p:childTnLst>
                         <p:par>
-                          <p:cTn id="13" fill="hold">
+                          <p:cTn id="14" fill="hold">
                             <p:stCondLst>
-                              <p:cond delay="1000"/>
+                              <p:cond delay="0"/>
                             </p:stCondLst>
                             <p:childTnLst>
                               <p:par>
-                                <p:cTn id="14" presetID="14" presetClass="entr" presetSubtype="10" fill="hold" grpId="0" nodeType="afterEffect">
+                                <p:cTn id="15" presetID="14" presetClass="entr" presetSubtype="10" fill="hold" grpId="0" nodeType="clickEffect">
                                   <p:stCondLst>
                                     <p:cond delay="0"/>
                                   </p:stCondLst>
                                   <p:childTnLst>
                                     <p:set>
                                       <p:cBhvr>
-                                        <p:cTn id="15" dur="1" fill="hold">
+                                        <p:cTn id="16" dur="1" fill="hold">
                                           <p:stCondLst>
                                             <p:cond delay="0"/>
                                           </p:stCondLst>
@@ -31719,9 +32010,44 @@
                                     </p:set>
                                     <p:animEffect transition="in" filter="randombar(horizontal)">
                                       <p:cBhvr>
-                                        <p:cTn id="16" dur="500"/>
+                                        <p:cTn id="17" dur="500"/>
                                         <p:tgtEl>
                                           <p:spTgt spid="5"/>
+                                        </p:tgtEl>
+                                      </p:cBhvr>
+                                    </p:animEffect>
+                                  </p:childTnLst>
+                                </p:cTn>
+                              </p:par>
+                              <p:par>
+                                <p:cTn id="18" presetID="14" presetClass="entr" presetSubtype="10" fill="hold" nodeType="withEffect">
+                                  <p:stCondLst>
+                                    <p:cond delay="0"/>
+                                  </p:stCondLst>
+                                  <p:childTnLst>
+                                    <p:set>
+                                      <p:cBhvr>
+                                        <p:cTn id="19" dur="1" fill="hold">
+                                          <p:stCondLst>
+                                            <p:cond delay="0"/>
+                                          </p:stCondLst>
+                                        </p:cTn>
+                                        <p:tgtEl>
+                                          <p:spTgt spid="3"/>
+                                        </p:tgtEl>
+                                        <p:attrNameLst>
+                                          <p:attrName>style.visibility</p:attrName>
+                                        </p:attrNameLst>
+                                      </p:cBhvr>
+                                      <p:to>
+                                        <p:strVal val="visible"/>
+                                      </p:to>
+                                    </p:set>
+                                    <p:animEffect transition="in" filter="randombar(horizontal)">
+                                      <p:cBhvr>
+                                        <p:cTn id="20" dur="500"/>
+                                        <p:tgtEl>
+                                          <p:spTgt spid="3"/>
                                         </p:tgtEl>
                                       </p:cBhvr>
                                     </p:animEffect>
@@ -32092,24 +32418,50 @@
                                   </p:childTnLst>
                                 </p:cTn>
                               </p:par>
-                            </p:childTnLst>
-                          </p:cTn>
-                        </p:par>
-                        <p:par>
-                          <p:cTn id="9" fill="hold">
-                            <p:stCondLst>
-                              <p:cond delay="500"/>
-                            </p:stCondLst>
-                            <p:childTnLst>
                               <p:par>
-                                <p:cTn id="10" presetID="14" presetClass="entr" presetSubtype="10" fill="hold" grpId="0" nodeType="afterEffect">
+                                <p:cTn id="9" presetID="14" presetClass="entr" presetSubtype="10" fill="hold" nodeType="withEffect">
                                   <p:stCondLst>
                                     <p:cond delay="0"/>
                                   </p:stCondLst>
                                   <p:childTnLst>
                                     <p:set>
                                       <p:cBhvr>
-                                        <p:cTn id="11" dur="1" fill="hold">
+                                        <p:cTn id="10" dur="1" fill="hold">
+                                          <p:stCondLst>
+                                            <p:cond delay="0"/>
+                                          </p:stCondLst>
+                                        </p:cTn>
+                                        <p:tgtEl>
+                                          <p:spTgt spid="6"/>
+                                        </p:tgtEl>
+                                        <p:attrNameLst>
+                                          <p:attrName>style.visibility</p:attrName>
+                                        </p:attrNameLst>
+                                      </p:cBhvr>
+                                      <p:to>
+                                        <p:strVal val="visible"/>
+                                      </p:to>
+                                    </p:set>
+                                    <p:animEffect transition="in" filter="randombar(horizontal)">
+                                      <p:cBhvr>
+                                        <p:cTn id="11" dur="500"/>
+                                        <p:tgtEl>
+                                          <p:spTgt spid="6"/>
+                                        </p:tgtEl>
+                                      </p:cBhvr>
+                                    </p:animEffect>
+                                  </p:childTnLst>
+                                </p:cTn>
+                              </p:par>
+                              <p:par>
+                                <p:cTn id="12" presetID="14" presetClass="entr" presetSubtype="10" fill="hold" grpId="0" nodeType="withEffect">
+                                  <p:stCondLst>
+                                    <p:cond delay="0"/>
+                                  </p:stCondLst>
+                                  <p:childTnLst>
+                                    <p:set>
+                                      <p:cBhvr>
+                                        <p:cTn id="13" dur="1" fill="hold">
                                           <p:stCondLst>
                                             <p:cond delay="0"/>
                                           </p:stCondLst>
@@ -32127,7 +32479,7 @@
                                     </p:set>
                                     <p:animEffect transition="in" filter="randombar(horizontal)">
                                       <p:cBhvr>
-                                        <p:cTn id="12" dur="500"/>
+                                        <p:cTn id="14" dur="500"/>
                                         <p:tgtEl>
                                           <p:spTgt spid="9"/>
                                         </p:tgtEl>
@@ -32139,21 +32491,65 @@
                             </p:childTnLst>
                           </p:cTn>
                         </p:par>
+                      </p:childTnLst>
+                    </p:cTn>
+                  </p:par>
+                  <p:par>
+                    <p:cTn id="15" fill="hold">
+                      <p:stCondLst>
+                        <p:cond delay="indefinite"/>
+                      </p:stCondLst>
+                      <p:childTnLst>
                         <p:par>
-                          <p:cTn id="13" fill="hold">
+                          <p:cTn id="16" fill="hold">
                             <p:stCondLst>
-                              <p:cond delay="1000"/>
+                              <p:cond delay="0"/>
                             </p:stCondLst>
                             <p:childTnLst>
                               <p:par>
-                                <p:cTn id="14" presetID="14" presetClass="entr" presetSubtype="10" fill="hold" grpId="0" nodeType="afterEffect">
+                                <p:cTn id="17" presetID="14" presetClass="entr" presetSubtype="10" fill="hold" nodeType="clickEffect">
                                   <p:stCondLst>
                                     <p:cond delay="0"/>
                                   </p:stCondLst>
                                   <p:childTnLst>
                                     <p:set>
                                       <p:cBhvr>
-                                        <p:cTn id="15" dur="1" fill="hold">
+                                        <p:cTn id="18" dur="1" fill="hold">
+                                          <p:stCondLst>
+                                            <p:cond delay="0"/>
+                                          </p:stCondLst>
+                                        </p:cTn>
+                                        <p:tgtEl>
+                                          <p:spTgt spid="7"/>
+                                        </p:tgtEl>
+                                        <p:attrNameLst>
+                                          <p:attrName>style.visibility</p:attrName>
+                                        </p:attrNameLst>
+                                      </p:cBhvr>
+                                      <p:to>
+                                        <p:strVal val="visible"/>
+                                      </p:to>
+                                    </p:set>
+                                    <p:animEffect transition="in" filter="randombar(horizontal)">
+                                      <p:cBhvr>
+                                        <p:cTn id="19" dur="500"/>
+                                        <p:tgtEl>
+                                          <p:spTgt spid="7"/>
+                                        </p:tgtEl>
+                                      </p:cBhvr>
+                                    </p:animEffect>
+                                  </p:childTnLst>
+                                </p:cTn>
+                              </p:par>
+                              <p:par>
+                                <p:cTn id="20" presetID="14" presetClass="entr" presetSubtype="10" fill="hold" grpId="0" nodeType="withEffect">
+                                  <p:stCondLst>
+                                    <p:cond delay="0"/>
+                                  </p:stCondLst>
+                                  <p:childTnLst>
+                                    <p:set>
+                                      <p:cBhvr>
+                                        <p:cTn id="21" dur="1" fill="hold">
                                           <p:stCondLst>
                                             <p:cond delay="0"/>
                                           </p:stCondLst>
@@ -32171,7 +32567,7 @@
                                     </p:set>
                                     <p:animEffect transition="in" filter="randombar(horizontal)">
                                       <p:cBhvr>
-                                        <p:cTn id="16" dur="500"/>
+                                        <p:cTn id="22" dur="500"/>
                                         <p:tgtEl>
                                           <p:spTgt spid="11"/>
                                         </p:tgtEl>
@@ -32550,24 +32946,50 @@
                                   </p:childTnLst>
                                 </p:cTn>
                               </p:par>
-                            </p:childTnLst>
-                          </p:cTn>
-                        </p:par>
-                        <p:par>
-                          <p:cTn id="9" fill="hold">
-                            <p:stCondLst>
-                              <p:cond delay="500"/>
-                            </p:stCondLst>
-                            <p:childTnLst>
                               <p:par>
-                                <p:cTn id="10" presetID="14" presetClass="entr" presetSubtype="10" fill="hold" grpId="0" nodeType="afterEffect">
+                                <p:cTn id="9" presetID="14" presetClass="entr" presetSubtype="10" fill="hold" nodeType="withEffect">
                                   <p:stCondLst>
                                     <p:cond delay="0"/>
                                   </p:stCondLst>
                                   <p:childTnLst>
                                     <p:set>
                                       <p:cBhvr>
-                                        <p:cTn id="11" dur="1" fill="hold">
+                                        <p:cTn id="10" dur="1" fill="hold">
+                                          <p:stCondLst>
+                                            <p:cond delay="0"/>
+                                          </p:stCondLst>
+                                        </p:cTn>
+                                        <p:tgtEl>
+                                          <p:spTgt spid="2"/>
+                                        </p:tgtEl>
+                                        <p:attrNameLst>
+                                          <p:attrName>style.visibility</p:attrName>
+                                        </p:attrNameLst>
+                                      </p:cBhvr>
+                                      <p:to>
+                                        <p:strVal val="visible"/>
+                                      </p:to>
+                                    </p:set>
+                                    <p:animEffect transition="in" filter="randombar(horizontal)">
+                                      <p:cBhvr>
+                                        <p:cTn id="11" dur="500"/>
+                                        <p:tgtEl>
+                                          <p:spTgt spid="2"/>
+                                        </p:tgtEl>
+                                      </p:cBhvr>
+                                    </p:animEffect>
+                                  </p:childTnLst>
+                                </p:cTn>
+                              </p:par>
+                              <p:par>
+                                <p:cTn id="12" presetID="14" presetClass="entr" presetSubtype="10" fill="hold" grpId="0" nodeType="withEffect">
+                                  <p:stCondLst>
+                                    <p:cond delay="0"/>
+                                  </p:stCondLst>
+                                  <p:childTnLst>
+                                    <p:set>
+                                      <p:cBhvr>
+                                        <p:cTn id="13" dur="1" fill="hold">
                                           <p:stCondLst>
                                             <p:cond delay="0"/>
                                           </p:stCondLst>
@@ -32585,7 +33007,7 @@
                                     </p:set>
                                     <p:animEffect transition="in" filter="randombar(horizontal)">
                                       <p:cBhvr>
-                                        <p:cTn id="12" dur="500"/>
+                                        <p:cTn id="14" dur="500"/>
                                         <p:tgtEl>
                                           <p:spTgt spid="8"/>
                                         </p:tgtEl>
@@ -32597,21 +33019,65 @@
                             </p:childTnLst>
                           </p:cTn>
                         </p:par>
+                      </p:childTnLst>
+                    </p:cTn>
+                  </p:par>
+                  <p:par>
+                    <p:cTn id="15" fill="hold">
+                      <p:stCondLst>
+                        <p:cond delay="indefinite"/>
+                      </p:stCondLst>
+                      <p:childTnLst>
                         <p:par>
-                          <p:cTn id="13" fill="hold">
+                          <p:cTn id="16" fill="hold">
                             <p:stCondLst>
-                              <p:cond delay="1000"/>
+                              <p:cond delay="0"/>
                             </p:stCondLst>
                             <p:childTnLst>
                               <p:par>
-                                <p:cTn id="14" presetID="14" presetClass="entr" presetSubtype="10" fill="hold" grpId="0" nodeType="afterEffect">
+                                <p:cTn id="17" presetID="14" presetClass="entr" presetSubtype="10" fill="hold" nodeType="clickEffect">
                                   <p:stCondLst>
                                     <p:cond delay="0"/>
                                   </p:stCondLst>
                                   <p:childTnLst>
                                     <p:set>
                                       <p:cBhvr>
-                                        <p:cTn id="15" dur="1" fill="hold">
+                                        <p:cTn id="18" dur="1" fill="hold">
+                                          <p:stCondLst>
+                                            <p:cond delay="0"/>
+                                          </p:stCondLst>
+                                        </p:cTn>
+                                        <p:tgtEl>
+                                          <p:spTgt spid="4"/>
+                                        </p:tgtEl>
+                                        <p:attrNameLst>
+                                          <p:attrName>style.visibility</p:attrName>
+                                        </p:attrNameLst>
+                                      </p:cBhvr>
+                                      <p:to>
+                                        <p:strVal val="visible"/>
+                                      </p:to>
+                                    </p:set>
+                                    <p:animEffect transition="in" filter="randombar(horizontal)">
+                                      <p:cBhvr>
+                                        <p:cTn id="19" dur="500"/>
+                                        <p:tgtEl>
+                                          <p:spTgt spid="4"/>
+                                        </p:tgtEl>
+                                      </p:cBhvr>
+                                    </p:animEffect>
+                                  </p:childTnLst>
+                                </p:cTn>
+                              </p:par>
+                              <p:par>
+                                <p:cTn id="20" presetID="14" presetClass="entr" presetSubtype="10" fill="hold" grpId="0" nodeType="withEffect">
+                                  <p:stCondLst>
+                                    <p:cond delay="0"/>
+                                  </p:stCondLst>
+                                  <p:childTnLst>
+                                    <p:set>
+                                      <p:cBhvr>
+                                        <p:cTn id="21" dur="1" fill="hold">
                                           <p:stCondLst>
                                             <p:cond delay="0"/>
                                           </p:stCondLst>
@@ -32629,7 +33095,7 @@
                                     </p:set>
                                     <p:animEffect transition="in" filter="randombar(horizontal)">
                                       <p:cBhvr>
-                                        <p:cTn id="16" dur="500"/>
+                                        <p:cTn id="22" dur="500"/>
                                         <p:tgtEl>
                                           <p:spTgt spid="10"/>
                                         </p:tgtEl>
@@ -32939,24 +33405,50 @@
                                   </p:childTnLst>
                                 </p:cTn>
                               </p:par>
-                            </p:childTnLst>
-                          </p:cTn>
-                        </p:par>
-                        <p:par>
-                          <p:cTn id="9" fill="hold">
-                            <p:stCondLst>
-                              <p:cond delay="500"/>
-                            </p:stCondLst>
-                            <p:childTnLst>
                               <p:par>
-                                <p:cTn id="10" presetID="14" presetClass="entr" presetSubtype="10" fill="hold" grpId="0" nodeType="afterEffect">
+                                <p:cTn id="9" presetID="14" presetClass="entr" presetSubtype="10" fill="hold" nodeType="withEffect">
                                   <p:stCondLst>
                                     <p:cond delay="0"/>
                                   </p:stCondLst>
                                   <p:childTnLst>
                                     <p:set>
                                       <p:cBhvr>
-                                        <p:cTn id="11" dur="1" fill="hold">
+                                        <p:cTn id="10" dur="1" fill="hold">
+                                          <p:stCondLst>
+                                            <p:cond delay="0"/>
+                                          </p:stCondLst>
+                                        </p:cTn>
+                                        <p:tgtEl>
+                                          <p:spTgt spid="8"/>
+                                        </p:tgtEl>
+                                        <p:attrNameLst>
+                                          <p:attrName>style.visibility</p:attrName>
+                                        </p:attrNameLst>
+                                      </p:cBhvr>
+                                      <p:to>
+                                        <p:strVal val="visible"/>
+                                      </p:to>
+                                    </p:set>
+                                    <p:animEffect transition="in" filter="randombar(horizontal)">
+                                      <p:cBhvr>
+                                        <p:cTn id="11" dur="500"/>
+                                        <p:tgtEl>
+                                          <p:spTgt spid="8"/>
+                                        </p:tgtEl>
+                                      </p:cBhvr>
+                                    </p:animEffect>
+                                  </p:childTnLst>
+                                </p:cTn>
+                              </p:par>
+                              <p:par>
+                                <p:cTn id="12" presetID="14" presetClass="entr" presetSubtype="10" fill="hold" grpId="0" nodeType="withEffect">
+                                  <p:stCondLst>
+                                    <p:cond delay="0"/>
+                                  </p:stCondLst>
+                                  <p:childTnLst>
+                                    <p:set>
+                                      <p:cBhvr>
+                                        <p:cTn id="13" dur="1" fill="hold">
                                           <p:stCondLst>
                                             <p:cond delay="0"/>
                                           </p:stCondLst>
@@ -32974,7 +33466,7 @@
                                     </p:set>
                                     <p:animEffect transition="in" filter="randombar(horizontal)">
                                       <p:cBhvr>
-                                        <p:cTn id="12" dur="500"/>
+                                        <p:cTn id="14" dur="500"/>
                                         <p:tgtEl>
                                           <p:spTgt spid="9"/>
                                         </p:tgtEl>
@@ -33358,24 +33850,50 @@
                                   </p:childTnLst>
                                 </p:cTn>
                               </p:par>
-                            </p:childTnLst>
-                          </p:cTn>
-                        </p:par>
-                        <p:par>
-                          <p:cTn id="9" fill="hold">
-                            <p:stCondLst>
-                              <p:cond delay="500"/>
-                            </p:stCondLst>
-                            <p:childTnLst>
                               <p:par>
-                                <p:cTn id="10" presetID="14" presetClass="entr" presetSubtype="10" fill="hold" grpId="0" nodeType="afterEffect">
+                                <p:cTn id="9" presetID="14" presetClass="entr" presetSubtype="10" fill="hold" nodeType="withEffect">
                                   <p:stCondLst>
                                     <p:cond delay="0"/>
                                   </p:stCondLst>
                                   <p:childTnLst>
                                     <p:set>
                                       <p:cBhvr>
-                                        <p:cTn id="11" dur="1" fill="hold">
+                                        <p:cTn id="10" dur="1" fill="hold">
+                                          <p:stCondLst>
+                                            <p:cond delay="0"/>
+                                          </p:stCondLst>
+                                        </p:cTn>
+                                        <p:tgtEl>
+                                          <p:spTgt spid="2"/>
+                                        </p:tgtEl>
+                                        <p:attrNameLst>
+                                          <p:attrName>style.visibility</p:attrName>
+                                        </p:attrNameLst>
+                                      </p:cBhvr>
+                                      <p:to>
+                                        <p:strVal val="visible"/>
+                                      </p:to>
+                                    </p:set>
+                                    <p:animEffect transition="in" filter="randombar(horizontal)">
+                                      <p:cBhvr>
+                                        <p:cTn id="11" dur="500"/>
+                                        <p:tgtEl>
+                                          <p:spTgt spid="2"/>
+                                        </p:tgtEl>
+                                      </p:cBhvr>
+                                    </p:animEffect>
+                                  </p:childTnLst>
+                                </p:cTn>
+                              </p:par>
+                              <p:par>
+                                <p:cTn id="12" presetID="14" presetClass="entr" presetSubtype="10" fill="hold" grpId="0" nodeType="withEffect">
+                                  <p:stCondLst>
+                                    <p:cond delay="0"/>
+                                  </p:stCondLst>
+                                  <p:childTnLst>
+                                    <p:set>
+                                      <p:cBhvr>
+                                        <p:cTn id="13" dur="1" fill="hold">
                                           <p:stCondLst>
                                             <p:cond delay="0"/>
                                           </p:stCondLst>
@@ -33393,7 +33911,7 @@
                                     </p:set>
                                     <p:animEffect transition="in" filter="randombar(horizontal)">
                                       <p:cBhvr>
-                                        <p:cTn id="12" dur="500"/>
+                                        <p:cTn id="14" dur="500"/>
                                         <p:tgtEl>
                                           <p:spTgt spid="9"/>
                                         </p:tgtEl>
@@ -33405,21 +33923,65 @@
                             </p:childTnLst>
                           </p:cTn>
                         </p:par>
+                      </p:childTnLst>
+                    </p:cTn>
+                  </p:par>
+                  <p:par>
+                    <p:cTn id="15" fill="hold">
+                      <p:stCondLst>
+                        <p:cond delay="indefinite"/>
+                      </p:stCondLst>
+                      <p:childTnLst>
                         <p:par>
-                          <p:cTn id="13" fill="hold">
+                          <p:cTn id="16" fill="hold">
                             <p:stCondLst>
-                              <p:cond delay="1000"/>
+                              <p:cond delay="0"/>
                             </p:stCondLst>
                             <p:childTnLst>
                               <p:par>
-                                <p:cTn id="14" presetID="14" presetClass="entr" presetSubtype="10" fill="hold" grpId="0" nodeType="afterEffect">
+                                <p:cTn id="17" presetID="14" presetClass="entr" presetSubtype="10" fill="hold" nodeType="clickEffect">
                                   <p:stCondLst>
                                     <p:cond delay="0"/>
                                   </p:stCondLst>
                                   <p:childTnLst>
                                     <p:set>
                                       <p:cBhvr>
-                                        <p:cTn id="15" dur="1" fill="hold">
+                                        <p:cTn id="18" dur="1" fill="hold">
+                                          <p:stCondLst>
+                                            <p:cond delay="0"/>
+                                          </p:stCondLst>
+                                        </p:cTn>
+                                        <p:tgtEl>
+                                          <p:spTgt spid="3"/>
+                                        </p:tgtEl>
+                                        <p:attrNameLst>
+                                          <p:attrName>style.visibility</p:attrName>
+                                        </p:attrNameLst>
+                                      </p:cBhvr>
+                                      <p:to>
+                                        <p:strVal val="visible"/>
+                                      </p:to>
+                                    </p:set>
+                                    <p:animEffect transition="in" filter="randombar(horizontal)">
+                                      <p:cBhvr>
+                                        <p:cTn id="19" dur="500"/>
+                                        <p:tgtEl>
+                                          <p:spTgt spid="3"/>
+                                        </p:tgtEl>
+                                      </p:cBhvr>
+                                    </p:animEffect>
+                                  </p:childTnLst>
+                                </p:cTn>
+                              </p:par>
+                              <p:par>
+                                <p:cTn id="20" presetID="14" presetClass="entr" presetSubtype="10" fill="hold" grpId="0" nodeType="withEffect">
+                                  <p:stCondLst>
+                                    <p:cond delay="0"/>
+                                  </p:stCondLst>
+                                  <p:childTnLst>
+                                    <p:set>
+                                      <p:cBhvr>
+                                        <p:cTn id="21" dur="1" fill="hold">
                                           <p:stCondLst>
                                             <p:cond delay="0"/>
                                           </p:stCondLst>
@@ -33437,7 +33999,7 @@
                                     </p:set>
                                     <p:animEffect transition="in" filter="randombar(horizontal)">
                                       <p:cBhvr>
-                                        <p:cTn id="16" dur="500"/>
+                                        <p:cTn id="22" dur="500"/>
                                         <p:tgtEl>
                                           <p:spTgt spid="7"/>
                                         </p:tgtEl>
@@ -33747,24 +34309,50 @@
                                   </p:childTnLst>
                                 </p:cTn>
                               </p:par>
-                            </p:childTnLst>
-                          </p:cTn>
-                        </p:par>
-                        <p:par>
-                          <p:cTn id="9" fill="hold">
-                            <p:stCondLst>
-                              <p:cond delay="500"/>
-                            </p:stCondLst>
-                            <p:childTnLst>
                               <p:par>
-                                <p:cTn id="10" presetID="14" presetClass="entr" presetSubtype="10" fill="hold" grpId="0" nodeType="afterEffect">
+                                <p:cTn id="9" presetID="14" presetClass="entr" presetSubtype="10" fill="hold" nodeType="withEffect">
                                   <p:stCondLst>
                                     <p:cond delay="0"/>
                                   </p:stCondLst>
                                   <p:childTnLst>
                                     <p:set>
                                       <p:cBhvr>
-                                        <p:cTn id="11" dur="1" fill="hold">
+                                        <p:cTn id="10" dur="1" fill="hold">
+                                          <p:stCondLst>
+                                            <p:cond delay="0"/>
+                                          </p:stCondLst>
+                                        </p:cTn>
+                                        <p:tgtEl>
+                                          <p:spTgt spid="4"/>
+                                        </p:tgtEl>
+                                        <p:attrNameLst>
+                                          <p:attrName>style.visibility</p:attrName>
+                                        </p:attrNameLst>
+                                      </p:cBhvr>
+                                      <p:to>
+                                        <p:strVal val="visible"/>
+                                      </p:to>
+                                    </p:set>
+                                    <p:animEffect transition="in" filter="randombar(horizontal)">
+                                      <p:cBhvr>
+                                        <p:cTn id="11" dur="500"/>
+                                        <p:tgtEl>
+                                          <p:spTgt spid="4"/>
+                                        </p:tgtEl>
+                                      </p:cBhvr>
+                                    </p:animEffect>
+                                  </p:childTnLst>
+                                </p:cTn>
+                              </p:par>
+                              <p:par>
+                                <p:cTn id="12" presetID="14" presetClass="entr" presetSubtype="10" fill="hold" grpId="0" nodeType="withEffect">
+                                  <p:stCondLst>
+                                    <p:cond delay="0"/>
+                                  </p:stCondLst>
+                                  <p:childTnLst>
+                                    <p:set>
+                                      <p:cBhvr>
+                                        <p:cTn id="13" dur="1" fill="hold">
                                           <p:stCondLst>
                                             <p:cond delay="0"/>
                                           </p:stCondLst>
@@ -33782,7 +34370,7 @@
                                     </p:set>
                                     <p:animEffect transition="in" filter="randombar(horizontal)">
                                       <p:cBhvr>
-                                        <p:cTn id="12" dur="500"/>
+                                        <p:cTn id="14" dur="500"/>
                                         <p:tgtEl>
                                           <p:spTgt spid="7"/>
                                         </p:tgtEl>
@@ -34672,6 +35260,41 @@
                                   </p:childTnLst>
                                 </p:cTn>
                               </p:par>
+                              <p:par>
+                                <p:cTn id="34" presetID="14" presetClass="entr" presetSubtype="10" fill="hold" nodeType="withEffect">
+                                  <p:stCondLst>
+                                    <p:cond delay="0"/>
+                                  </p:stCondLst>
+                                  <p:childTnLst>
+                                    <p:set>
+                                      <p:cBhvr>
+                                        <p:cTn id="35" dur="1" fill="hold">
+                                          <p:stCondLst>
+                                            <p:cond delay="0"/>
+                                          </p:stCondLst>
+                                        </p:cTn>
+                                        <p:tgtEl>
+                                          <p:spTgt spid="3"/>
+                                        </p:tgtEl>
+                                        <p:attrNameLst>
+                                          <p:attrName>style.visibility</p:attrName>
+                                        </p:attrNameLst>
+                                      </p:cBhvr>
+                                      <p:to>
+                                        <p:strVal val="visible"/>
+                                      </p:to>
+                                    </p:set>
+                                    <p:animEffect transition="in" filter="randombar(horizontal)">
+                                      <p:cBhvr>
+                                        <p:cTn id="36" dur="500"/>
+                                        <p:tgtEl>
+                                          <p:spTgt spid="3"/>
+                                        </p:tgtEl>
+                                      </p:cBhvr>
+                                    </p:animEffect>
+                                  </p:childTnLst>
+                                </p:cTn>
+                              </p:par>
                             </p:childTnLst>
                           </p:cTn>
                         </p:par>
@@ -34951,6 +35574,9 @@
                     <p:cTn id="3" fill="hold">
                       <p:stCondLst>
                         <p:cond delay="indefinite"/>
+                        <p:cond evt="onBegin" delay="0">
+                          <p:tn val="2"/>
+                        </p:cond>
                       </p:stCondLst>
                       <p:childTnLst>
                         <p:par>
@@ -34960,7 +35586,7 @@
                             </p:stCondLst>
                             <p:childTnLst>
                               <p:par>
-                                <p:cTn id="5" presetID="2" presetClass="entr" presetSubtype="4" fill="hold" nodeType="clickEffect">
+                                <p:cTn id="5" presetID="2" presetClass="entr" presetSubtype="4" fill="hold" nodeType="withEffect">
                                   <p:stCondLst>
                                     <p:cond delay="0"/>
                                   </p:stCondLst>
@@ -36555,13 +37181,7 @@
               <a:rPr lang="en-US" altLang="zh-CN" sz="1100" dirty="0" smtClean="0">
                 <a:latin typeface="+mn-ea"/>
               </a:rPr>
-              <a:t>1.</a:t>
-            </a:r>
-            <a:r>
-              <a:rPr lang="en-US" altLang="zh-CN" sz="1100" dirty="0" smtClean="0">
-                <a:latin typeface="+mn-ea"/>
-              </a:rPr>
-              <a:t>robotframework</a:t>
+              <a:t>1.robotframework</a:t>
             </a:r>
             <a:r>
               <a:rPr lang="zh-CN" altLang="en-US" sz="1100" dirty="0" smtClean="0">
@@ -36640,9 +37260,6 @@
               </a:rPr>
               <a:t>ride</a:t>
             </a:r>
-            <a:endParaRPr lang="en-US" altLang="zh-CN" sz="1100" dirty="0" smtClean="0">
-              <a:latin typeface="+mn-ea"/>
-            </a:endParaRPr>
           </a:p>
         </p:txBody>
       </p:sp>
@@ -36876,6 +37493,41 @@
                                   </p:childTnLst>
                                 </p:cTn>
                               </p:par>
+                              <p:par>
+                                <p:cTn id="18" presetID="14" presetClass="entr" presetSubtype="10" fill="hold" nodeType="withEffect">
+                                  <p:stCondLst>
+                                    <p:cond delay="0"/>
+                                  </p:stCondLst>
+                                  <p:childTnLst>
+                                    <p:set>
+                                      <p:cBhvr>
+                                        <p:cTn id="19" dur="1" fill="hold">
+                                          <p:stCondLst>
+                                            <p:cond delay="0"/>
+                                          </p:stCondLst>
+                                        </p:cTn>
+                                        <p:tgtEl>
+                                          <p:spTgt spid="3"/>
+                                        </p:tgtEl>
+                                        <p:attrNameLst>
+                                          <p:attrName>style.visibility</p:attrName>
+                                        </p:attrNameLst>
+                                      </p:cBhvr>
+                                      <p:to>
+                                        <p:strVal val="visible"/>
+                                      </p:to>
+                                    </p:set>
+                                    <p:animEffect transition="in" filter="randombar(horizontal)">
+                                      <p:cBhvr>
+                                        <p:cTn id="20" dur="500"/>
+                                        <p:tgtEl>
+                                          <p:spTgt spid="3"/>
+                                        </p:tgtEl>
+                                      </p:cBhvr>
+                                    </p:animEffect>
+                                  </p:childTnLst>
+                                </p:cTn>
+                              </p:par>
                             </p:childTnLst>
                           </p:cTn>
                         </p:par>
@@ -39610,6 +40262,41 @@
                                         </p:tav>
                                       </p:tavLst>
                                     </p:anim>
+                                  </p:childTnLst>
+                                </p:cTn>
+                              </p:par>
+                              <p:par>
+                                <p:cTn id="9" presetID="14" presetClass="entr" presetSubtype="10" fill="hold" nodeType="withEffect">
+                                  <p:stCondLst>
+                                    <p:cond delay="0"/>
+                                  </p:stCondLst>
+                                  <p:childTnLst>
+                                    <p:set>
+                                      <p:cBhvr>
+                                        <p:cTn id="10" dur="1" fill="hold">
+                                          <p:stCondLst>
+                                            <p:cond delay="0"/>
+                                          </p:stCondLst>
+                                        </p:cTn>
+                                        <p:tgtEl>
+                                          <p:spTgt spid="7"/>
+                                        </p:tgtEl>
+                                        <p:attrNameLst>
+                                          <p:attrName>style.visibility</p:attrName>
+                                        </p:attrNameLst>
+                                      </p:cBhvr>
+                                      <p:to>
+                                        <p:strVal val="visible"/>
+                                      </p:to>
+                                    </p:set>
+                                    <p:animEffect transition="in" filter="randombar(horizontal)">
+                                      <p:cBhvr>
+                                        <p:cTn id="11" dur="500"/>
+                                        <p:tgtEl>
+                                          <p:spTgt spid="7"/>
+                                        </p:tgtEl>
+                                      </p:cBhvr>
+                                    </p:animEffect>
                                   </p:childTnLst>
                                 </p:cTn>
                               </p:par>
@@ -39912,7 +40599,7 @@
           <a:graphicData uri="http://schemas.openxmlformats.org/presentationml/2006/ole">
             <mc:AlternateContent xmlns:mc="http://schemas.openxmlformats.org/markup-compatibility/2006">
               <mc:Choice xmlns:v="urn:schemas-microsoft-com:vml" Requires="v">
-                <p:oleObj spid="_x0000_s2061" name="包装程序外壳对象" showAsIcon="1" r:id="rId6" imgW="1218600" imgH="711360" progId="Package">
+                <p:oleObj spid="_x0000_s2068" name="包装程序外壳对象" showAsIcon="1" r:id="rId6" imgW="1218600" imgH="711360" progId="Package">
                   <p:embed/>
                 </p:oleObj>
               </mc:Choice>
@@ -40056,24 +40743,15 @@
                                   </p:childTnLst>
                                 </p:cTn>
                               </p:par>
-                            </p:childTnLst>
-                          </p:cTn>
-                        </p:par>
-                        <p:par>
-                          <p:cTn id="9" fill="hold">
-                            <p:stCondLst>
-                              <p:cond delay="500"/>
-                            </p:stCondLst>
-                            <p:childTnLst>
                               <p:par>
-                                <p:cTn id="10" presetID="14" presetClass="entr" presetSubtype="10" fill="hold" grpId="0" nodeType="afterEffect">
+                                <p:cTn id="9" presetID="14" presetClass="entr" presetSubtype="10" fill="hold" grpId="0" nodeType="withEffect">
                                   <p:stCondLst>
                                     <p:cond delay="0"/>
                                   </p:stCondLst>
                                   <p:childTnLst>
                                     <p:set>
                                       <p:cBhvr>
-                                        <p:cTn id="11" dur="1" fill="hold">
+                                        <p:cTn id="10" dur="1" fill="hold">
                                           <p:stCondLst>
                                             <p:cond delay="0"/>
                                           </p:stCondLst>
@@ -40091,9 +40769,44 @@
                                     </p:set>
                                     <p:animEffect transition="in" filter="randombar(horizontal)">
                                       <p:cBhvr>
-                                        <p:cTn id="12" dur="500"/>
+                                        <p:cTn id="11" dur="500"/>
                                         <p:tgtEl>
                                           <p:spTgt spid="36"/>
+                                        </p:tgtEl>
+                                      </p:cBhvr>
+                                    </p:animEffect>
+                                  </p:childTnLst>
+                                </p:cTn>
+                              </p:par>
+                              <p:par>
+                                <p:cTn id="12" presetID="14" presetClass="entr" presetSubtype="10" fill="hold" nodeType="withEffect">
+                                  <p:stCondLst>
+                                    <p:cond delay="0"/>
+                                  </p:stCondLst>
+                                  <p:childTnLst>
+                                    <p:set>
+                                      <p:cBhvr>
+                                        <p:cTn id="13" dur="1" fill="hold">
+                                          <p:stCondLst>
+                                            <p:cond delay="0"/>
+                                          </p:stCondLst>
+                                        </p:cTn>
+                                        <p:tgtEl>
+                                          <p:spTgt spid="2"/>
+                                        </p:tgtEl>
+                                        <p:attrNameLst>
+                                          <p:attrName>style.visibility</p:attrName>
+                                        </p:attrNameLst>
+                                      </p:cBhvr>
+                                      <p:to>
+                                        <p:strVal val="visible"/>
+                                      </p:to>
+                                    </p:set>
+                                    <p:animEffect transition="in" filter="randombar(horizontal)">
+                                      <p:cBhvr>
+                                        <p:cTn id="14" dur="500"/>
+                                        <p:tgtEl>
+                                          <p:spTgt spid="2"/>
                                         </p:tgtEl>
                                       </p:cBhvr>
                                     </p:animEffect>
@@ -40103,21 +40816,30 @@
                             </p:childTnLst>
                           </p:cTn>
                         </p:par>
+                      </p:childTnLst>
+                    </p:cTn>
+                  </p:par>
+                  <p:par>
+                    <p:cTn id="15" fill="hold">
+                      <p:stCondLst>
+                        <p:cond delay="indefinite"/>
+                      </p:stCondLst>
+                      <p:childTnLst>
                         <p:par>
-                          <p:cTn id="13" fill="hold">
+                          <p:cTn id="16" fill="hold">
                             <p:stCondLst>
-                              <p:cond delay="1000"/>
+                              <p:cond delay="0"/>
                             </p:stCondLst>
                             <p:childTnLst>
                               <p:par>
-                                <p:cTn id="14" presetID="14" presetClass="entr" presetSubtype="10" fill="hold" grpId="0" nodeType="afterEffect">
+                                <p:cTn id="17" presetID="14" presetClass="entr" presetSubtype="10" fill="hold" grpId="0" nodeType="clickEffect">
                                   <p:stCondLst>
                                     <p:cond delay="0"/>
                                   </p:stCondLst>
                                   <p:childTnLst>
                                     <p:set>
                                       <p:cBhvr>
-                                        <p:cTn id="15" dur="1" fill="hold">
+                                        <p:cTn id="18" dur="1" fill="hold">
                                           <p:stCondLst>
                                             <p:cond delay="0"/>
                                           </p:stCondLst>
@@ -40135,9 +40857,97 @@
                                     </p:set>
                                     <p:animEffect transition="in" filter="randombar(horizontal)">
                                       <p:cBhvr>
-                                        <p:cTn id="16" dur="500"/>
+                                        <p:cTn id="19" dur="500"/>
                                         <p:tgtEl>
                                           <p:spTgt spid="6"/>
+                                        </p:tgtEl>
+                                      </p:cBhvr>
+                                    </p:animEffect>
+                                  </p:childTnLst>
+                                </p:cTn>
+                              </p:par>
+                              <p:par>
+                                <p:cTn id="20" presetID="14" presetClass="entr" presetSubtype="10" fill="hold" nodeType="withEffect">
+                                  <p:stCondLst>
+                                    <p:cond delay="0"/>
+                                  </p:stCondLst>
+                                  <p:childTnLst>
+                                    <p:set>
+                                      <p:cBhvr>
+                                        <p:cTn id="21" dur="1" fill="hold">
+                                          <p:stCondLst>
+                                            <p:cond delay="0"/>
+                                          </p:stCondLst>
+                                        </p:cTn>
+                                        <p:tgtEl>
+                                          <p:spTgt spid="3"/>
+                                        </p:tgtEl>
+                                        <p:attrNameLst>
+                                          <p:attrName>style.visibility</p:attrName>
+                                        </p:attrNameLst>
+                                      </p:cBhvr>
+                                      <p:to>
+                                        <p:strVal val="visible"/>
+                                      </p:to>
+                                    </p:set>
+                                    <p:animEffect transition="in" filter="randombar(horizontal)">
+                                      <p:cBhvr>
+                                        <p:cTn id="22" dur="500"/>
+                                        <p:tgtEl>
+                                          <p:spTgt spid="3"/>
+                                        </p:tgtEl>
+                                      </p:cBhvr>
+                                    </p:animEffect>
+                                  </p:childTnLst>
+                                </p:cTn>
+                              </p:par>
+                            </p:childTnLst>
+                          </p:cTn>
+                        </p:par>
+                      </p:childTnLst>
+                    </p:cTn>
+                  </p:par>
+                  <p:par>
+                    <p:cTn id="23" fill="hold">
+                      <p:stCondLst>
+                        <p:cond delay="indefinite"/>
+                      </p:stCondLst>
+                      <p:childTnLst>
+                        <p:par>
+                          <p:cTn id="24" fill="hold">
+                            <p:stCondLst>
+                              <p:cond delay="0"/>
+                            </p:stCondLst>
+                            <p:childTnLst>
+                              <p:par>
+                                <p:cTn id="25" presetID="14" presetClass="entr" presetSubtype="10" fill="hold" nodeType="clickEffect">
+                                  <p:stCondLst>
+                                    <p:cond delay="0"/>
+                                  </p:stCondLst>
+                                  <p:childTnLst>
+                                    <p:set>
+                                      <p:cBhvr>
+                                        <p:cTn id="26" dur="1" fill="hold">
+                                          <p:stCondLst>
+                                            <p:cond delay="0"/>
+                                          </p:stCondLst>
+                                        </p:cTn>
+                                        <p:tgtEl>
+                                          <p:spTgt spid="4"/>
+                                        </p:tgtEl>
+                                        <p:attrNameLst>
+                                          <p:attrName>style.visibility</p:attrName>
+                                        </p:attrNameLst>
+                                      </p:cBhvr>
+                                      <p:to>
+                                        <p:strVal val="visible"/>
+                                      </p:to>
+                                    </p:set>
+                                    <p:animEffect transition="in" filter="randombar(horizontal)">
+                                      <p:cBhvr>
+                                        <p:cTn id="27" dur="500"/>
+                                        <p:tgtEl>
+                                          <p:spTgt spid="4"/>
                                         </p:tgtEl>
                                       </p:cBhvr>
                                     </p:animEffect>
@@ -40591,24 +41401,68 @@
                                   </p:childTnLst>
                                 </p:cTn>
                               </p:par>
-                            </p:childTnLst>
-                          </p:cTn>
-                        </p:par>
-                        <p:par>
-                          <p:cTn id="13" fill="hold">
-                            <p:stCondLst>
-                              <p:cond delay="1000"/>
-                            </p:stCondLst>
-                            <p:childTnLst>
                               <p:par>
-                                <p:cTn id="14" presetID="14" presetClass="entr" presetSubtype="10" fill="hold" grpId="0" nodeType="afterEffect">
+                                <p:cTn id="13" presetID="14" presetClass="entr" presetSubtype="10" fill="hold" nodeType="withEffect">
                                   <p:stCondLst>
                                     <p:cond delay="0"/>
                                   </p:stCondLst>
                                   <p:childTnLst>
                                     <p:set>
                                       <p:cBhvr>
-                                        <p:cTn id="15" dur="1" fill="hold">
+                                        <p:cTn id="14" dur="1" fill="hold">
+                                          <p:stCondLst>
+                                            <p:cond delay="0"/>
+                                          </p:stCondLst>
+                                        </p:cTn>
+                                        <p:tgtEl>
+                                          <p:spTgt spid="4"/>
+                                        </p:tgtEl>
+                                        <p:attrNameLst>
+                                          <p:attrName>style.visibility</p:attrName>
+                                        </p:attrNameLst>
+                                      </p:cBhvr>
+                                      <p:to>
+                                        <p:strVal val="visible"/>
+                                      </p:to>
+                                    </p:set>
+                                    <p:animEffect transition="in" filter="randombar(horizontal)">
+                                      <p:cBhvr>
+                                        <p:cTn id="15" dur="500"/>
+                                        <p:tgtEl>
+                                          <p:spTgt spid="4"/>
+                                        </p:tgtEl>
+                                      </p:cBhvr>
+                                    </p:animEffect>
+                                  </p:childTnLst>
+                                </p:cTn>
+                              </p:par>
+                            </p:childTnLst>
+                          </p:cTn>
+                        </p:par>
+                      </p:childTnLst>
+                    </p:cTn>
+                  </p:par>
+                  <p:par>
+                    <p:cTn id="16" fill="hold">
+                      <p:stCondLst>
+                        <p:cond delay="indefinite"/>
+                      </p:stCondLst>
+                      <p:childTnLst>
+                        <p:par>
+                          <p:cTn id="17" fill="hold">
+                            <p:stCondLst>
+                              <p:cond delay="0"/>
+                            </p:stCondLst>
+                            <p:childTnLst>
+                              <p:par>
+                                <p:cTn id="18" presetID="14" presetClass="entr" presetSubtype="10" fill="hold" grpId="0" nodeType="clickEffect">
+                                  <p:stCondLst>
+                                    <p:cond delay="0"/>
+                                  </p:stCondLst>
+                                  <p:childTnLst>
+                                    <p:set>
+                                      <p:cBhvr>
+                                        <p:cTn id="19" dur="1" fill="hold">
                                           <p:stCondLst>
                                             <p:cond delay="0"/>
                                           </p:stCondLst>
@@ -40626,9 +41480,44 @@
                                     </p:set>
                                     <p:animEffect transition="in" filter="randombar(horizontal)">
                                       <p:cBhvr>
-                                        <p:cTn id="16" dur="500"/>
+                                        <p:cTn id="20" dur="500"/>
                                         <p:tgtEl>
                                           <p:spTgt spid="6"/>
+                                        </p:tgtEl>
+                                      </p:cBhvr>
+                                    </p:animEffect>
+                                  </p:childTnLst>
+                                </p:cTn>
+                              </p:par>
+                              <p:par>
+                                <p:cTn id="21" presetID="14" presetClass="entr" presetSubtype="10" fill="hold" nodeType="withEffect">
+                                  <p:stCondLst>
+                                    <p:cond delay="0"/>
+                                  </p:stCondLst>
+                                  <p:childTnLst>
+                                    <p:set>
+                                      <p:cBhvr>
+                                        <p:cTn id="22" dur="1" fill="hold">
+                                          <p:stCondLst>
+                                            <p:cond delay="0"/>
+                                          </p:stCondLst>
+                                        </p:cTn>
+                                        <p:tgtEl>
+                                          <p:spTgt spid="5"/>
+                                        </p:tgtEl>
+                                        <p:attrNameLst>
+                                          <p:attrName>style.visibility</p:attrName>
+                                        </p:attrNameLst>
+                                      </p:cBhvr>
+                                      <p:to>
+                                        <p:strVal val="visible"/>
+                                      </p:to>
+                                    </p:set>
+                                    <p:animEffect transition="in" filter="randombar(horizontal)">
+                                      <p:cBhvr>
+                                        <p:cTn id="23" dur="500"/>
+                                        <p:tgtEl>
+                                          <p:spTgt spid="5"/>
                                         </p:tgtEl>
                                       </p:cBhvr>
                                     </p:animEffect>
@@ -40930,7 +41819,7 @@
         </p:blipFill>
         <p:spPr>
           <a:xfrm>
-            <a:off x="971600" y="1346569"/>
+            <a:off x="971600" y="1347614"/>
             <a:ext cx="7362332" cy="1159236"/>
           </a:xfrm>
           <a:prstGeom prst="rect">
@@ -41119,24 +42008,15 @@
                                   </p:childTnLst>
                                 </p:cTn>
                               </p:par>
-                            </p:childTnLst>
-                          </p:cTn>
-                        </p:par>
-                        <p:par>
-                          <p:cTn id="9" fill="hold">
-                            <p:stCondLst>
-                              <p:cond delay="500"/>
-                            </p:stCondLst>
-                            <p:childTnLst>
                               <p:par>
-                                <p:cTn id="10" presetID="14" presetClass="entr" presetSubtype="10" fill="hold" grpId="0" nodeType="afterEffect">
+                                <p:cTn id="9" presetID="14" presetClass="entr" presetSubtype="10" fill="hold" grpId="0" nodeType="withEffect">
                                   <p:stCondLst>
                                     <p:cond delay="0"/>
                                   </p:stCondLst>
                                   <p:childTnLst>
                                     <p:set>
                                       <p:cBhvr>
-                                        <p:cTn id="11" dur="1" fill="hold">
+                                        <p:cTn id="10" dur="1" fill="hold">
                                           <p:stCondLst>
                                             <p:cond delay="0"/>
                                           </p:stCondLst>
@@ -41154,9 +42034,44 @@
                                     </p:set>
                                     <p:animEffect transition="in" filter="randombar(horizontal)">
                                       <p:cBhvr>
-                                        <p:cTn id="12" dur="500"/>
+                                        <p:cTn id="11" dur="500"/>
                                         <p:tgtEl>
                                           <p:spTgt spid="36"/>
+                                        </p:tgtEl>
+                                      </p:cBhvr>
+                                    </p:animEffect>
+                                  </p:childTnLst>
+                                </p:cTn>
+                              </p:par>
+                              <p:par>
+                                <p:cTn id="12" presetID="14" presetClass="entr" presetSubtype="10" fill="hold" nodeType="withEffect">
+                                  <p:stCondLst>
+                                    <p:cond delay="0"/>
+                                  </p:stCondLst>
+                                  <p:childTnLst>
+                                    <p:set>
+                                      <p:cBhvr>
+                                        <p:cTn id="13" dur="1" fill="hold">
+                                          <p:stCondLst>
+                                            <p:cond delay="0"/>
+                                          </p:stCondLst>
+                                        </p:cTn>
+                                        <p:tgtEl>
+                                          <p:spTgt spid="2"/>
+                                        </p:tgtEl>
+                                        <p:attrNameLst>
+                                          <p:attrName>style.visibility</p:attrName>
+                                        </p:attrNameLst>
+                                      </p:cBhvr>
+                                      <p:to>
+                                        <p:strVal val="visible"/>
+                                      </p:to>
+                                    </p:set>
+                                    <p:animEffect transition="in" filter="randombar(horizontal)">
+                                      <p:cBhvr>
+                                        <p:cTn id="14" dur="500"/>
+                                        <p:tgtEl>
+                                          <p:spTgt spid="2"/>
                                         </p:tgtEl>
                                       </p:cBhvr>
                                     </p:animEffect>
@@ -41166,21 +42081,30 @@
                             </p:childTnLst>
                           </p:cTn>
                         </p:par>
+                      </p:childTnLst>
+                    </p:cTn>
+                  </p:par>
+                  <p:par>
+                    <p:cTn id="15" fill="hold">
+                      <p:stCondLst>
+                        <p:cond delay="indefinite"/>
+                      </p:stCondLst>
+                      <p:childTnLst>
                         <p:par>
-                          <p:cTn id="13" fill="hold">
+                          <p:cTn id="16" fill="hold">
                             <p:stCondLst>
-                              <p:cond delay="1000"/>
+                              <p:cond delay="0"/>
                             </p:stCondLst>
                             <p:childTnLst>
                               <p:par>
-                                <p:cTn id="14" presetID="14" presetClass="entr" presetSubtype="10" fill="hold" grpId="0" nodeType="afterEffect">
+                                <p:cTn id="17" presetID="14" presetClass="entr" presetSubtype="10" fill="hold" grpId="0" nodeType="clickEffect">
                                   <p:stCondLst>
                                     <p:cond delay="0"/>
                                   </p:stCondLst>
                                   <p:childTnLst>
                                     <p:set>
                                       <p:cBhvr>
-                                        <p:cTn id="15" dur="1" fill="hold">
+                                        <p:cTn id="18" dur="1" fill="hold">
                                           <p:stCondLst>
                                             <p:cond delay="0"/>
                                           </p:stCondLst>
@@ -41198,9 +42122,114 @@
                                     </p:set>
                                     <p:animEffect transition="in" filter="randombar(horizontal)">
                                       <p:cBhvr>
-                                        <p:cTn id="16" dur="500"/>
+                                        <p:cTn id="19" dur="500"/>
                                         <p:tgtEl>
                                           <p:spTgt spid="6"/>
+                                        </p:tgtEl>
+                                      </p:cBhvr>
+                                    </p:animEffect>
+                                  </p:childTnLst>
+                                </p:cTn>
+                              </p:par>
+                              <p:par>
+                                <p:cTn id="20" presetID="14" presetClass="entr" presetSubtype="10" fill="hold" nodeType="withEffect">
+                                  <p:stCondLst>
+                                    <p:cond delay="0"/>
+                                  </p:stCondLst>
+                                  <p:childTnLst>
+                                    <p:set>
+                                      <p:cBhvr>
+                                        <p:cTn id="21" dur="1" fill="hold">
+                                          <p:stCondLst>
+                                            <p:cond delay="0"/>
+                                          </p:stCondLst>
+                                        </p:cTn>
+                                        <p:tgtEl>
+                                          <p:spTgt spid="3"/>
+                                        </p:tgtEl>
+                                        <p:attrNameLst>
+                                          <p:attrName>style.visibility</p:attrName>
+                                        </p:attrNameLst>
+                                      </p:cBhvr>
+                                      <p:to>
+                                        <p:strVal val="visible"/>
+                                      </p:to>
+                                    </p:set>
+                                    <p:animEffect transition="in" filter="randombar(horizontal)">
+                                      <p:cBhvr>
+                                        <p:cTn id="22" dur="500"/>
+                                        <p:tgtEl>
+                                          <p:spTgt spid="3"/>
+                                        </p:tgtEl>
+                                      </p:cBhvr>
+                                    </p:animEffect>
+                                  </p:childTnLst>
+                                </p:cTn>
+                              </p:par>
+                              <p:par>
+                                <p:cTn id="23" presetID="14" presetClass="entr" presetSubtype="10" fill="hold" nodeType="withEffect">
+                                  <p:stCondLst>
+                                    <p:cond delay="0"/>
+                                  </p:stCondLst>
+                                  <p:childTnLst>
+                                    <p:set>
+                                      <p:cBhvr>
+                                        <p:cTn id="24" dur="1" fill="hold">
+                                          <p:stCondLst>
+                                            <p:cond delay="0"/>
+                                          </p:stCondLst>
+                                        </p:cTn>
+                                        <p:tgtEl>
+                                          <p:spTgt spid="8"/>
+                                        </p:tgtEl>
+                                        <p:attrNameLst>
+                                          <p:attrName>style.visibility</p:attrName>
+                                        </p:attrNameLst>
+                                      </p:cBhvr>
+                                      <p:to>
+                                        <p:strVal val="visible"/>
+                                      </p:to>
+                                    </p:set>
+                                    <p:animEffect transition="in" filter="randombar(horizontal)">
+                                      <p:cBhvr>
+                                        <p:cTn id="25" dur="500"/>
+                                        <p:tgtEl>
+                                          <p:spTgt spid="8"/>
+                                        </p:tgtEl>
+                                      </p:cBhvr>
+                                    </p:animEffect>
+                                  </p:childTnLst>
+                                </p:cTn>
+                              </p:par>
+                              <p:par>
+                                <p:cTn id="26" presetID="14" presetClass="entr" presetSubtype="10" fill="hold" nodeType="withEffect">
+                                  <p:stCondLst>
+                                    <p:cond delay="0"/>
+                                  </p:stCondLst>
+                                  <p:childTnLst>
+                                    <p:set>
+                                      <p:cBhvr>
+                                        <p:cTn id="27" dur="1" fill="hold">
+                                          <p:stCondLst>
+                                            <p:cond delay="0"/>
+                                          </p:stCondLst>
+                                        </p:cTn>
+                                        <p:tgtEl>
+                                          <p:spTgt spid="10"/>
+                                        </p:tgtEl>
+                                        <p:attrNameLst>
+                                          <p:attrName>style.visibility</p:attrName>
+                                        </p:attrNameLst>
+                                      </p:cBhvr>
+                                      <p:to>
+                                        <p:strVal val="visible"/>
+                                      </p:to>
+                                    </p:set>
+                                    <p:animEffect transition="in" filter="randombar(horizontal)">
+                                      <p:cBhvr>
+                                        <p:cTn id="28" dur="500"/>
+                                        <p:tgtEl>
+                                          <p:spTgt spid="10"/>
                                         </p:tgtEl>
                                       </p:cBhvr>
                                     </p:animEffect>

--- a/基于RobotFramework的UI自动化测试.pptx
+++ b/基于RobotFramework的UI自动化测试.pptx
@@ -5,7 +5,7 @@
     <p:sldMasterId id="2147483648" r:id="rId1"/>
   </p:sldMasterIdLst>
   <p:notesMasterIdLst>
-    <p:notesMasterId r:id="rId29"/>
+    <p:notesMasterId r:id="rId30"/>
   </p:notesMasterIdLst>
   <p:sldIdLst>
     <p:sldId id="256" r:id="rId2"/>
@@ -26,20 +26,21 @@
     <p:sldId id="294" r:id="rId17"/>
     <p:sldId id="295" r:id="rId18"/>
     <p:sldId id="297" r:id="rId19"/>
-    <p:sldId id="299" r:id="rId20"/>
-    <p:sldId id="300" r:id="rId21"/>
-    <p:sldId id="301" r:id="rId22"/>
-    <p:sldId id="302" r:id="rId23"/>
-    <p:sldId id="303" r:id="rId24"/>
-    <p:sldId id="304" r:id="rId25"/>
-    <p:sldId id="305" r:id="rId26"/>
-    <p:sldId id="306" r:id="rId27"/>
-    <p:sldId id="275" r:id="rId28"/>
+    <p:sldId id="307" r:id="rId20"/>
+    <p:sldId id="299" r:id="rId21"/>
+    <p:sldId id="300" r:id="rId22"/>
+    <p:sldId id="301" r:id="rId23"/>
+    <p:sldId id="302" r:id="rId24"/>
+    <p:sldId id="303" r:id="rId25"/>
+    <p:sldId id="304" r:id="rId26"/>
+    <p:sldId id="305" r:id="rId27"/>
+    <p:sldId id="306" r:id="rId28"/>
+    <p:sldId id="275" r:id="rId29"/>
   </p:sldIdLst>
   <p:sldSz cx="9144000" cy="5143500" type="screen16x9"/>
   <p:notesSz cx="6858000" cy="9144000"/>
   <p:custDataLst>
-    <p:tags r:id="rId30"/>
+    <p:tags r:id="rId31"/>
   </p:custDataLst>
   <p:defaultTextStyle>
     <a:defPPr>
@@ -1418,7 +1419,7 @@
     </p:spTree>
     <p:extLst>
       <p:ext uri="{BB962C8B-B14F-4D97-AF65-F5344CB8AC3E}">
-        <p14:creationId xmlns:p14="http://schemas.microsoft.com/office/powerpoint/2010/main" val="4095457945"/>
+        <p14:creationId xmlns:p14="http://schemas.microsoft.com/office/powerpoint/2010/main" val="206131829"/>
       </p:ext>
     </p:extLst>
   </p:cSld>
@@ -1586,7 +1587,7 @@
     </p:spTree>
     <p:extLst>
       <p:ext uri="{BB962C8B-B14F-4D97-AF65-F5344CB8AC3E}">
-        <p14:creationId xmlns:p14="http://schemas.microsoft.com/office/powerpoint/2010/main" val="3656194468"/>
+        <p14:creationId xmlns:p14="http://schemas.microsoft.com/office/powerpoint/2010/main" val="4095457945"/>
       </p:ext>
     </p:extLst>
   </p:cSld>
@@ -1670,7 +1671,7 @@
     </p:spTree>
     <p:extLst>
       <p:ext uri="{BB962C8B-B14F-4D97-AF65-F5344CB8AC3E}">
-        <p14:creationId xmlns:p14="http://schemas.microsoft.com/office/powerpoint/2010/main" val="3515539481"/>
+        <p14:creationId xmlns:p14="http://schemas.microsoft.com/office/powerpoint/2010/main" val="3656194468"/>
       </p:ext>
     </p:extLst>
   </p:cSld>
@@ -1754,7 +1755,7 @@
     </p:spTree>
     <p:extLst>
       <p:ext uri="{BB962C8B-B14F-4D97-AF65-F5344CB8AC3E}">
-        <p14:creationId xmlns:p14="http://schemas.microsoft.com/office/powerpoint/2010/main" val="3343642338"/>
+        <p14:creationId xmlns:p14="http://schemas.microsoft.com/office/powerpoint/2010/main" val="3515539481"/>
       </p:ext>
     </p:extLst>
   </p:cSld>
@@ -1838,7 +1839,7 @@
     </p:spTree>
     <p:extLst>
       <p:ext uri="{BB962C8B-B14F-4D97-AF65-F5344CB8AC3E}">
-        <p14:creationId xmlns:p14="http://schemas.microsoft.com/office/powerpoint/2010/main" val="2396930586"/>
+        <p14:creationId xmlns:p14="http://schemas.microsoft.com/office/powerpoint/2010/main" val="3343642338"/>
       </p:ext>
     </p:extLst>
   </p:cSld>
@@ -1922,7 +1923,7 @@
     </p:spTree>
     <p:extLst>
       <p:ext uri="{BB962C8B-B14F-4D97-AF65-F5344CB8AC3E}">
-        <p14:creationId xmlns:p14="http://schemas.microsoft.com/office/powerpoint/2010/main" val="64192006"/>
+        <p14:creationId xmlns:p14="http://schemas.microsoft.com/office/powerpoint/2010/main" val="2396930586"/>
       </p:ext>
     </p:extLst>
   </p:cSld>
@@ -2006,7 +2007,7 @@
     </p:spTree>
     <p:extLst>
       <p:ext uri="{BB962C8B-B14F-4D97-AF65-F5344CB8AC3E}">
-        <p14:creationId xmlns:p14="http://schemas.microsoft.com/office/powerpoint/2010/main" val="2899453767"/>
+        <p14:creationId xmlns:p14="http://schemas.microsoft.com/office/powerpoint/2010/main" val="64192006"/>
       </p:ext>
     </p:extLst>
   </p:cSld>
@@ -2090,7 +2091,7 @@
     </p:spTree>
     <p:extLst>
       <p:ext uri="{BB962C8B-B14F-4D97-AF65-F5344CB8AC3E}">
-        <p14:creationId xmlns:p14="http://schemas.microsoft.com/office/powerpoint/2010/main" val="3500598486"/>
+        <p14:creationId xmlns:p14="http://schemas.microsoft.com/office/powerpoint/2010/main" val="2899453767"/>
       </p:ext>
     </p:extLst>
   </p:cSld>
@@ -2166,6 +2167,90 @@
             <a:fld id="{348615AE-4FEB-4056-B599-19C230510C1F}" type="slidenum">
               <a:rPr lang="zh-CN" altLang="en-US" smtClean="0"/>
               <a:t>27</a:t>
+            </a:fld>
+            <a:endParaRPr lang="zh-CN" altLang="en-US"/>
+          </a:p>
+        </p:txBody>
+      </p:sp>
+    </p:spTree>
+    <p:extLst>
+      <p:ext uri="{BB962C8B-B14F-4D97-AF65-F5344CB8AC3E}">
+        <p14:creationId xmlns:p14="http://schemas.microsoft.com/office/powerpoint/2010/main" val="3500598486"/>
+      </p:ext>
+    </p:extLst>
+  </p:cSld>
+  <p:clrMapOvr>
+    <a:masterClrMapping/>
+  </p:clrMapOvr>
+</p:notes>
+</file>
+
+<file path=ppt/notesSlides/notesSlide28.xml><?xml version="1.0" encoding="utf-8"?>
+<p:notes xmlns:a="http://schemas.openxmlformats.org/drawingml/2006/main" xmlns:r="http://schemas.openxmlformats.org/officeDocument/2006/relationships" xmlns:p="http://schemas.openxmlformats.org/presentationml/2006/main">
+  <p:cSld>
+    <p:spTree>
+      <p:nvGrpSpPr>
+        <p:cNvPr id="1" name=""/>
+        <p:cNvGrpSpPr/>
+        <p:nvPr/>
+      </p:nvGrpSpPr>
+      <p:grpSpPr>
+        <a:xfrm>
+          <a:off x="0" y="0"/>
+          <a:ext cx="0" cy="0"/>
+          <a:chOff x="0" y="0"/>
+          <a:chExt cx="0" cy="0"/>
+        </a:xfrm>
+      </p:grpSpPr>
+      <p:sp>
+        <p:nvSpPr>
+          <p:cNvPr id="2" name="幻灯片图像占位符 1"/>
+          <p:cNvSpPr>
+            <a:spLocks noGrp="1" noRot="1" noChangeAspect="1"/>
+          </p:cNvSpPr>
+          <p:nvPr>
+            <p:ph type="sldImg"/>
+          </p:nvPr>
+        </p:nvSpPr>
+        <p:spPr/>
+      </p:sp>
+      <p:sp>
+        <p:nvSpPr>
+          <p:cNvPr id="3" name="备注占位符 2"/>
+          <p:cNvSpPr>
+            <a:spLocks noGrp="1"/>
+          </p:cNvSpPr>
+          <p:nvPr>
+            <p:ph type="body" idx="1"/>
+          </p:nvPr>
+        </p:nvSpPr>
+        <p:spPr/>
+        <p:txBody>
+          <a:bodyPr/>
+          <a:lstStyle/>
+          <a:p>
+            <a:endParaRPr lang="zh-CN" altLang="en-US"/>
+          </a:p>
+        </p:txBody>
+      </p:sp>
+      <p:sp>
+        <p:nvSpPr>
+          <p:cNvPr id="4" name="灯片编号占位符 3"/>
+          <p:cNvSpPr>
+            <a:spLocks noGrp="1"/>
+          </p:cNvSpPr>
+          <p:nvPr>
+            <p:ph type="sldNum" sz="quarter" idx="10"/>
+          </p:nvPr>
+        </p:nvSpPr>
+        <p:spPr/>
+        <p:txBody>
+          <a:bodyPr/>
+          <a:lstStyle/>
+          <a:p>
+            <a:fld id="{348615AE-4FEB-4056-B599-19C230510C1F}" type="slidenum">
+              <a:rPr lang="zh-CN" altLang="en-US" smtClean="0"/>
+              <a:t>28</a:t>
             </a:fld>
             <a:endParaRPr lang="zh-CN" altLang="en-US"/>
           </a:p>
@@ -19698,20 +19783,20 @@
       </p:sp>
       <p:graphicFrame>
         <p:nvGraphicFramePr>
-          <p:cNvPr id="5" name="表格 4"/>
+          <p:cNvPr id="4" name="表格 3"/>
           <p:cNvGraphicFramePr>
             <a:graphicFrameLocks noGrp="1"/>
           </p:cNvGraphicFramePr>
           <p:nvPr>
             <p:extLst>
               <p:ext uri="{D42A27DB-BD31-4B8C-83A1-F6EECF244321}">
-                <p14:modId xmlns:p14="http://schemas.microsoft.com/office/powerpoint/2010/main" val="836913398"/>
+                <p14:modId xmlns:p14="http://schemas.microsoft.com/office/powerpoint/2010/main" val="3040946958"/>
               </p:ext>
             </p:extLst>
           </p:nvPr>
         </p:nvGraphicFramePr>
         <p:xfrm>
-          <a:off x="1115616" y="1258401"/>
+          <a:off x="1115616" y="1203598"/>
           <a:ext cx="6696743" cy="3185557"/>
         </p:xfrm>
         <a:graphic>
@@ -21757,41 +21842,6 @@
                                         </p:tav>
                                       </p:tavLst>
                                     </p:anim>
-                                  </p:childTnLst>
-                                </p:cTn>
-                              </p:par>
-                              <p:par>
-                                <p:cTn id="9" presetID="14" presetClass="entr" presetSubtype="10" fill="hold" nodeType="withEffect">
-                                  <p:stCondLst>
-                                    <p:cond delay="0"/>
-                                  </p:stCondLst>
-                                  <p:childTnLst>
-                                    <p:set>
-                                      <p:cBhvr>
-                                        <p:cTn id="10" dur="1" fill="hold">
-                                          <p:stCondLst>
-                                            <p:cond delay="0"/>
-                                          </p:stCondLst>
-                                        </p:cTn>
-                                        <p:tgtEl>
-                                          <p:spTgt spid="5"/>
-                                        </p:tgtEl>
-                                        <p:attrNameLst>
-                                          <p:attrName>style.visibility</p:attrName>
-                                        </p:attrNameLst>
-                                      </p:cBhvr>
-                                      <p:to>
-                                        <p:strVal val="visible"/>
-                                      </p:to>
-                                    </p:set>
-                                    <p:animEffect transition="in" filter="randombar(horizontal)">
-                                      <p:cBhvr>
-                                        <p:cTn id="11" dur="500"/>
-                                        <p:tgtEl>
-                                          <p:spTgt spid="5"/>
-                                        </p:tgtEl>
-                                      </p:cBhvr>
-                                    </p:animEffect>
                                   </p:childTnLst>
                                 </p:cTn>
                               </p:par>
@@ -28961,7 +29011,7 @@
                 <a:latin typeface="黑体" panose="02010609060101010101" pitchFamily="49" charset="-122"/>
                 <a:ea typeface="黑体" panose="02010609060101010101" pitchFamily="49" charset="-122"/>
               </a:rPr>
-              <a:t>自定义关键字</a:t>
+              <a:t>分支与循环</a:t>
             </a:r>
             <a:endParaRPr lang="en-US" altLang="zh-CN" sz="2000" dirty="0" smtClean="0">
               <a:solidFill>
@@ -28975,207 +29025,1734 @@
       </p:sp>
       <p:graphicFrame>
         <p:nvGraphicFramePr>
-          <p:cNvPr id="5" name="对象 4"/>
+          <p:cNvPr id="5" name="表格 4"/>
           <p:cNvGraphicFramePr>
-            <a:graphicFrameLocks noChangeAspect="1"/>
+            <a:graphicFrameLocks noGrp="1"/>
           </p:cNvGraphicFramePr>
           <p:nvPr>
             <p:extLst>
               <p:ext uri="{D42A27DB-BD31-4B8C-83A1-F6EECF244321}">
-                <p14:modId xmlns:p14="http://schemas.microsoft.com/office/powerpoint/2010/main" val="962580589"/>
+                <p14:modId xmlns:p14="http://schemas.microsoft.com/office/powerpoint/2010/main" val="3608393075"/>
               </p:ext>
             </p:extLst>
           </p:nvPr>
         </p:nvGraphicFramePr>
         <p:xfrm>
-          <a:off x="7668344" y="937643"/>
-          <a:ext cx="1244600" cy="711200"/>
+          <a:off x="1187625" y="1502805"/>
+          <a:ext cx="6696743" cy="2509105"/>
         </p:xfrm>
         <a:graphic>
-          <a:graphicData uri="http://schemas.openxmlformats.org/presentationml/2006/ole">
-            <mc:AlternateContent xmlns:mc="http://schemas.openxmlformats.org/markup-compatibility/2006">
-              <mc:Choice xmlns:v="urn:schemas-microsoft-com:vml" Requires="v">
-                <p:oleObj spid="_x0000_s1050" name="包装程序外壳对象" showAsIcon="1" r:id="rId4" imgW="1244160" imgH="711360" progId="Package">
-                  <p:embed/>
-                </p:oleObj>
-              </mc:Choice>
-              <mc:Fallback>
-                <p:oleObj name="包装程序外壳对象" showAsIcon="1" r:id="rId4" imgW="1244160" imgH="711360" progId="Package">
-                  <p:embed/>
-                  <p:pic>
-                    <p:nvPicPr>
-                      <p:cNvPr id="0" name=""/>
-                      <p:cNvPicPr/>
-                      <p:nvPr/>
-                    </p:nvPicPr>
-                    <p:blipFill>
-                      <a:blip r:embed="rId5"/>
-                      <a:stretch>
-                        <a:fillRect/>
-                      </a:stretch>
-                    </p:blipFill>
-                    <p:spPr>
-                      <a:xfrm>
-                        <a:off x="7668344" y="937643"/>
-                        <a:ext cx="1244600" cy="711200"/>
-                      </a:xfrm>
-                      <a:prstGeom prst="rect">
-                        <a:avLst/>
-                      </a:prstGeom>
-                    </p:spPr>
-                  </p:pic>
-                </p:oleObj>
-              </mc:Fallback>
-            </mc:AlternateContent>
+          <a:graphicData uri="http://schemas.openxmlformats.org/drawingml/2006/table">
+            <a:tbl>
+              <a:tblPr/>
+              <a:tblGrid>
+                <a:gridCol w="811726"/>
+                <a:gridCol w="1149946"/>
+                <a:gridCol w="4735071"/>
+              </a:tblGrid>
+              <a:tr h="288031">
+                <a:tc>
+                  <a:txBody>
+                    <a:bodyPr/>
+                    <a:lstStyle/>
+                    <a:p>
+                      <a:pPr algn="ctr" fontAlgn="base"/>
+                      <a:r>
+                        <a:rPr lang="zh-CN" altLang="en-US" sz="1400" b="1" dirty="0" smtClean="0">
+                          <a:solidFill>
+                            <a:srgbClr val="FFFFFF"/>
+                          </a:solidFill>
+                          <a:effectLst/>
+                        </a:rPr>
+                        <a:t>关键字</a:t>
+                      </a:r>
+                      <a:endParaRPr lang="zh-CN" altLang="en-US" sz="1400" b="1" dirty="0">
+                        <a:solidFill>
+                          <a:srgbClr val="FFFFFF"/>
+                        </a:solidFill>
+                        <a:effectLst/>
+                      </a:endParaRPr>
+                    </a:p>
+                  </a:txBody>
+                  <a:tcPr marL="35503" marR="35503" marT="35503" marB="35503" anchor="ctr">
+                    <a:lnL w="9525" cap="flat" cmpd="sng" algn="ctr">
+                      <a:solidFill>
+                        <a:srgbClr val="3F3F3F"/>
+                      </a:solidFill>
+                      <a:prstDash val="solid"/>
+                      <a:round/>
+                      <a:headEnd type="none" w="med" len="med"/>
+                      <a:tailEnd type="none" w="med" len="med"/>
+                    </a:lnL>
+                    <a:lnR w="9525" cap="flat" cmpd="sng" algn="ctr">
+                      <a:solidFill>
+                        <a:srgbClr val="3F3F3F"/>
+                      </a:solidFill>
+                      <a:prstDash val="solid"/>
+                      <a:round/>
+                      <a:headEnd type="none" w="med" len="med"/>
+                      <a:tailEnd type="none" w="med" len="med"/>
+                    </a:lnR>
+                    <a:lnT w="9525" cap="flat" cmpd="sng" algn="ctr">
+                      <a:solidFill>
+                        <a:srgbClr val="3F3F3F"/>
+                      </a:solidFill>
+                      <a:prstDash val="solid"/>
+                      <a:round/>
+                      <a:headEnd type="none" w="med" len="med"/>
+                      <a:tailEnd type="none" w="med" len="med"/>
+                    </a:lnT>
+                    <a:lnB w="9525" cap="flat" cmpd="sng" algn="ctr">
+                      <a:solidFill>
+                        <a:srgbClr val="AAAAAA"/>
+                      </a:solidFill>
+                      <a:prstDash val="solid"/>
+                      <a:round/>
+                      <a:headEnd type="none" w="med" len="med"/>
+                      <a:tailEnd type="none" w="med" len="med"/>
+                    </a:lnB>
+                    <a:solidFill>
+                      <a:srgbClr val="3F3F3F"/>
+                    </a:solidFill>
+                  </a:tcPr>
+                </a:tc>
+                <a:tc>
+                  <a:txBody>
+                    <a:bodyPr/>
+                    <a:lstStyle/>
+                    <a:p>
+                      <a:pPr algn="ctr" fontAlgn="base"/>
+                      <a:r>
+                        <a:rPr lang="zh-CN" altLang="en-US" sz="1400" b="1" dirty="0" smtClean="0">
+                          <a:solidFill>
+                            <a:srgbClr val="FFFFFF"/>
+                          </a:solidFill>
+                          <a:effectLst/>
+                        </a:rPr>
+                        <a:t>功能</a:t>
+                      </a:r>
+                      <a:endParaRPr lang="zh-CN" altLang="en-US" sz="1400" b="1" dirty="0">
+                        <a:solidFill>
+                          <a:srgbClr val="FFFFFF"/>
+                        </a:solidFill>
+                        <a:effectLst/>
+                      </a:endParaRPr>
+                    </a:p>
+                  </a:txBody>
+                  <a:tcPr marL="35503" marR="35503" marT="35503" marB="35503" anchor="ctr">
+                    <a:lnL w="9525" cap="flat" cmpd="sng" algn="ctr">
+                      <a:solidFill>
+                        <a:srgbClr val="3F3F3F"/>
+                      </a:solidFill>
+                      <a:prstDash val="solid"/>
+                      <a:round/>
+                      <a:headEnd type="none" w="med" len="med"/>
+                      <a:tailEnd type="none" w="med" len="med"/>
+                    </a:lnL>
+                    <a:lnR w="9525" cap="flat" cmpd="sng" algn="ctr">
+                      <a:solidFill>
+                        <a:srgbClr val="3F3F3F"/>
+                      </a:solidFill>
+                      <a:prstDash val="solid"/>
+                      <a:round/>
+                      <a:headEnd type="none" w="med" len="med"/>
+                      <a:tailEnd type="none" w="med" len="med"/>
+                    </a:lnR>
+                    <a:lnT w="9525" cap="flat" cmpd="sng" algn="ctr">
+                      <a:solidFill>
+                        <a:srgbClr val="3F3F3F"/>
+                      </a:solidFill>
+                      <a:prstDash val="solid"/>
+                      <a:round/>
+                      <a:headEnd type="none" w="med" len="med"/>
+                      <a:tailEnd type="none" w="med" len="med"/>
+                    </a:lnT>
+                    <a:lnB w="9525" cap="flat" cmpd="sng" algn="ctr">
+                      <a:solidFill>
+                        <a:srgbClr val="AAAAAA"/>
+                      </a:solidFill>
+                      <a:prstDash val="solid"/>
+                      <a:round/>
+                      <a:headEnd type="none" w="med" len="med"/>
+                      <a:tailEnd type="none" w="med" len="med"/>
+                    </a:lnB>
+                    <a:solidFill>
+                      <a:srgbClr val="3F3F3F"/>
+                    </a:solidFill>
+                  </a:tcPr>
+                </a:tc>
+                <a:tc>
+                  <a:txBody>
+                    <a:bodyPr/>
+                    <a:lstStyle/>
+                    <a:p>
+                      <a:pPr algn="ctr" fontAlgn="base"/>
+                      <a:r>
+                        <a:rPr lang="zh-CN" altLang="en-US" sz="1400" b="1" dirty="0" smtClean="0">
+                          <a:solidFill>
+                            <a:srgbClr val="FFFFFF"/>
+                          </a:solidFill>
+                          <a:effectLst/>
+                        </a:rPr>
+                        <a:t>代码示例</a:t>
+                      </a:r>
+                      <a:endParaRPr lang="zh-CN" altLang="en-US" sz="1400" b="1" dirty="0">
+                        <a:solidFill>
+                          <a:srgbClr val="FFFFFF"/>
+                        </a:solidFill>
+                        <a:effectLst/>
+                      </a:endParaRPr>
+                    </a:p>
+                  </a:txBody>
+                  <a:tcPr marL="35503" marR="35503" marT="35503" marB="35503" anchor="ctr">
+                    <a:lnL w="9525" cap="flat" cmpd="sng" algn="ctr">
+                      <a:solidFill>
+                        <a:srgbClr val="3F3F3F"/>
+                      </a:solidFill>
+                      <a:prstDash val="solid"/>
+                      <a:round/>
+                      <a:headEnd type="none" w="med" len="med"/>
+                      <a:tailEnd type="none" w="med" len="med"/>
+                    </a:lnL>
+                    <a:lnR w="9525" cap="flat" cmpd="sng" algn="ctr">
+                      <a:solidFill>
+                        <a:srgbClr val="3F3F3F"/>
+                      </a:solidFill>
+                      <a:prstDash val="solid"/>
+                      <a:round/>
+                      <a:headEnd type="none" w="med" len="med"/>
+                      <a:tailEnd type="none" w="med" len="med"/>
+                    </a:lnR>
+                    <a:lnT w="9525" cap="flat" cmpd="sng" algn="ctr">
+                      <a:solidFill>
+                        <a:srgbClr val="3F3F3F"/>
+                      </a:solidFill>
+                      <a:prstDash val="solid"/>
+                      <a:round/>
+                      <a:headEnd type="none" w="med" len="med"/>
+                      <a:tailEnd type="none" w="med" len="med"/>
+                    </a:lnT>
+                    <a:lnB w="9525" cap="flat" cmpd="sng" algn="ctr">
+                      <a:solidFill>
+                        <a:srgbClr val="AAAAAA"/>
+                      </a:solidFill>
+                      <a:prstDash val="solid"/>
+                      <a:round/>
+                      <a:headEnd type="none" w="med" len="med"/>
+                      <a:tailEnd type="none" w="med" len="med"/>
+                    </a:lnB>
+                    <a:solidFill>
+                      <a:srgbClr val="3F3F3F"/>
+                    </a:solidFill>
+                  </a:tcPr>
+                </a:tc>
+              </a:tr>
+              <a:tr h="0">
+                <a:tc rowSpan="6">
+                  <a:txBody>
+                    <a:bodyPr/>
+                    <a:lstStyle/>
+                    <a:p>
+                      <a:pPr marL="0" algn="ctr" defTabSz="914400" rtl="0" eaLnBrk="1" fontAlgn="t" latinLnBrk="0" hangingPunct="1"/>
+                      <a:r>
+                        <a:rPr lang="en-US" sz="1200" kern="1200" dirty="0" smtClean="0">
+                          <a:solidFill>
+                            <a:schemeClr val="tx1"/>
+                          </a:solidFill>
+                          <a:effectLst/>
+                          <a:latin typeface="+mn-ea"/>
+                          <a:ea typeface="+mn-ea"/>
+                          <a:cs typeface="+mn-cs"/>
+                        </a:rPr>
+                        <a:t>IF</a:t>
+                      </a:r>
+                      <a:endParaRPr lang="en-US" sz="1200" kern="1200" dirty="0">
+                        <a:solidFill>
+                          <a:schemeClr val="tx1"/>
+                        </a:solidFill>
+                        <a:effectLst/>
+                        <a:latin typeface="+mn-ea"/>
+                        <a:ea typeface="+mn-ea"/>
+                        <a:cs typeface="+mn-cs"/>
+                      </a:endParaRPr>
+                    </a:p>
+                  </a:txBody>
+                  <a:tcPr marL="31953" marR="31953" marT="31953" marB="31953" anchor="ctr">
+                    <a:lnL w="9525" cap="flat" cmpd="sng" algn="ctr">
+                      <a:solidFill>
+                        <a:srgbClr val="AAAAAA"/>
+                      </a:solidFill>
+                      <a:prstDash val="solid"/>
+                      <a:round/>
+                      <a:headEnd type="none" w="med" len="med"/>
+                      <a:tailEnd type="none" w="med" len="med"/>
+                    </a:lnL>
+                    <a:lnR w="9525" cap="flat" cmpd="sng" algn="ctr">
+                      <a:solidFill>
+                        <a:srgbClr val="AAAAAA"/>
+                      </a:solidFill>
+                      <a:prstDash val="solid"/>
+                      <a:round/>
+                      <a:headEnd type="none" w="med" len="med"/>
+                      <a:tailEnd type="none" w="med" len="med"/>
+                    </a:lnR>
+                    <a:lnT w="9525" cap="flat" cmpd="sng" algn="ctr">
+                      <a:solidFill>
+                        <a:srgbClr val="AAAAAA"/>
+                      </a:solidFill>
+                      <a:prstDash val="solid"/>
+                      <a:round/>
+                      <a:headEnd type="none" w="med" len="med"/>
+                      <a:tailEnd type="none" w="med" len="med"/>
+                    </a:lnT>
+                    <a:lnB w="9525" cap="flat" cmpd="sng" algn="ctr">
+                      <a:solidFill>
+                        <a:srgbClr val="AAAAAA"/>
+                      </a:solidFill>
+                      <a:prstDash val="solid"/>
+                      <a:round/>
+                      <a:headEnd type="none" w="med" len="med"/>
+                      <a:tailEnd type="none" w="med" len="med"/>
+                    </a:lnB>
+                    <a:solidFill>
+                      <a:srgbClr val="FFFFFF"/>
+                    </a:solidFill>
+                  </a:tcPr>
+                </a:tc>
+                <a:tc rowSpan="6">
+                  <a:txBody>
+                    <a:bodyPr/>
+                    <a:lstStyle/>
+                    <a:p>
+                      <a:pPr algn="ctr" fontAlgn="t"/>
+                      <a:r>
+                        <a:rPr lang="zh-CN" altLang="en-US" sz="1200" dirty="0" smtClean="0">
+                          <a:effectLst/>
+                          <a:latin typeface="+mn-ea"/>
+                          <a:ea typeface="+mn-ea"/>
+                        </a:rPr>
+                        <a:t>分支语句</a:t>
+                      </a:r>
+                      <a:endParaRPr lang="en-US" sz="1200" dirty="0">
+                        <a:effectLst/>
+                        <a:latin typeface="+mn-ea"/>
+                        <a:ea typeface="+mn-ea"/>
+                      </a:endParaRPr>
+                    </a:p>
+                  </a:txBody>
+                  <a:tcPr marL="31953" marR="31953" marT="31953" marB="31953" anchor="ctr">
+                    <a:lnL w="9525" cap="flat" cmpd="sng" algn="ctr">
+                      <a:solidFill>
+                        <a:srgbClr val="AAAAAA"/>
+                      </a:solidFill>
+                      <a:prstDash val="solid"/>
+                      <a:round/>
+                      <a:headEnd type="none" w="med" len="med"/>
+                      <a:tailEnd type="none" w="med" len="med"/>
+                    </a:lnL>
+                    <a:lnR w="9525" cap="flat" cmpd="sng" algn="ctr">
+                      <a:solidFill>
+                        <a:srgbClr val="AAAAAA"/>
+                      </a:solidFill>
+                      <a:prstDash val="solid"/>
+                      <a:round/>
+                      <a:headEnd type="none" w="med" len="med"/>
+                      <a:tailEnd type="none" w="med" len="med"/>
+                    </a:lnR>
+                    <a:lnT w="9525" cap="flat" cmpd="sng" algn="ctr">
+                      <a:solidFill>
+                        <a:srgbClr val="AAAAAA"/>
+                      </a:solidFill>
+                      <a:prstDash val="solid"/>
+                      <a:round/>
+                      <a:headEnd type="none" w="med" len="med"/>
+                      <a:tailEnd type="none" w="med" len="med"/>
+                    </a:lnT>
+                    <a:lnB w="9525" cap="flat" cmpd="sng" algn="ctr">
+                      <a:solidFill>
+                        <a:srgbClr val="AAAAAA"/>
+                      </a:solidFill>
+                      <a:prstDash val="solid"/>
+                      <a:round/>
+                      <a:headEnd type="none" w="med" len="med"/>
+                      <a:tailEnd type="none" w="med" len="med"/>
+                    </a:lnB>
+                    <a:solidFill>
+                      <a:srgbClr val="FFFFFF"/>
+                    </a:solidFill>
+                  </a:tcPr>
+                </a:tc>
+                <a:tc>
+                  <a:txBody>
+                    <a:bodyPr/>
+                    <a:lstStyle/>
+                    <a:p>
+                      <a:pPr fontAlgn="t"/>
+                      <a:r>
+                        <a:rPr lang="en-US" altLang="zh-CN" sz="1200" dirty="0" smtClean="0">
+                          <a:effectLst/>
+                          <a:latin typeface="+mn-ea"/>
+                          <a:ea typeface="+mn-ea"/>
+                        </a:rPr>
+                        <a:t>${a}| </a:t>
+                      </a:r>
+                      <a:r>
+                        <a:rPr lang="en-US" altLang="zh-CN" sz="1200" dirty="0" smtClean="0">
+                          <a:effectLst/>
+                          <a:latin typeface="+mn-ea"/>
+                          <a:ea typeface="+mn-ea"/>
+                        </a:rPr>
+                        <a:t>Set Variable </a:t>
+                      </a:r>
+                      <a:r>
+                        <a:rPr lang="en-US" altLang="zh-CN" sz="1200" kern="1200" dirty="0" smtClean="0">
+                          <a:solidFill>
+                            <a:schemeClr val="tx1"/>
+                          </a:solidFill>
+                          <a:effectLst/>
+                          <a:latin typeface="+mn-ea"/>
+                          <a:ea typeface="+mn-ea"/>
+                          <a:cs typeface="+mn-cs"/>
+                        </a:rPr>
+                        <a:t>| </a:t>
+                      </a:r>
+                      <a:r>
+                        <a:rPr lang="en-US" altLang="zh-CN" sz="1200" dirty="0" smtClean="0">
+                          <a:effectLst/>
+                          <a:latin typeface="+mn-ea"/>
+                          <a:ea typeface="+mn-ea"/>
+                        </a:rPr>
+                        <a:t>59</a:t>
+                      </a:r>
+                      <a:endParaRPr lang="en-US" altLang="zh-CN" sz="1200" dirty="0" smtClean="0">
+                        <a:effectLst/>
+                        <a:latin typeface="+mn-ea"/>
+                        <a:ea typeface="+mn-ea"/>
+                      </a:endParaRPr>
+                    </a:p>
+                  </a:txBody>
+                  <a:tcPr marL="31953" marR="31953" marT="31953" marB="31953" anchor="ctr">
+                    <a:lnL w="9525" cap="flat" cmpd="sng" algn="ctr">
+                      <a:solidFill>
+                        <a:srgbClr val="AAAAAA"/>
+                      </a:solidFill>
+                      <a:prstDash val="solid"/>
+                      <a:round/>
+                      <a:headEnd type="none" w="med" len="med"/>
+                      <a:tailEnd type="none" w="med" len="med"/>
+                    </a:lnL>
+                    <a:lnR w="9525" cap="flat" cmpd="sng" algn="ctr">
+                      <a:solidFill>
+                        <a:srgbClr val="AAAAAA"/>
+                      </a:solidFill>
+                      <a:prstDash val="solid"/>
+                      <a:round/>
+                      <a:headEnd type="none" w="med" len="med"/>
+                      <a:tailEnd type="none" w="med" len="med"/>
+                    </a:lnR>
+                    <a:lnT w="9525" cap="flat" cmpd="sng" algn="ctr">
+                      <a:solidFill>
+                        <a:srgbClr val="AAAAAA"/>
+                      </a:solidFill>
+                      <a:prstDash val="solid"/>
+                      <a:round/>
+                      <a:headEnd type="none" w="med" len="med"/>
+                      <a:tailEnd type="none" w="med" len="med"/>
+                    </a:lnT>
+                    <a:lnB w="9525" cap="flat" cmpd="sng" algn="ctr">
+                      <a:solidFill>
+                        <a:srgbClr val="AAAAAA"/>
+                      </a:solidFill>
+                      <a:prstDash val="solid"/>
+                      <a:round/>
+                      <a:headEnd type="none" w="med" len="med"/>
+                      <a:tailEnd type="none" w="med" len="med"/>
+                    </a:lnB>
+                    <a:solidFill>
+                      <a:srgbClr val="FFFFFF"/>
+                    </a:solidFill>
+                  </a:tcPr>
+                </a:tc>
+              </a:tr>
+              <a:tr h="173045">
+                <a:tc vMerge="1">
+                  <a:txBody>
+                    <a:bodyPr/>
+                    <a:lstStyle/>
+                    <a:p>
+                      <a:endParaRPr lang="zh-CN" altLang="en-US"/>
+                    </a:p>
+                  </a:txBody>
+                  <a:tcPr/>
+                </a:tc>
+                <a:tc vMerge="1">
+                  <a:txBody>
+                    <a:bodyPr/>
+                    <a:lstStyle/>
+                    <a:p>
+                      <a:endParaRPr lang="zh-CN" altLang="en-US"/>
+                    </a:p>
+                  </a:txBody>
+                  <a:tcPr/>
+                </a:tc>
+                <a:tc>
+                  <a:txBody>
+                    <a:bodyPr/>
+                    <a:lstStyle/>
+                    <a:p>
+                      <a:pPr marL="0" marR="0" indent="0" algn="l" defTabSz="914400" rtl="0" eaLnBrk="1" fontAlgn="t" latinLnBrk="0" hangingPunct="1">
+                        <a:lnSpc>
+                          <a:spcPct val="100000"/>
+                        </a:lnSpc>
+                        <a:spcBef>
+                          <a:spcPts val="0"/>
+                        </a:spcBef>
+                        <a:spcAft>
+                          <a:spcPts val="0"/>
+                        </a:spcAft>
+                        <a:buClrTx/>
+                        <a:buSzTx/>
+                        <a:buFontTx/>
+                        <a:buNone/>
+                        <a:tabLst/>
+                        <a:defRPr/>
+                      </a:pPr>
+                      <a:r>
+                        <a:rPr lang="en-US" altLang="zh-CN" sz="1200" kern="1200" dirty="0" smtClean="0">
+                          <a:solidFill>
+                            <a:schemeClr val="tx1"/>
+                          </a:solidFill>
+                          <a:effectLst/>
+                          <a:latin typeface="+mn-ea"/>
+                          <a:ea typeface="+mn-ea"/>
+                          <a:cs typeface="+mn-cs"/>
+                        </a:rPr>
+                        <a:t>Run Keyword If | ${a}&gt;=90 | log | </a:t>
+                      </a:r>
+                      <a:r>
+                        <a:rPr lang="zh-CN" altLang="en-US" sz="1200" kern="1200" dirty="0" smtClean="0">
+                          <a:solidFill>
+                            <a:schemeClr val="tx1"/>
+                          </a:solidFill>
+                          <a:effectLst/>
+                          <a:latin typeface="+mn-ea"/>
+                          <a:ea typeface="+mn-ea"/>
+                          <a:cs typeface="+mn-cs"/>
+                        </a:rPr>
+                        <a:t>优秀</a:t>
+                      </a:r>
+                      <a:endParaRPr lang="en-US" altLang="zh-CN" sz="1200" kern="1200" dirty="0" smtClean="0">
+                        <a:solidFill>
+                          <a:schemeClr val="tx1"/>
+                        </a:solidFill>
+                        <a:effectLst/>
+                        <a:latin typeface="+mn-ea"/>
+                        <a:ea typeface="+mn-ea"/>
+                        <a:cs typeface="+mn-cs"/>
+                      </a:endParaRPr>
+                    </a:p>
+                  </a:txBody>
+                  <a:tcPr marL="31953" marR="31953" marT="31953" marB="31953" anchor="ctr">
+                    <a:lnL w="9525" cap="flat" cmpd="sng" algn="ctr">
+                      <a:solidFill>
+                        <a:srgbClr val="AAAAAA"/>
+                      </a:solidFill>
+                      <a:prstDash val="solid"/>
+                      <a:round/>
+                      <a:headEnd type="none" w="med" len="med"/>
+                      <a:tailEnd type="none" w="med" len="med"/>
+                    </a:lnL>
+                    <a:lnR w="9525" cap="flat" cmpd="sng" algn="ctr">
+                      <a:solidFill>
+                        <a:srgbClr val="AAAAAA"/>
+                      </a:solidFill>
+                      <a:prstDash val="solid"/>
+                      <a:round/>
+                      <a:headEnd type="none" w="med" len="med"/>
+                      <a:tailEnd type="none" w="med" len="med"/>
+                    </a:lnR>
+                    <a:lnT w="9525" cap="flat" cmpd="sng" algn="ctr">
+                      <a:solidFill>
+                        <a:srgbClr val="AAAAAA"/>
+                      </a:solidFill>
+                      <a:prstDash val="solid"/>
+                      <a:round/>
+                      <a:headEnd type="none" w="med" len="med"/>
+                      <a:tailEnd type="none" w="med" len="med"/>
+                    </a:lnT>
+                    <a:lnB w="9525" cap="flat" cmpd="sng" algn="ctr">
+                      <a:solidFill>
+                        <a:srgbClr val="AAAAAA"/>
+                      </a:solidFill>
+                      <a:prstDash val="solid"/>
+                      <a:round/>
+                      <a:headEnd type="none" w="med" len="med"/>
+                      <a:tailEnd type="none" w="med" len="med"/>
+                    </a:lnB>
+                    <a:solidFill>
+                      <a:srgbClr val="FFFFFF"/>
+                    </a:solidFill>
+                  </a:tcPr>
+                </a:tc>
+              </a:tr>
+              <a:tr h="129784">
+                <a:tc vMerge="1">
+                  <a:txBody>
+                    <a:bodyPr/>
+                    <a:lstStyle/>
+                    <a:p>
+                      <a:endParaRPr lang="zh-CN" altLang="en-US"/>
+                    </a:p>
+                  </a:txBody>
+                  <a:tcPr/>
+                </a:tc>
+                <a:tc vMerge="1">
+                  <a:txBody>
+                    <a:bodyPr/>
+                    <a:lstStyle/>
+                    <a:p>
+                      <a:endParaRPr lang="zh-CN" altLang="en-US"/>
+                    </a:p>
+                  </a:txBody>
+                  <a:tcPr/>
+                </a:tc>
+                <a:tc>
+                  <a:txBody>
+                    <a:bodyPr/>
+                    <a:lstStyle/>
+                    <a:p>
+                      <a:pPr marL="0" marR="0" indent="0" algn="l" defTabSz="914400" rtl="0" eaLnBrk="1" fontAlgn="t" latinLnBrk="0" hangingPunct="1">
+                        <a:lnSpc>
+                          <a:spcPct val="100000"/>
+                        </a:lnSpc>
+                        <a:spcBef>
+                          <a:spcPts val="0"/>
+                        </a:spcBef>
+                        <a:spcAft>
+                          <a:spcPts val="0"/>
+                        </a:spcAft>
+                        <a:buClrTx/>
+                        <a:buSzTx/>
+                        <a:buFontTx/>
+                        <a:buNone/>
+                        <a:tabLst/>
+                        <a:defRPr/>
+                      </a:pPr>
+                      <a:r>
+                        <a:rPr lang="en-US" altLang="zh-CN" sz="1200" kern="1200" dirty="0" smtClean="0">
+                          <a:solidFill>
+                            <a:schemeClr val="tx1"/>
+                          </a:solidFill>
+                          <a:effectLst/>
+                          <a:latin typeface="+mn-ea"/>
+                          <a:ea typeface="+mn-ea"/>
+                          <a:cs typeface="+mn-cs"/>
+                        </a:rPr>
+                        <a:t>… | ELSE IF | ${a}&gt;=80 | log</a:t>
+                      </a:r>
+                      <a:r>
+                        <a:rPr lang="en-US" altLang="zh-CN" sz="1200" kern="1200" baseline="0" dirty="0" smtClean="0">
+                          <a:solidFill>
+                            <a:schemeClr val="tx1"/>
+                          </a:solidFill>
+                          <a:effectLst/>
+                          <a:latin typeface="+mn-ea"/>
+                          <a:ea typeface="+mn-ea"/>
+                          <a:cs typeface="+mn-cs"/>
+                        </a:rPr>
+                        <a:t> </a:t>
+                      </a:r>
+                      <a:r>
+                        <a:rPr lang="en-US" altLang="zh-CN" sz="1200" kern="1200" dirty="0" smtClean="0">
+                          <a:solidFill>
+                            <a:schemeClr val="tx1"/>
+                          </a:solidFill>
+                          <a:effectLst/>
+                          <a:latin typeface="+mn-ea"/>
+                          <a:ea typeface="+mn-ea"/>
+                          <a:cs typeface="+mn-cs"/>
+                        </a:rPr>
+                        <a:t>| </a:t>
+                      </a:r>
+                      <a:r>
+                        <a:rPr lang="zh-CN" altLang="en-US" sz="1200" kern="1200" dirty="0" smtClean="0">
+                          <a:solidFill>
+                            <a:schemeClr val="tx1"/>
+                          </a:solidFill>
+                          <a:effectLst/>
+                          <a:latin typeface="+mn-ea"/>
+                          <a:ea typeface="+mn-ea"/>
+                          <a:cs typeface="+mn-cs"/>
+                        </a:rPr>
+                        <a:t>良好</a:t>
+                      </a:r>
+                      <a:endParaRPr lang="en-US" altLang="zh-CN" sz="1200" kern="1200" dirty="0" smtClean="0">
+                        <a:solidFill>
+                          <a:schemeClr val="tx1"/>
+                        </a:solidFill>
+                        <a:effectLst/>
+                        <a:latin typeface="+mn-ea"/>
+                        <a:ea typeface="+mn-ea"/>
+                        <a:cs typeface="+mn-cs"/>
+                      </a:endParaRPr>
+                    </a:p>
+                  </a:txBody>
+                  <a:tcPr marL="31953" marR="31953" marT="31953" marB="31953" anchor="ctr">
+                    <a:lnL w="9525" cap="flat" cmpd="sng" algn="ctr">
+                      <a:solidFill>
+                        <a:srgbClr val="AAAAAA"/>
+                      </a:solidFill>
+                      <a:prstDash val="solid"/>
+                      <a:round/>
+                      <a:headEnd type="none" w="med" len="med"/>
+                      <a:tailEnd type="none" w="med" len="med"/>
+                    </a:lnL>
+                    <a:lnR w="9525" cap="flat" cmpd="sng" algn="ctr">
+                      <a:solidFill>
+                        <a:srgbClr val="AAAAAA"/>
+                      </a:solidFill>
+                      <a:prstDash val="solid"/>
+                      <a:round/>
+                      <a:headEnd type="none" w="med" len="med"/>
+                      <a:tailEnd type="none" w="med" len="med"/>
+                    </a:lnR>
+                    <a:lnT w="9525" cap="flat" cmpd="sng" algn="ctr">
+                      <a:solidFill>
+                        <a:srgbClr val="AAAAAA"/>
+                      </a:solidFill>
+                      <a:prstDash val="solid"/>
+                      <a:round/>
+                      <a:headEnd type="none" w="med" len="med"/>
+                      <a:tailEnd type="none" w="med" len="med"/>
+                    </a:lnT>
+                    <a:lnB w="9525" cap="flat" cmpd="sng" algn="ctr">
+                      <a:solidFill>
+                        <a:srgbClr val="AAAAAA"/>
+                      </a:solidFill>
+                      <a:prstDash val="solid"/>
+                      <a:round/>
+                      <a:headEnd type="none" w="med" len="med"/>
+                      <a:tailEnd type="none" w="med" len="med"/>
+                    </a:lnB>
+                    <a:solidFill>
+                      <a:srgbClr val="FFFFFF"/>
+                    </a:solidFill>
+                  </a:tcPr>
+                </a:tc>
+              </a:tr>
+              <a:tr h="108153">
+                <a:tc vMerge="1">
+                  <a:txBody>
+                    <a:bodyPr/>
+                    <a:lstStyle/>
+                    <a:p>
+                      <a:endParaRPr lang="zh-CN" altLang="en-US"/>
+                    </a:p>
+                  </a:txBody>
+                  <a:tcPr/>
+                </a:tc>
+                <a:tc vMerge="1">
+                  <a:txBody>
+                    <a:bodyPr/>
+                    <a:lstStyle/>
+                    <a:p>
+                      <a:endParaRPr lang="zh-CN" altLang="en-US"/>
+                    </a:p>
+                  </a:txBody>
+                  <a:tcPr/>
+                </a:tc>
+                <a:tc>
+                  <a:txBody>
+                    <a:bodyPr/>
+                    <a:lstStyle/>
+                    <a:p>
+                      <a:pPr marL="0" marR="0" indent="0" algn="l" defTabSz="914400" rtl="0" eaLnBrk="1" fontAlgn="t" latinLnBrk="0" hangingPunct="1">
+                        <a:lnSpc>
+                          <a:spcPct val="100000"/>
+                        </a:lnSpc>
+                        <a:spcBef>
+                          <a:spcPts val="0"/>
+                        </a:spcBef>
+                        <a:spcAft>
+                          <a:spcPts val="0"/>
+                        </a:spcAft>
+                        <a:buClrTx/>
+                        <a:buSzTx/>
+                        <a:buFontTx/>
+                        <a:buNone/>
+                        <a:tabLst/>
+                        <a:defRPr/>
+                      </a:pPr>
+                      <a:r>
+                        <a:rPr lang="en-US" altLang="zh-CN" sz="1200" kern="1200" dirty="0" smtClean="0">
+                          <a:solidFill>
+                            <a:schemeClr val="tx1"/>
+                          </a:solidFill>
+                          <a:effectLst/>
+                          <a:latin typeface="+mn-ea"/>
+                          <a:ea typeface="+mn-ea"/>
+                          <a:cs typeface="+mn-cs"/>
+                        </a:rPr>
+                        <a:t>… | ELSE IF | ${a}&gt;=70 | log</a:t>
+                      </a:r>
+                      <a:r>
+                        <a:rPr lang="en-US" altLang="zh-CN" sz="1200" kern="1200" baseline="0" dirty="0" smtClean="0">
+                          <a:solidFill>
+                            <a:schemeClr val="tx1"/>
+                          </a:solidFill>
+                          <a:effectLst/>
+                          <a:latin typeface="+mn-ea"/>
+                          <a:ea typeface="+mn-ea"/>
+                          <a:cs typeface="+mn-cs"/>
+                        </a:rPr>
+                        <a:t> </a:t>
+                      </a:r>
+                      <a:r>
+                        <a:rPr lang="en-US" altLang="zh-CN" sz="1200" kern="1200" dirty="0" smtClean="0">
+                          <a:solidFill>
+                            <a:schemeClr val="tx1"/>
+                          </a:solidFill>
+                          <a:effectLst/>
+                          <a:latin typeface="+mn-ea"/>
+                          <a:ea typeface="+mn-ea"/>
+                          <a:cs typeface="+mn-cs"/>
+                        </a:rPr>
+                        <a:t>| </a:t>
+                      </a:r>
+                      <a:r>
+                        <a:rPr lang="zh-CN" altLang="en-US" sz="1200" kern="1200" dirty="0" smtClean="0">
+                          <a:solidFill>
+                            <a:schemeClr val="tx1"/>
+                          </a:solidFill>
+                          <a:effectLst/>
+                          <a:latin typeface="+mn-ea"/>
+                          <a:ea typeface="+mn-ea"/>
+                          <a:cs typeface="+mn-cs"/>
+                        </a:rPr>
+                        <a:t>中等</a:t>
+                      </a:r>
+                      <a:endParaRPr lang="en-US" altLang="zh-CN" sz="1200" kern="1200" dirty="0" smtClean="0">
+                        <a:solidFill>
+                          <a:schemeClr val="tx1"/>
+                        </a:solidFill>
+                        <a:effectLst/>
+                        <a:latin typeface="+mn-ea"/>
+                        <a:ea typeface="+mn-ea"/>
+                        <a:cs typeface="+mn-cs"/>
+                      </a:endParaRPr>
+                    </a:p>
+                  </a:txBody>
+                  <a:tcPr marL="31953" marR="31953" marT="31953" marB="31953" anchor="ctr">
+                    <a:lnL w="9525" cap="flat" cmpd="sng" algn="ctr">
+                      <a:solidFill>
+                        <a:srgbClr val="AAAAAA"/>
+                      </a:solidFill>
+                      <a:prstDash val="solid"/>
+                      <a:round/>
+                      <a:headEnd type="none" w="med" len="med"/>
+                      <a:tailEnd type="none" w="med" len="med"/>
+                    </a:lnL>
+                    <a:lnR w="9525" cap="flat" cmpd="sng" algn="ctr">
+                      <a:solidFill>
+                        <a:srgbClr val="AAAAAA"/>
+                      </a:solidFill>
+                      <a:prstDash val="solid"/>
+                      <a:round/>
+                      <a:headEnd type="none" w="med" len="med"/>
+                      <a:tailEnd type="none" w="med" len="med"/>
+                    </a:lnR>
+                    <a:lnT w="9525" cap="flat" cmpd="sng" algn="ctr">
+                      <a:solidFill>
+                        <a:srgbClr val="AAAAAA"/>
+                      </a:solidFill>
+                      <a:prstDash val="solid"/>
+                      <a:round/>
+                      <a:headEnd type="none" w="med" len="med"/>
+                      <a:tailEnd type="none" w="med" len="med"/>
+                    </a:lnT>
+                    <a:lnB w="9525" cap="flat" cmpd="sng" algn="ctr">
+                      <a:solidFill>
+                        <a:srgbClr val="AAAAAA"/>
+                      </a:solidFill>
+                      <a:prstDash val="solid"/>
+                      <a:round/>
+                      <a:headEnd type="none" w="med" len="med"/>
+                      <a:tailEnd type="none" w="med" len="med"/>
+                    </a:lnB>
+                    <a:solidFill>
+                      <a:srgbClr val="FFFFFF"/>
+                    </a:solidFill>
+                  </a:tcPr>
+                </a:tc>
+              </a:tr>
+              <a:tr h="0">
+                <a:tc vMerge="1">
+                  <a:txBody>
+                    <a:bodyPr/>
+                    <a:lstStyle/>
+                    <a:p>
+                      <a:endParaRPr lang="zh-CN" altLang="en-US"/>
+                    </a:p>
+                  </a:txBody>
+                  <a:tcPr/>
+                </a:tc>
+                <a:tc vMerge="1">
+                  <a:txBody>
+                    <a:bodyPr/>
+                    <a:lstStyle/>
+                    <a:p>
+                      <a:endParaRPr lang="zh-CN" altLang="en-US"/>
+                    </a:p>
+                  </a:txBody>
+                  <a:tcPr/>
+                </a:tc>
+                <a:tc>
+                  <a:txBody>
+                    <a:bodyPr/>
+                    <a:lstStyle/>
+                    <a:p>
+                      <a:pPr marL="0" marR="0" indent="0" algn="l" defTabSz="914400" rtl="0" eaLnBrk="1" fontAlgn="t" latinLnBrk="0" hangingPunct="1">
+                        <a:lnSpc>
+                          <a:spcPct val="100000"/>
+                        </a:lnSpc>
+                        <a:spcBef>
+                          <a:spcPts val="0"/>
+                        </a:spcBef>
+                        <a:spcAft>
+                          <a:spcPts val="0"/>
+                        </a:spcAft>
+                        <a:buClrTx/>
+                        <a:buSzTx/>
+                        <a:buFontTx/>
+                        <a:buNone/>
+                        <a:tabLst/>
+                        <a:defRPr/>
+                      </a:pPr>
+                      <a:r>
+                        <a:rPr lang="en-US" altLang="zh-CN" sz="1200" kern="1200" dirty="0" smtClean="0">
+                          <a:solidFill>
+                            <a:schemeClr val="tx1"/>
+                          </a:solidFill>
+                          <a:effectLst/>
+                          <a:latin typeface="+mn-ea"/>
+                          <a:ea typeface="+mn-ea"/>
+                          <a:cs typeface="+mn-cs"/>
+                        </a:rPr>
+                        <a:t>… | ELSE IF | ${a}&gt;=60 | log</a:t>
+                      </a:r>
+                      <a:r>
+                        <a:rPr lang="en-US" altLang="zh-CN" sz="1200" kern="1200" baseline="0" dirty="0" smtClean="0">
+                          <a:solidFill>
+                            <a:schemeClr val="tx1"/>
+                          </a:solidFill>
+                          <a:effectLst/>
+                          <a:latin typeface="+mn-ea"/>
+                          <a:ea typeface="+mn-ea"/>
+                          <a:cs typeface="+mn-cs"/>
+                        </a:rPr>
+                        <a:t> </a:t>
+                      </a:r>
+                      <a:r>
+                        <a:rPr lang="en-US" altLang="zh-CN" sz="1200" kern="1200" dirty="0" smtClean="0">
+                          <a:solidFill>
+                            <a:schemeClr val="tx1"/>
+                          </a:solidFill>
+                          <a:effectLst/>
+                          <a:latin typeface="+mn-ea"/>
+                          <a:ea typeface="+mn-ea"/>
+                          <a:cs typeface="+mn-cs"/>
+                        </a:rPr>
+                        <a:t>| </a:t>
+                      </a:r>
+                      <a:r>
+                        <a:rPr lang="zh-CN" altLang="en-US" sz="1200" kern="1200" dirty="0" smtClean="0">
+                          <a:solidFill>
+                            <a:schemeClr val="tx1"/>
+                          </a:solidFill>
+                          <a:effectLst/>
+                          <a:latin typeface="+mn-ea"/>
+                          <a:ea typeface="+mn-ea"/>
+                          <a:cs typeface="+mn-cs"/>
+                        </a:rPr>
+                        <a:t>及格</a:t>
+                      </a:r>
+                      <a:endParaRPr lang="en-US" altLang="zh-CN" sz="1200" kern="1200" dirty="0" smtClean="0">
+                        <a:solidFill>
+                          <a:schemeClr val="tx1"/>
+                        </a:solidFill>
+                        <a:effectLst/>
+                        <a:latin typeface="+mn-ea"/>
+                        <a:ea typeface="+mn-ea"/>
+                        <a:cs typeface="+mn-cs"/>
+                      </a:endParaRPr>
+                    </a:p>
+                  </a:txBody>
+                  <a:tcPr marL="31953" marR="31953" marT="31953" marB="31953" anchor="ctr">
+                    <a:lnL w="9525" cap="flat" cmpd="sng" algn="ctr">
+                      <a:solidFill>
+                        <a:srgbClr val="AAAAAA"/>
+                      </a:solidFill>
+                      <a:prstDash val="solid"/>
+                      <a:round/>
+                      <a:headEnd type="none" w="med" len="med"/>
+                      <a:tailEnd type="none" w="med" len="med"/>
+                    </a:lnL>
+                    <a:lnR w="9525" cap="flat" cmpd="sng" algn="ctr">
+                      <a:solidFill>
+                        <a:srgbClr val="AAAAAA"/>
+                      </a:solidFill>
+                      <a:prstDash val="solid"/>
+                      <a:round/>
+                      <a:headEnd type="none" w="med" len="med"/>
+                      <a:tailEnd type="none" w="med" len="med"/>
+                    </a:lnR>
+                    <a:lnT w="9525" cap="flat" cmpd="sng" algn="ctr">
+                      <a:solidFill>
+                        <a:srgbClr val="AAAAAA"/>
+                      </a:solidFill>
+                      <a:prstDash val="solid"/>
+                      <a:round/>
+                      <a:headEnd type="none" w="med" len="med"/>
+                      <a:tailEnd type="none" w="med" len="med"/>
+                    </a:lnT>
+                    <a:lnB w="9525" cap="flat" cmpd="sng" algn="ctr">
+                      <a:solidFill>
+                        <a:srgbClr val="AAAAAA"/>
+                      </a:solidFill>
+                      <a:prstDash val="solid"/>
+                      <a:round/>
+                      <a:headEnd type="none" w="med" len="med"/>
+                      <a:tailEnd type="none" w="med" len="med"/>
+                    </a:lnB>
+                    <a:solidFill>
+                      <a:srgbClr val="FFFFFF"/>
+                    </a:solidFill>
+                  </a:tcPr>
+                </a:tc>
+              </a:tr>
+              <a:tr h="209990">
+                <a:tc vMerge="1">
+                  <a:txBody>
+                    <a:bodyPr/>
+                    <a:lstStyle/>
+                    <a:p>
+                      <a:pPr marL="0" algn="l" defTabSz="914400" rtl="0" eaLnBrk="1" fontAlgn="t" latinLnBrk="0" hangingPunct="1"/>
+                      <a:endParaRPr lang="en-US" sz="1200" kern="1200" dirty="0">
+                        <a:solidFill>
+                          <a:schemeClr val="tx1"/>
+                        </a:solidFill>
+                        <a:effectLst/>
+                        <a:latin typeface="+mn-ea"/>
+                        <a:ea typeface="+mn-ea"/>
+                        <a:cs typeface="+mn-cs"/>
+                      </a:endParaRPr>
+                    </a:p>
+                  </a:txBody>
+                  <a:tcPr marL="31953" marR="31953" marT="31953" marB="31953" anchor="ctr">
+                    <a:lnL w="9525" cap="flat" cmpd="sng" algn="ctr">
+                      <a:solidFill>
+                        <a:srgbClr val="AAAAAA"/>
+                      </a:solidFill>
+                      <a:prstDash val="solid"/>
+                      <a:round/>
+                      <a:headEnd type="none" w="med" len="med"/>
+                      <a:tailEnd type="none" w="med" len="med"/>
+                    </a:lnL>
+                    <a:lnR w="9525" cap="flat" cmpd="sng" algn="ctr">
+                      <a:solidFill>
+                        <a:srgbClr val="AAAAAA"/>
+                      </a:solidFill>
+                      <a:prstDash val="solid"/>
+                      <a:round/>
+                      <a:headEnd type="none" w="med" len="med"/>
+                      <a:tailEnd type="none" w="med" len="med"/>
+                    </a:lnR>
+                    <a:lnT w="9525" cap="flat" cmpd="sng" algn="ctr">
+                      <a:solidFill>
+                        <a:srgbClr val="AAAAAA"/>
+                      </a:solidFill>
+                      <a:prstDash val="solid"/>
+                      <a:round/>
+                      <a:headEnd type="none" w="med" len="med"/>
+                      <a:tailEnd type="none" w="med" len="med"/>
+                    </a:lnT>
+                    <a:lnB w="9525" cap="flat" cmpd="sng" algn="ctr">
+                      <a:solidFill>
+                        <a:srgbClr val="AAAAAA"/>
+                      </a:solidFill>
+                      <a:prstDash val="solid"/>
+                      <a:round/>
+                      <a:headEnd type="none" w="med" len="med"/>
+                      <a:tailEnd type="none" w="med" len="med"/>
+                    </a:lnB>
+                    <a:solidFill>
+                      <a:srgbClr val="F5F5F5"/>
+                    </a:solidFill>
+                  </a:tcPr>
+                </a:tc>
+                <a:tc vMerge="1">
+                  <a:txBody>
+                    <a:bodyPr/>
+                    <a:lstStyle/>
+                    <a:p>
+                      <a:pPr fontAlgn="t"/>
+                      <a:endParaRPr lang="en-US" sz="1200" dirty="0">
+                        <a:effectLst/>
+                        <a:latin typeface="+mn-ea"/>
+                        <a:ea typeface="+mn-ea"/>
+                      </a:endParaRPr>
+                    </a:p>
+                  </a:txBody>
+                  <a:tcPr marL="31953" marR="31953" marT="31953" marB="31953" anchor="ctr">
+                    <a:lnL w="9525" cap="flat" cmpd="sng" algn="ctr">
+                      <a:solidFill>
+                        <a:srgbClr val="AAAAAA"/>
+                      </a:solidFill>
+                      <a:prstDash val="solid"/>
+                      <a:round/>
+                      <a:headEnd type="none" w="med" len="med"/>
+                      <a:tailEnd type="none" w="med" len="med"/>
+                    </a:lnL>
+                    <a:lnR w="9525" cap="flat" cmpd="sng" algn="ctr">
+                      <a:solidFill>
+                        <a:srgbClr val="AAAAAA"/>
+                      </a:solidFill>
+                      <a:prstDash val="solid"/>
+                      <a:round/>
+                      <a:headEnd type="none" w="med" len="med"/>
+                      <a:tailEnd type="none" w="med" len="med"/>
+                    </a:lnR>
+                    <a:lnT w="9525" cap="flat" cmpd="sng" algn="ctr">
+                      <a:solidFill>
+                        <a:srgbClr val="AAAAAA"/>
+                      </a:solidFill>
+                      <a:prstDash val="solid"/>
+                      <a:round/>
+                      <a:headEnd type="none" w="med" len="med"/>
+                      <a:tailEnd type="none" w="med" len="med"/>
+                    </a:lnT>
+                    <a:lnB w="9525" cap="flat" cmpd="sng" algn="ctr">
+                      <a:solidFill>
+                        <a:srgbClr val="AAAAAA"/>
+                      </a:solidFill>
+                      <a:prstDash val="solid"/>
+                      <a:round/>
+                      <a:headEnd type="none" w="med" len="med"/>
+                      <a:tailEnd type="none" w="med" len="med"/>
+                    </a:lnB>
+                    <a:solidFill>
+                      <a:srgbClr val="F5F5F5"/>
+                    </a:solidFill>
+                  </a:tcPr>
+                </a:tc>
+                <a:tc>
+                  <a:txBody>
+                    <a:bodyPr/>
+                    <a:lstStyle/>
+                    <a:p>
+                      <a:pPr marL="0" marR="0" indent="0" algn="l" defTabSz="914400" rtl="0" eaLnBrk="1" fontAlgn="t" latinLnBrk="0" hangingPunct="1">
+                        <a:lnSpc>
+                          <a:spcPct val="100000"/>
+                        </a:lnSpc>
+                        <a:spcBef>
+                          <a:spcPts val="0"/>
+                        </a:spcBef>
+                        <a:spcAft>
+                          <a:spcPts val="0"/>
+                        </a:spcAft>
+                        <a:buClrTx/>
+                        <a:buSzTx/>
+                        <a:buFontTx/>
+                        <a:buNone/>
+                        <a:tabLst/>
+                        <a:defRPr/>
+                      </a:pPr>
+                      <a:r>
+                        <a:rPr lang="en-US" altLang="zh-CN" sz="1200" kern="1200" dirty="0" smtClean="0">
+                          <a:solidFill>
+                            <a:schemeClr val="tx1"/>
+                          </a:solidFill>
+                          <a:effectLst/>
+                          <a:latin typeface="+mn-ea"/>
+                          <a:ea typeface="+mn-ea"/>
+                          <a:cs typeface="+mn-cs"/>
+                        </a:rPr>
+                        <a:t>… | ELSE | log</a:t>
+                      </a:r>
+                      <a:r>
+                        <a:rPr lang="en-US" altLang="zh-CN" sz="1200" kern="1200" baseline="0" dirty="0" smtClean="0">
+                          <a:solidFill>
+                            <a:schemeClr val="tx1"/>
+                          </a:solidFill>
+                          <a:effectLst/>
+                          <a:latin typeface="+mn-ea"/>
+                          <a:ea typeface="+mn-ea"/>
+                          <a:cs typeface="+mn-cs"/>
+                        </a:rPr>
+                        <a:t> </a:t>
+                      </a:r>
+                      <a:r>
+                        <a:rPr lang="en-US" altLang="zh-CN" sz="1200" kern="1200" dirty="0" smtClean="0">
+                          <a:solidFill>
+                            <a:schemeClr val="tx1"/>
+                          </a:solidFill>
+                          <a:effectLst/>
+                          <a:latin typeface="+mn-ea"/>
+                          <a:ea typeface="+mn-ea"/>
+                          <a:cs typeface="+mn-cs"/>
+                        </a:rPr>
+                        <a:t>| </a:t>
+                      </a:r>
+                      <a:r>
+                        <a:rPr lang="zh-CN" altLang="en-US" sz="1200" kern="1200" dirty="0" smtClean="0">
+                          <a:solidFill>
+                            <a:schemeClr val="tx1"/>
+                          </a:solidFill>
+                          <a:effectLst/>
+                          <a:latin typeface="+mn-ea"/>
+                          <a:ea typeface="+mn-ea"/>
+                          <a:cs typeface="+mn-cs"/>
+                        </a:rPr>
+                        <a:t>及格</a:t>
+                      </a:r>
+                      <a:endParaRPr lang="en-US" altLang="zh-CN" sz="1200" kern="1200" dirty="0" smtClean="0">
+                        <a:solidFill>
+                          <a:schemeClr val="tx1"/>
+                        </a:solidFill>
+                        <a:effectLst/>
+                        <a:latin typeface="+mn-ea"/>
+                        <a:ea typeface="+mn-ea"/>
+                        <a:cs typeface="+mn-cs"/>
+                      </a:endParaRPr>
+                    </a:p>
+                  </a:txBody>
+                  <a:tcPr marL="31953" marR="31953" marT="31953" marB="31953" anchor="ctr">
+                    <a:lnL w="9525" cap="flat" cmpd="sng" algn="ctr">
+                      <a:solidFill>
+                        <a:srgbClr val="AAAAAA"/>
+                      </a:solidFill>
+                      <a:prstDash val="solid"/>
+                      <a:round/>
+                      <a:headEnd type="none" w="med" len="med"/>
+                      <a:tailEnd type="none" w="med" len="med"/>
+                    </a:lnL>
+                    <a:lnR w="9525" cap="flat" cmpd="sng" algn="ctr">
+                      <a:solidFill>
+                        <a:srgbClr val="AAAAAA"/>
+                      </a:solidFill>
+                      <a:prstDash val="solid"/>
+                      <a:round/>
+                      <a:headEnd type="none" w="med" len="med"/>
+                      <a:tailEnd type="none" w="med" len="med"/>
+                    </a:lnR>
+                    <a:lnT w="9525" cap="flat" cmpd="sng" algn="ctr">
+                      <a:solidFill>
+                        <a:srgbClr val="AAAAAA"/>
+                      </a:solidFill>
+                      <a:prstDash val="solid"/>
+                      <a:round/>
+                      <a:headEnd type="none" w="med" len="med"/>
+                      <a:tailEnd type="none" w="med" len="med"/>
+                    </a:lnT>
+                    <a:lnB w="9525" cap="flat" cmpd="sng" algn="ctr">
+                      <a:solidFill>
+                        <a:srgbClr val="AAAAAA"/>
+                      </a:solidFill>
+                      <a:prstDash val="solid"/>
+                      <a:round/>
+                      <a:headEnd type="none" w="med" len="med"/>
+                      <a:tailEnd type="none" w="med" len="med"/>
+                    </a:lnB>
+                    <a:solidFill>
+                      <a:srgbClr val="F5F5F5"/>
+                    </a:solidFill>
+                  </a:tcPr>
+                </a:tc>
+              </a:tr>
+              <a:tr h="108153">
+                <a:tc rowSpan="3">
+                  <a:txBody>
+                    <a:bodyPr/>
+                    <a:lstStyle/>
+                    <a:p>
+                      <a:pPr marL="0" algn="ctr" defTabSz="914400" rtl="0" eaLnBrk="1" fontAlgn="t" latinLnBrk="0" hangingPunct="1"/>
+                      <a:r>
+                        <a:rPr lang="en-US" sz="1200" kern="1200" dirty="0" smtClean="0">
+                          <a:solidFill>
+                            <a:schemeClr val="tx1"/>
+                          </a:solidFill>
+                          <a:effectLst/>
+                          <a:latin typeface="+mn-ea"/>
+                          <a:ea typeface="+mn-ea"/>
+                          <a:cs typeface="+mn-cs"/>
+                        </a:rPr>
+                        <a:t>FOR</a:t>
+                      </a:r>
+                      <a:endParaRPr lang="en-US" sz="1200" kern="1200" dirty="0" smtClean="0">
+                        <a:solidFill>
+                          <a:schemeClr val="tx1"/>
+                        </a:solidFill>
+                        <a:effectLst/>
+                        <a:latin typeface="+mn-ea"/>
+                        <a:ea typeface="+mn-ea"/>
+                        <a:cs typeface="+mn-cs"/>
+                      </a:endParaRPr>
+                    </a:p>
+                  </a:txBody>
+                  <a:tcPr marL="31953" marR="31953" marT="31953" marB="31953" anchor="ctr">
+                    <a:lnL w="9525" cap="flat" cmpd="sng" algn="ctr">
+                      <a:solidFill>
+                        <a:srgbClr val="AAAAAA"/>
+                      </a:solidFill>
+                      <a:prstDash val="solid"/>
+                      <a:round/>
+                      <a:headEnd type="none" w="med" len="med"/>
+                      <a:tailEnd type="none" w="med" len="med"/>
+                    </a:lnL>
+                    <a:lnR w="9525" cap="flat" cmpd="sng" algn="ctr">
+                      <a:solidFill>
+                        <a:srgbClr val="AAAAAA"/>
+                      </a:solidFill>
+                      <a:prstDash val="solid"/>
+                      <a:round/>
+                      <a:headEnd type="none" w="med" len="med"/>
+                      <a:tailEnd type="none" w="med" len="med"/>
+                    </a:lnR>
+                    <a:lnT w="9525" cap="flat" cmpd="sng" algn="ctr">
+                      <a:solidFill>
+                        <a:srgbClr val="AAAAAA"/>
+                      </a:solidFill>
+                      <a:prstDash val="solid"/>
+                      <a:round/>
+                      <a:headEnd type="none" w="med" len="med"/>
+                      <a:tailEnd type="none" w="med" len="med"/>
+                    </a:lnT>
+                    <a:lnB w="9525" cap="flat" cmpd="sng" algn="ctr">
+                      <a:solidFill>
+                        <a:srgbClr val="AAAAAA"/>
+                      </a:solidFill>
+                      <a:prstDash val="solid"/>
+                      <a:round/>
+                      <a:headEnd type="none" w="med" len="med"/>
+                      <a:tailEnd type="none" w="med" len="med"/>
+                    </a:lnB>
+                    <a:solidFill>
+                      <a:srgbClr val="F5F5F5"/>
+                    </a:solidFill>
+                  </a:tcPr>
+                </a:tc>
+                <a:tc rowSpan="3">
+                  <a:txBody>
+                    <a:bodyPr/>
+                    <a:lstStyle/>
+                    <a:p>
+                      <a:pPr algn="ctr" fontAlgn="t"/>
+                      <a:r>
+                        <a:rPr lang="zh-CN" altLang="en-US" sz="1200" dirty="0" smtClean="0">
+                          <a:effectLst/>
+                          <a:latin typeface="+mn-ea"/>
+                          <a:ea typeface="+mn-ea"/>
+                        </a:rPr>
+                        <a:t>循环语句</a:t>
+                      </a:r>
+                      <a:endParaRPr lang="zh-CN" altLang="en-US" sz="1200" dirty="0">
+                        <a:effectLst/>
+                        <a:latin typeface="+mn-ea"/>
+                        <a:ea typeface="+mn-ea"/>
+                      </a:endParaRPr>
+                    </a:p>
+                  </a:txBody>
+                  <a:tcPr marL="31953" marR="31953" marT="31953" marB="31953" anchor="ctr">
+                    <a:lnL w="9525" cap="flat" cmpd="sng" algn="ctr">
+                      <a:solidFill>
+                        <a:srgbClr val="AAAAAA"/>
+                      </a:solidFill>
+                      <a:prstDash val="solid"/>
+                      <a:round/>
+                      <a:headEnd type="none" w="med" len="med"/>
+                      <a:tailEnd type="none" w="med" len="med"/>
+                    </a:lnL>
+                    <a:lnR w="9525" cap="flat" cmpd="sng" algn="ctr">
+                      <a:solidFill>
+                        <a:srgbClr val="AAAAAA"/>
+                      </a:solidFill>
+                      <a:prstDash val="solid"/>
+                      <a:round/>
+                      <a:headEnd type="none" w="med" len="med"/>
+                      <a:tailEnd type="none" w="med" len="med"/>
+                    </a:lnR>
+                    <a:lnT w="9525" cap="flat" cmpd="sng" algn="ctr">
+                      <a:solidFill>
+                        <a:srgbClr val="AAAAAA"/>
+                      </a:solidFill>
+                      <a:prstDash val="solid"/>
+                      <a:round/>
+                      <a:headEnd type="none" w="med" len="med"/>
+                      <a:tailEnd type="none" w="med" len="med"/>
+                    </a:lnT>
+                    <a:lnB w="9525" cap="flat" cmpd="sng" algn="ctr">
+                      <a:solidFill>
+                        <a:srgbClr val="AAAAAA"/>
+                      </a:solidFill>
+                      <a:prstDash val="solid"/>
+                      <a:round/>
+                      <a:headEnd type="none" w="med" len="med"/>
+                      <a:tailEnd type="none" w="med" len="med"/>
+                    </a:lnB>
+                    <a:solidFill>
+                      <a:srgbClr val="F5F5F5"/>
+                    </a:solidFill>
+                  </a:tcPr>
+                </a:tc>
+                <a:tc>
+                  <a:txBody>
+                    <a:bodyPr/>
+                    <a:lstStyle/>
+                    <a:p>
+                      <a:pPr marL="0" marR="0" indent="0" algn="l" defTabSz="914400" rtl="0" eaLnBrk="1" fontAlgn="t" latinLnBrk="0" hangingPunct="1">
+                        <a:lnSpc>
+                          <a:spcPct val="100000"/>
+                        </a:lnSpc>
+                        <a:spcBef>
+                          <a:spcPts val="0"/>
+                        </a:spcBef>
+                        <a:spcAft>
+                          <a:spcPts val="0"/>
+                        </a:spcAft>
+                        <a:buClrTx/>
+                        <a:buSzTx/>
+                        <a:buFontTx/>
+                        <a:buNone/>
+                        <a:tabLst/>
+                        <a:defRPr/>
+                      </a:pPr>
+                      <a:r>
+                        <a:rPr lang="en-US" altLang="zh-CN" sz="1200" dirty="0" smtClean="0">
+                          <a:effectLst/>
+                          <a:latin typeface="+mn-ea"/>
+                          <a:ea typeface="+mn-ea"/>
+                        </a:rPr>
+                        <a:t>@{search} |	Create List | Robot | Framework | </a:t>
+                      </a:r>
+                      <a:r>
+                        <a:rPr lang="en-US" altLang="zh-CN" sz="1200" dirty="0" err="1" smtClean="0">
+                          <a:effectLst/>
+                          <a:latin typeface="+mn-ea"/>
+                          <a:ea typeface="+mn-ea"/>
+                        </a:rPr>
+                        <a:t>RobotFramework</a:t>
+                      </a:r>
+                      <a:endParaRPr lang="en-US" altLang="zh-CN" sz="1200" dirty="0" smtClean="0">
+                        <a:effectLst/>
+                        <a:latin typeface="+mn-ea"/>
+                        <a:ea typeface="+mn-ea"/>
+                      </a:endParaRPr>
+                    </a:p>
+                  </a:txBody>
+                  <a:tcPr marL="31953" marR="31953" marT="31953" marB="31953" anchor="ctr">
+                    <a:lnL w="9525" cap="flat" cmpd="sng" algn="ctr">
+                      <a:solidFill>
+                        <a:srgbClr val="AAAAAA"/>
+                      </a:solidFill>
+                      <a:prstDash val="solid"/>
+                      <a:round/>
+                      <a:headEnd type="none" w="med" len="med"/>
+                      <a:tailEnd type="none" w="med" len="med"/>
+                    </a:lnL>
+                    <a:lnR w="9525" cap="flat" cmpd="sng" algn="ctr">
+                      <a:solidFill>
+                        <a:srgbClr val="AAAAAA"/>
+                      </a:solidFill>
+                      <a:prstDash val="solid"/>
+                      <a:round/>
+                      <a:headEnd type="none" w="med" len="med"/>
+                      <a:tailEnd type="none" w="med" len="med"/>
+                    </a:lnR>
+                    <a:lnT w="9525" cap="flat" cmpd="sng" algn="ctr">
+                      <a:solidFill>
+                        <a:srgbClr val="AAAAAA"/>
+                      </a:solidFill>
+                      <a:prstDash val="solid"/>
+                      <a:round/>
+                      <a:headEnd type="none" w="med" len="med"/>
+                      <a:tailEnd type="none" w="med" len="med"/>
+                    </a:lnT>
+                    <a:lnB w="9525" cap="flat" cmpd="sng" algn="ctr">
+                      <a:solidFill>
+                        <a:srgbClr val="AAAAAA"/>
+                      </a:solidFill>
+                      <a:prstDash val="solid"/>
+                      <a:round/>
+                      <a:headEnd type="none" w="med" len="med"/>
+                      <a:tailEnd type="none" w="med" len="med"/>
+                    </a:lnB>
+                    <a:solidFill>
+                      <a:srgbClr val="F5F5F5"/>
+                    </a:solidFill>
+                  </a:tcPr>
+                </a:tc>
+              </a:tr>
+              <a:tr h="108153">
+                <a:tc vMerge="1">
+                  <a:txBody>
+                    <a:bodyPr/>
+                    <a:lstStyle/>
+                    <a:p>
+                      <a:endParaRPr lang="zh-CN" altLang="en-US"/>
+                    </a:p>
+                  </a:txBody>
+                  <a:tcPr/>
+                </a:tc>
+                <a:tc vMerge="1">
+                  <a:txBody>
+                    <a:bodyPr/>
+                    <a:lstStyle/>
+                    <a:p>
+                      <a:endParaRPr lang="zh-CN" altLang="en-US"/>
+                    </a:p>
+                  </a:txBody>
+                  <a:tcPr/>
+                </a:tc>
+                <a:tc>
+                  <a:txBody>
+                    <a:bodyPr/>
+                    <a:lstStyle/>
+                    <a:p>
+                      <a:pPr marL="0" marR="0" indent="0" algn="l" defTabSz="914400" rtl="0" eaLnBrk="1" fontAlgn="t" latinLnBrk="0" hangingPunct="1">
+                        <a:lnSpc>
+                          <a:spcPct val="100000"/>
+                        </a:lnSpc>
+                        <a:spcBef>
+                          <a:spcPts val="0"/>
+                        </a:spcBef>
+                        <a:spcAft>
+                          <a:spcPts val="0"/>
+                        </a:spcAft>
+                        <a:buClrTx/>
+                        <a:buSzTx/>
+                        <a:buFontTx/>
+                        <a:buNone/>
+                        <a:tabLst/>
+                        <a:defRPr/>
+                      </a:pPr>
+                      <a:r>
+                        <a:rPr lang="en-US" altLang="zh-CN" sz="1200" dirty="0" smtClean="0">
+                          <a:effectLst/>
+                          <a:latin typeface="+mn-ea"/>
+                          <a:ea typeface="+mn-ea"/>
+                        </a:rPr>
+                        <a:t>: FOR</a:t>
+                      </a:r>
+                      <a:r>
+                        <a:rPr lang="en-US" altLang="zh-CN" sz="1200" baseline="0" dirty="0" smtClean="0">
+                          <a:effectLst/>
+                          <a:latin typeface="+mn-ea"/>
+                          <a:ea typeface="+mn-ea"/>
+                        </a:rPr>
+                        <a:t> </a:t>
+                      </a:r>
+                      <a:r>
+                        <a:rPr lang="en-US" altLang="zh-CN" sz="1200" dirty="0" smtClean="0">
+                          <a:effectLst/>
+                          <a:latin typeface="+mn-ea"/>
+                          <a:ea typeface="+mn-ea"/>
+                        </a:rPr>
+                        <a:t>|</a:t>
+                      </a:r>
+                      <a:r>
+                        <a:rPr lang="en-US" altLang="zh-CN" sz="1200" baseline="0" dirty="0" smtClean="0">
+                          <a:effectLst/>
+                          <a:latin typeface="+mn-ea"/>
+                          <a:ea typeface="+mn-ea"/>
+                        </a:rPr>
+                        <a:t> </a:t>
+                      </a:r>
+                      <a:r>
+                        <a:rPr lang="en-US" altLang="zh-CN" sz="1200" dirty="0" smtClean="0">
+                          <a:effectLst/>
+                          <a:latin typeface="+mn-ea"/>
+                          <a:ea typeface="+mn-ea"/>
+                        </a:rPr>
+                        <a:t>${Scalar}</a:t>
+                      </a:r>
+                      <a:r>
+                        <a:rPr lang="en-US" altLang="zh-CN" sz="1200" baseline="0" dirty="0" smtClean="0">
+                          <a:effectLst/>
+                          <a:latin typeface="+mn-ea"/>
+                          <a:ea typeface="+mn-ea"/>
+                        </a:rPr>
+                        <a:t> </a:t>
+                      </a:r>
+                      <a:r>
+                        <a:rPr lang="en-US" altLang="zh-CN" sz="1200" dirty="0" smtClean="0">
+                          <a:effectLst/>
+                          <a:latin typeface="+mn-ea"/>
+                          <a:ea typeface="+mn-ea"/>
+                        </a:rPr>
+                        <a:t>| IN | @{search}</a:t>
+                      </a:r>
+                    </a:p>
+                  </a:txBody>
+                  <a:tcPr marL="31953" marR="31953" marT="31953" marB="31953" anchor="ctr">
+                    <a:lnL w="9525" cap="flat" cmpd="sng" algn="ctr">
+                      <a:solidFill>
+                        <a:srgbClr val="AAAAAA"/>
+                      </a:solidFill>
+                      <a:prstDash val="solid"/>
+                      <a:round/>
+                      <a:headEnd type="none" w="med" len="med"/>
+                      <a:tailEnd type="none" w="med" len="med"/>
+                    </a:lnL>
+                    <a:lnR w="9525" cap="flat" cmpd="sng" algn="ctr">
+                      <a:solidFill>
+                        <a:srgbClr val="AAAAAA"/>
+                      </a:solidFill>
+                      <a:prstDash val="solid"/>
+                      <a:round/>
+                      <a:headEnd type="none" w="med" len="med"/>
+                      <a:tailEnd type="none" w="med" len="med"/>
+                    </a:lnR>
+                    <a:lnT w="9525" cap="flat" cmpd="sng" algn="ctr">
+                      <a:solidFill>
+                        <a:srgbClr val="AAAAAA"/>
+                      </a:solidFill>
+                      <a:prstDash val="solid"/>
+                      <a:round/>
+                      <a:headEnd type="none" w="med" len="med"/>
+                      <a:tailEnd type="none" w="med" len="med"/>
+                    </a:lnT>
+                    <a:lnB w="9525" cap="flat" cmpd="sng" algn="ctr">
+                      <a:solidFill>
+                        <a:srgbClr val="AAAAAA"/>
+                      </a:solidFill>
+                      <a:prstDash val="solid"/>
+                      <a:round/>
+                      <a:headEnd type="none" w="med" len="med"/>
+                      <a:tailEnd type="none" w="med" len="med"/>
+                    </a:lnB>
+                    <a:solidFill>
+                      <a:srgbClr val="F5F5F5"/>
+                    </a:solidFill>
+                  </a:tcPr>
+                </a:tc>
+              </a:tr>
+              <a:tr h="0">
+                <a:tc vMerge="1">
+                  <a:txBody>
+                    <a:bodyPr/>
+                    <a:lstStyle/>
+                    <a:p>
+                      <a:endParaRPr lang="zh-CN" altLang="en-US"/>
+                    </a:p>
+                  </a:txBody>
+                  <a:tcPr/>
+                </a:tc>
+                <a:tc vMerge="1">
+                  <a:txBody>
+                    <a:bodyPr/>
+                    <a:lstStyle/>
+                    <a:p>
+                      <a:endParaRPr lang="zh-CN" altLang="en-US"/>
+                    </a:p>
+                  </a:txBody>
+                  <a:tcPr/>
+                </a:tc>
+                <a:tc>
+                  <a:txBody>
+                    <a:bodyPr/>
+                    <a:lstStyle/>
+                    <a:p>
+                      <a:pPr marL="0" marR="0" indent="0" algn="l" defTabSz="914400" rtl="0" eaLnBrk="1" fontAlgn="t" latinLnBrk="0" hangingPunct="1">
+                        <a:lnSpc>
+                          <a:spcPct val="100000"/>
+                        </a:lnSpc>
+                        <a:spcBef>
+                          <a:spcPts val="0"/>
+                        </a:spcBef>
+                        <a:spcAft>
+                          <a:spcPts val="0"/>
+                        </a:spcAft>
+                        <a:buClrTx/>
+                        <a:buSzTx/>
+                        <a:buFontTx/>
+                        <a:buNone/>
+                        <a:tabLst/>
+                        <a:defRPr/>
+                      </a:pPr>
+                      <a:r>
+                        <a:rPr lang="en-US" altLang="zh-CN" sz="1200" dirty="0" smtClean="0">
+                          <a:effectLst/>
+                          <a:latin typeface="+mn-ea"/>
+                          <a:ea typeface="+mn-ea"/>
+                        </a:rPr>
+                        <a:t>\ | log | ${Scalar}</a:t>
+                      </a:r>
+                      <a:r>
+                        <a:rPr lang="en-US" altLang="zh-CN" sz="1200" baseline="0" dirty="0" smtClean="0">
+                          <a:effectLst/>
+                          <a:latin typeface="+mn-ea"/>
+                          <a:ea typeface="+mn-ea"/>
+                        </a:rPr>
+                        <a:t> </a:t>
+                      </a:r>
+                      <a:endParaRPr lang="en-US" altLang="zh-CN" sz="1200" dirty="0" smtClean="0">
+                        <a:effectLst/>
+                        <a:latin typeface="+mn-ea"/>
+                        <a:ea typeface="+mn-ea"/>
+                      </a:endParaRPr>
+                    </a:p>
+                  </a:txBody>
+                  <a:tcPr marL="31953" marR="31953" marT="31953" marB="31953" anchor="ctr">
+                    <a:lnL w="9525" cap="flat" cmpd="sng" algn="ctr">
+                      <a:solidFill>
+                        <a:srgbClr val="AAAAAA"/>
+                      </a:solidFill>
+                      <a:prstDash val="solid"/>
+                      <a:round/>
+                      <a:headEnd type="none" w="med" len="med"/>
+                      <a:tailEnd type="none" w="med" len="med"/>
+                    </a:lnL>
+                    <a:lnR w="9525" cap="flat" cmpd="sng" algn="ctr">
+                      <a:solidFill>
+                        <a:srgbClr val="AAAAAA"/>
+                      </a:solidFill>
+                      <a:prstDash val="solid"/>
+                      <a:round/>
+                      <a:headEnd type="none" w="med" len="med"/>
+                      <a:tailEnd type="none" w="med" len="med"/>
+                    </a:lnR>
+                    <a:lnT w="9525" cap="flat" cmpd="sng" algn="ctr">
+                      <a:solidFill>
+                        <a:srgbClr val="AAAAAA"/>
+                      </a:solidFill>
+                      <a:prstDash val="solid"/>
+                      <a:round/>
+                      <a:headEnd type="none" w="med" len="med"/>
+                      <a:tailEnd type="none" w="med" len="med"/>
+                    </a:lnT>
+                    <a:lnB w="9525" cap="flat" cmpd="sng" algn="ctr">
+                      <a:solidFill>
+                        <a:srgbClr val="AAAAAA"/>
+                      </a:solidFill>
+                      <a:prstDash val="solid"/>
+                      <a:round/>
+                      <a:headEnd type="none" w="med" len="med"/>
+                      <a:tailEnd type="none" w="med" len="med"/>
+                    </a:lnB>
+                    <a:solidFill>
+                      <a:srgbClr val="F5F5F5"/>
+                    </a:solidFill>
+                  </a:tcPr>
+                </a:tc>
+              </a:tr>
+            </a:tbl>
           </a:graphicData>
         </a:graphic>
       </p:graphicFrame>
-      <p:sp>
-        <p:nvSpPr>
-          <p:cNvPr id="7" name="TextBox 27"/>
-          <p:cNvSpPr txBox="1"/>
-          <p:nvPr/>
-        </p:nvSpPr>
-        <p:spPr>
-          <a:xfrm>
-            <a:off x="827584" y="988544"/>
-            <a:ext cx="6984776" cy="609398"/>
-          </a:xfrm>
-          <a:prstGeom prst="rect">
-            <a:avLst/>
-          </a:prstGeom>
-          <a:noFill/>
-        </p:spPr>
-        <p:txBody>
-          <a:bodyPr wrap="square" rtlCol="0">
-            <a:spAutoFit/>
-          </a:bodyPr>
-          <a:lstStyle/>
-          <a:p>
-            <a:pPr>
-              <a:lnSpc>
-                <a:spcPct val="120000"/>
-              </a:lnSpc>
-            </a:pPr>
-            <a:r>
-              <a:rPr lang="en-US" altLang="zh-CN" sz="1400" dirty="0" err="1" smtClean="0">
-                <a:latin typeface="+mn-ea"/>
-              </a:rPr>
-              <a:t>RobotFramework</a:t>
-            </a:r>
-            <a:r>
-              <a:rPr lang="zh-CN" altLang="en-US" sz="1400" dirty="0">
-                <a:latin typeface="+mn-ea"/>
-              </a:rPr>
-              <a:t>支持扩展自定义库，封装</a:t>
-            </a:r>
-            <a:r>
-              <a:rPr lang="zh-CN" altLang="en-US" sz="1400" dirty="0" smtClean="0">
-                <a:latin typeface="+mn-ea"/>
-              </a:rPr>
-              <a:t>关键字并使用（右侧附件为封装的邮件方法）；</a:t>
-            </a:r>
-            <a:endParaRPr lang="zh-CN" altLang="en-US" sz="1400" dirty="0">
-              <a:latin typeface="+mn-ea"/>
-            </a:endParaRPr>
-          </a:p>
-          <a:p>
-            <a:pPr>
-              <a:lnSpc>
-                <a:spcPct val="120000"/>
-              </a:lnSpc>
-            </a:pPr>
-            <a:r>
-              <a:rPr lang="zh-CN" altLang="en-US" sz="1400" dirty="0">
-                <a:latin typeface="+mn-ea"/>
-              </a:rPr>
-              <a:t>将自定义的库放在</a:t>
-            </a:r>
-            <a:r>
-              <a:rPr lang="en-US" altLang="zh-CN" sz="1400" dirty="0">
-                <a:latin typeface="+mn-ea"/>
-              </a:rPr>
-              <a:t>Python</a:t>
-            </a:r>
-            <a:r>
-              <a:rPr lang="zh-CN" altLang="en-US" sz="1400" dirty="0">
-                <a:latin typeface="+mn-ea"/>
-              </a:rPr>
-              <a:t>相对路径（ </a:t>
-            </a:r>
-            <a:r>
-              <a:rPr lang="en-US" altLang="zh-CN" sz="1400" dirty="0">
-                <a:latin typeface="+mn-ea"/>
-              </a:rPr>
-              <a:t>..\Lib\site-packages </a:t>
-            </a:r>
-            <a:r>
-              <a:rPr lang="zh-CN" altLang="en-US" sz="1400" dirty="0" smtClean="0">
-                <a:latin typeface="+mn-ea"/>
-              </a:rPr>
-              <a:t>）下即</a:t>
-            </a:r>
-            <a:r>
-              <a:rPr lang="zh-CN" altLang="en-US" sz="1400" dirty="0">
-                <a:latin typeface="+mn-ea"/>
-              </a:rPr>
-              <a:t>可使用</a:t>
-            </a:r>
-          </a:p>
-        </p:txBody>
-      </p:sp>
-      <p:pic>
-        <p:nvPicPr>
-          <p:cNvPr id="6" name="图片 5"/>
-          <p:cNvPicPr>
-            <a:picLocks noChangeAspect="1"/>
-          </p:cNvPicPr>
-          <p:nvPr/>
-        </p:nvPicPr>
-        <p:blipFill>
-          <a:blip r:embed="rId6"/>
-          <a:stretch>
-            <a:fillRect/>
-          </a:stretch>
-        </p:blipFill>
-        <p:spPr>
-          <a:xfrm>
-            <a:off x="827584" y="1736598"/>
-            <a:ext cx="4842958" cy="2551817"/>
-          </a:xfrm>
-          <a:prstGeom prst="rect">
-            <a:avLst/>
-          </a:prstGeom>
-        </p:spPr>
-      </p:pic>
-      <p:pic>
-        <p:nvPicPr>
-          <p:cNvPr id="8" name="图片 7"/>
-          <p:cNvPicPr>
-            <a:picLocks noChangeAspect="1"/>
-          </p:cNvPicPr>
-          <p:nvPr/>
-        </p:nvPicPr>
-        <p:blipFill>
-          <a:blip r:embed="rId7"/>
-          <a:stretch>
-            <a:fillRect/>
-          </a:stretch>
-        </p:blipFill>
-        <p:spPr>
-          <a:xfrm>
-            <a:off x="5796136" y="2067694"/>
-            <a:ext cx="3245084" cy="1827495"/>
-          </a:xfrm>
-          <a:prstGeom prst="rect">
-            <a:avLst/>
-          </a:prstGeom>
-        </p:spPr>
-      </p:pic>
     </p:spTree>
     <p:extLst>
       <p:ext uri="{BB962C8B-B14F-4D97-AF65-F5344CB8AC3E}">
-        <p14:creationId xmlns:p14="http://schemas.microsoft.com/office/powerpoint/2010/main" val="3167463137"/>
+        <p14:creationId xmlns:p14="http://schemas.microsoft.com/office/powerpoint/2010/main" val="1564133473"/>
       </p:ext>
     </p:extLst>
   </p:cSld>
@@ -29281,77 +30858,15 @@
                                   </p:childTnLst>
                                 </p:cTn>
                               </p:par>
-                            </p:childTnLst>
-                          </p:cTn>
-                        </p:par>
-                        <p:par>
-                          <p:cTn id="9" fill="hold">
-                            <p:stCondLst>
-                              <p:cond delay="500"/>
-                            </p:stCondLst>
-                            <p:childTnLst>
                               <p:par>
-                                <p:cTn id="10" presetID="14" presetClass="entr" presetSubtype="10" fill="hold" grpId="0" nodeType="afterEffect">
+                                <p:cTn id="9" presetID="14" presetClass="entr" presetSubtype="10" fill="hold" nodeType="withEffect">
                                   <p:stCondLst>
                                     <p:cond delay="0"/>
                                   </p:stCondLst>
                                   <p:childTnLst>
                                     <p:set>
                                       <p:cBhvr>
-                                        <p:cTn id="11" dur="1" fill="hold">
-                                          <p:stCondLst>
-                                            <p:cond delay="0"/>
-                                          </p:stCondLst>
-                                        </p:cTn>
-                                        <p:tgtEl>
-                                          <p:spTgt spid="7"/>
-                                        </p:tgtEl>
-                                        <p:attrNameLst>
-                                          <p:attrName>style.visibility</p:attrName>
-                                        </p:attrNameLst>
-                                      </p:cBhvr>
-                                      <p:to>
-                                        <p:strVal val="visible"/>
-                                      </p:to>
-                                    </p:set>
-                                    <p:animEffect transition="in" filter="randombar(horizontal)">
-                                      <p:cBhvr>
-                                        <p:cTn id="12" dur="500"/>
-                                        <p:tgtEl>
-                                          <p:spTgt spid="7"/>
-                                        </p:tgtEl>
-                                      </p:cBhvr>
-                                    </p:animEffect>
-                                  </p:childTnLst>
-                                </p:cTn>
-                              </p:par>
-                            </p:childTnLst>
-                          </p:cTn>
-                        </p:par>
-                      </p:childTnLst>
-                    </p:cTn>
-                  </p:par>
-                  <p:par>
-                    <p:cTn id="13" fill="hold">
-                      <p:stCondLst>
-                        <p:cond delay="indefinite"/>
-                      </p:stCondLst>
-                      <p:childTnLst>
-                        <p:par>
-                          <p:cTn id="14" fill="hold">
-                            <p:stCondLst>
-                              <p:cond delay="0"/>
-                            </p:stCondLst>
-                            <p:childTnLst>
-                              <p:par>
-                                <p:cTn id="15" presetID="14" presetClass="entr" presetSubtype="10" fill="hold" nodeType="clickEffect">
-                                  <p:stCondLst>
-                                    <p:cond delay="0"/>
-                                  </p:stCondLst>
-                                  <p:childTnLst>
-                                    <p:set>
-                                      <p:cBhvr>
-                                        <p:cTn id="16" dur="1" fill="hold">
+                                        <p:cTn id="10" dur="1" fill="hold">
                                           <p:stCondLst>
                                             <p:cond delay="0"/>
                                           </p:stCondLst>
@@ -29369,79 +30884,9 @@
                                     </p:set>
                                     <p:animEffect transition="in" filter="randombar(horizontal)">
                                       <p:cBhvr>
-                                        <p:cTn id="17" dur="500"/>
+                                        <p:cTn id="11" dur="500"/>
                                         <p:tgtEl>
                                           <p:spTgt spid="5"/>
-                                        </p:tgtEl>
-                                      </p:cBhvr>
-                                    </p:animEffect>
-                                  </p:childTnLst>
-                                </p:cTn>
-                              </p:par>
-                              <p:par>
-                                <p:cTn id="18" presetID="14" presetClass="entr" presetSubtype="10" fill="hold" nodeType="withEffect">
-                                  <p:stCondLst>
-                                    <p:cond delay="0"/>
-                                  </p:stCondLst>
-                                  <p:childTnLst>
-                                    <p:set>
-                                      <p:cBhvr>
-                                        <p:cTn id="19" dur="1" fill="hold">
-                                          <p:stCondLst>
-                                            <p:cond delay="0"/>
-                                          </p:stCondLst>
-                                        </p:cTn>
-                                        <p:tgtEl>
-                                          <p:spTgt spid="6"/>
-                                        </p:tgtEl>
-                                        <p:attrNameLst>
-                                          <p:attrName>style.visibility</p:attrName>
-                                        </p:attrNameLst>
-                                      </p:cBhvr>
-                                      <p:to>
-                                        <p:strVal val="visible"/>
-                                      </p:to>
-                                    </p:set>
-                                    <p:animEffect transition="in" filter="randombar(horizontal)">
-                                      <p:cBhvr>
-                                        <p:cTn id="20" dur="500"/>
-                                        <p:tgtEl>
-                                          <p:spTgt spid="6"/>
-                                        </p:tgtEl>
-                                      </p:cBhvr>
-                                    </p:animEffect>
-                                  </p:childTnLst>
-                                </p:cTn>
-                              </p:par>
-                              <p:par>
-                                <p:cTn id="21" presetID="14" presetClass="entr" presetSubtype="10" fill="hold" nodeType="withEffect">
-                                  <p:stCondLst>
-                                    <p:cond delay="0"/>
-                                  </p:stCondLst>
-                                  <p:childTnLst>
-                                    <p:set>
-                                      <p:cBhvr>
-                                        <p:cTn id="22" dur="1" fill="hold">
-                                          <p:stCondLst>
-                                            <p:cond delay="0"/>
-                                          </p:stCondLst>
-                                        </p:cTn>
-                                        <p:tgtEl>
-                                          <p:spTgt spid="8"/>
-                                        </p:tgtEl>
-                                        <p:attrNameLst>
-                                          <p:attrName>style.visibility</p:attrName>
-                                        </p:attrNameLst>
-                                      </p:cBhvr>
-                                      <p:to>
-                                        <p:strVal val="visible"/>
-                                      </p:to>
-                                    </p:set>
-                                    <p:animEffect transition="in" filter="randombar(horizontal)">
-                                      <p:cBhvr>
-                                        <p:cTn id="23" dur="500"/>
-                                        <p:tgtEl>
-                                          <p:spTgt spid="8"/>
                                         </p:tgtEl>
                                       </p:cBhvr>
                                     </p:animEffect>
@@ -29477,7 +30922,6 @@
     </p:tnLst>
     <p:bldLst>
       <p:bldP spid="16" grpId="0"/>
-      <p:bldP spid="7" grpId="0"/>
     </p:bldLst>
   </p:timing>
 </p:sld>
@@ -30859,6 +32303,597 @@
       </p:grpSpPr>
       <p:sp>
         <p:nvSpPr>
+          <p:cNvPr id="16" name="矩形 15"/>
+          <p:cNvSpPr/>
+          <p:nvPr/>
+        </p:nvSpPr>
+        <p:spPr>
+          <a:xfrm>
+            <a:off x="0" y="411510"/>
+            <a:ext cx="2987824" cy="400110"/>
+          </a:xfrm>
+          <a:prstGeom prst="rect">
+            <a:avLst/>
+          </a:prstGeom>
+        </p:spPr>
+        <p:txBody>
+          <a:bodyPr wrap="square">
+            <a:spAutoFit/>
+          </a:bodyPr>
+          <a:lstStyle/>
+          <a:p>
+            <a:pPr>
+              <a:defRPr/>
+            </a:pPr>
+            <a:r>
+              <a:rPr lang="en-US" altLang="zh-CN" sz="2000" dirty="0" smtClean="0">
+                <a:solidFill>
+                  <a:schemeClr val="bg1"/>
+                </a:solidFill>
+                <a:latin typeface="黑体" panose="02010609060101010101" pitchFamily="49" charset="-122"/>
+                <a:ea typeface="黑体" panose="02010609060101010101" pitchFamily="49" charset="-122"/>
+              </a:rPr>
+              <a:t>3-6</a:t>
+            </a:r>
+            <a:r>
+              <a:rPr lang="en-US" altLang="zh-CN" sz="2000" dirty="0" smtClean="0">
+                <a:solidFill>
+                  <a:prstClr val="white"/>
+                </a:solidFill>
+                <a:latin typeface="黑体" panose="02010609060101010101" pitchFamily="49" charset="-122"/>
+                <a:ea typeface="黑体" panose="02010609060101010101" pitchFamily="49" charset="-122"/>
+              </a:rPr>
+              <a:t> </a:t>
+            </a:r>
+            <a:r>
+              <a:rPr lang="zh-CN" altLang="en-US" sz="2000" dirty="0" smtClean="0">
+                <a:solidFill>
+                  <a:prstClr val="white"/>
+                </a:solidFill>
+                <a:latin typeface="黑体" panose="02010609060101010101" pitchFamily="49" charset="-122"/>
+                <a:ea typeface="黑体" panose="02010609060101010101" pitchFamily="49" charset="-122"/>
+              </a:rPr>
+              <a:t>自定义关键字</a:t>
+            </a:r>
+            <a:endParaRPr lang="en-US" altLang="zh-CN" sz="2000" dirty="0" smtClean="0">
+              <a:solidFill>
+                <a:prstClr val="white"/>
+              </a:solidFill>
+              <a:latin typeface="黑体" panose="02010609060101010101" pitchFamily="49" charset="-122"/>
+              <a:ea typeface="黑体" panose="02010609060101010101" pitchFamily="49" charset="-122"/>
+            </a:endParaRPr>
+          </a:p>
+        </p:txBody>
+      </p:sp>
+      <p:graphicFrame>
+        <p:nvGraphicFramePr>
+          <p:cNvPr id="5" name="对象 4"/>
+          <p:cNvGraphicFramePr>
+            <a:graphicFrameLocks noChangeAspect="1"/>
+          </p:cNvGraphicFramePr>
+          <p:nvPr>
+            <p:extLst>
+              <p:ext uri="{D42A27DB-BD31-4B8C-83A1-F6EECF244321}">
+                <p14:modId xmlns:p14="http://schemas.microsoft.com/office/powerpoint/2010/main" val="962580589"/>
+              </p:ext>
+            </p:extLst>
+          </p:nvPr>
+        </p:nvGraphicFramePr>
+        <p:xfrm>
+          <a:off x="7668344" y="937643"/>
+          <a:ext cx="1244600" cy="711200"/>
+        </p:xfrm>
+        <a:graphic>
+          <a:graphicData uri="http://schemas.openxmlformats.org/presentationml/2006/ole">
+            <mc:AlternateContent xmlns:mc="http://schemas.openxmlformats.org/markup-compatibility/2006">
+              <mc:Choice xmlns:v="urn:schemas-microsoft-com:vml" Requires="v">
+                <p:oleObj spid="_x0000_s1063" name="包装程序外壳对象" showAsIcon="1" r:id="rId4" imgW="1244160" imgH="711360" progId="Package">
+                  <p:embed/>
+                </p:oleObj>
+              </mc:Choice>
+              <mc:Fallback>
+                <p:oleObj name="包装程序外壳对象" showAsIcon="1" r:id="rId4" imgW="1244160" imgH="711360" progId="Package">
+                  <p:embed/>
+                  <p:pic>
+                    <p:nvPicPr>
+                      <p:cNvPr id="0" name=""/>
+                      <p:cNvPicPr/>
+                      <p:nvPr/>
+                    </p:nvPicPr>
+                    <p:blipFill>
+                      <a:blip r:embed="rId5"/>
+                      <a:stretch>
+                        <a:fillRect/>
+                      </a:stretch>
+                    </p:blipFill>
+                    <p:spPr>
+                      <a:xfrm>
+                        <a:off x="7668344" y="937643"/>
+                        <a:ext cx="1244600" cy="711200"/>
+                      </a:xfrm>
+                      <a:prstGeom prst="rect">
+                        <a:avLst/>
+                      </a:prstGeom>
+                    </p:spPr>
+                  </p:pic>
+                </p:oleObj>
+              </mc:Fallback>
+            </mc:AlternateContent>
+          </a:graphicData>
+        </a:graphic>
+      </p:graphicFrame>
+      <p:sp>
+        <p:nvSpPr>
+          <p:cNvPr id="7" name="TextBox 27"/>
+          <p:cNvSpPr txBox="1"/>
+          <p:nvPr/>
+        </p:nvSpPr>
+        <p:spPr>
+          <a:xfrm>
+            <a:off x="827584" y="988544"/>
+            <a:ext cx="6984776" cy="609398"/>
+          </a:xfrm>
+          <a:prstGeom prst="rect">
+            <a:avLst/>
+          </a:prstGeom>
+          <a:noFill/>
+        </p:spPr>
+        <p:txBody>
+          <a:bodyPr wrap="square" rtlCol="0">
+            <a:spAutoFit/>
+          </a:bodyPr>
+          <a:lstStyle/>
+          <a:p>
+            <a:pPr>
+              <a:lnSpc>
+                <a:spcPct val="120000"/>
+              </a:lnSpc>
+            </a:pPr>
+            <a:r>
+              <a:rPr lang="en-US" altLang="zh-CN" sz="1400" dirty="0" err="1" smtClean="0">
+                <a:latin typeface="+mn-ea"/>
+              </a:rPr>
+              <a:t>RobotFramework</a:t>
+            </a:r>
+            <a:r>
+              <a:rPr lang="zh-CN" altLang="en-US" sz="1400" dirty="0">
+                <a:latin typeface="+mn-ea"/>
+              </a:rPr>
+              <a:t>支持扩展自定义库，封装</a:t>
+            </a:r>
+            <a:r>
+              <a:rPr lang="zh-CN" altLang="en-US" sz="1400" dirty="0" smtClean="0">
+                <a:latin typeface="+mn-ea"/>
+              </a:rPr>
+              <a:t>关键字并使用（右侧附件为封装的邮件方法）；</a:t>
+            </a:r>
+            <a:endParaRPr lang="zh-CN" altLang="en-US" sz="1400" dirty="0">
+              <a:latin typeface="+mn-ea"/>
+            </a:endParaRPr>
+          </a:p>
+          <a:p>
+            <a:pPr>
+              <a:lnSpc>
+                <a:spcPct val="120000"/>
+              </a:lnSpc>
+            </a:pPr>
+            <a:r>
+              <a:rPr lang="zh-CN" altLang="en-US" sz="1400" dirty="0">
+                <a:latin typeface="+mn-ea"/>
+              </a:rPr>
+              <a:t>将自定义的库放在</a:t>
+            </a:r>
+            <a:r>
+              <a:rPr lang="en-US" altLang="zh-CN" sz="1400" dirty="0">
+                <a:latin typeface="+mn-ea"/>
+              </a:rPr>
+              <a:t>Python</a:t>
+            </a:r>
+            <a:r>
+              <a:rPr lang="zh-CN" altLang="en-US" sz="1400" dirty="0">
+                <a:latin typeface="+mn-ea"/>
+              </a:rPr>
+              <a:t>相对路径（ </a:t>
+            </a:r>
+            <a:r>
+              <a:rPr lang="en-US" altLang="zh-CN" sz="1400" dirty="0">
+                <a:latin typeface="+mn-ea"/>
+              </a:rPr>
+              <a:t>..\Lib\site-packages </a:t>
+            </a:r>
+            <a:r>
+              <a:rPr lang="zh-CN" altLang="en-US" sz="1400" dirty="0" smtClean="0">
+                <a:latin typeface="+mn-ea"/>
+              </a:rPr>
+              <a:t>）下即</a:t>
+            </a:r>
+            <a:r>
+              <a:rPr lang="zh-CN" altLang="en-US" sz="1400" dirty="0">
+                <a:latin typeface="+mn-ea"/>
+              </a:rPr>
+              <a:t>可使用</a:t>
+            </a:r>
+          </a:p>
+        </p:txBody>
+      </p:sp>
+      <p:pic>
+        <p:nvPicPr>
+          <p:cNvPr id="6" name="图片 5"/>
+          <p:cNvPicPr>
+            <a:picLocks noChangeAspect="1"/>
+          </p:cNvPicPr>
+          <p:nvPr/>
+        </p:nvPicPr>
+        <p:blipFill>
+          <a:blip r:embed="rId6"/>
+          <a:stretch>
+            <a:fillRect/>
+          </a:stretch>
+        </p:blipFill>
+        <p:spPr>
+          <a:xfrm>
+            <a:off x="827584" y="1736598"/>
+            <a:ext cx="4842958" cy="2551817"/>
+          </a:xfrm>
+          <a:prstGeom prst="rect">
+            <a:avLst/>
+          </a:prstGeom>
+        </p:spPr>
+      </p:pic>
+      <p:pic>
+        <p:nvPicPr>
+          <p:cNvPr id="8" name="图片 7"/>
+          <p:cNvPicPr>
+            <a:picLocks noChangeAspect="1"/>
+          </p:cNvPicPr>
+          <p:nvPr/>
+        </p:nvPicPr>
+        <p:blipFill>
+          <a:blip r:embed="rId7"/>
+          <a:stretch>
+            <a:fillRect/>
+          </a:stretch>
+        </p:blipFill>
+        <p:spPr>
+          <a:xfrm>
+            <a:off x="5796136" y="2067694"/>
+            <a:ext cx="3245084" cy="1827495"/>
+          </a:xfrm>
+          <a:prstGeom prst="rect">
+            <a:avLst/>
+          </a:prstGeom>
+        </p:spPr>
+      </p:pic>
+    </p:spTree>
+    <p:extLst>
+      <p:ext uri="{BB962C8B-B14F-4D97-AF65-F5344CB8AC3E}">
+        <p14:creationId xmlns:p14="http://schemas.microsoft.com/office/powerpoint/2010/main" val="3167463137"/>
+      </p:ext>
+    </p:extLst>
+  </p:cSld>
+  <p:clrMapOvr>
+    <a:masterClrMapping/>
+  </p:clrMapOvr>
+  <p:transition spd="slow">
+    <p:wipe/>
+  </p:transition>
+  <p:timing>
+    <p:tnLst>
+      <p:par>
+        <p:cTn id="1" dur="indefinite" restart="never" nodeType="tmRoot">
+          <p:childTnLst>
+            <p:seq concurrent="1" nextAc="seek">
+              <p:cTn id="2" dur="indefinite" nodeType="mainSeq">
+                <p:childTnLst>
+                  <p:par>
+                    <p:cTn id="3" fill="hold">
+                      <p:stCondLst>
+                        <p:cond delay="indefinite"/>
+                        <p:cond evt="onBegin" delay="0">
+                          <p:tn val="2"/>
+                        </p:cond>
+                      </p:stCondLst>
+                      <p:childTnLst>
+                        <p:par>
+                          <p:cTn id="4" fill="hold">
+                            <p:stCondLst>
+                              <p:cond delay="0"/>
+                            </p:stCondLst>
+                            <p:childTnLst>
+                              <p:par>
+                                <p:cTn id="5" presetID="2" presetClass="entr" presetSubtype="8" fill="hold" grpId="0" nodeType="afterEffect">
+                                  <p:stCondLst>
+                                    <p:cond delay="0"/>
+                                  </p:stCondLst>
+                                  <p:childTnLst>
+                                    <p:set>
+                                      <p:cBhvr>
+                                        <p:cTn id="6" dur="1" fill="hold">
+                                          <p:stCondLst>
+                                            <p:cond delay="0"/>
+                                          </p:stCondLst>
+                                        </p:cTn>
+                                        <p:tgtEl>
+                                          <p:spTgt spid="16"/>
+                                        </p:tgtEl>
+                                        <p:attrNameLst>
+                                          <p:attrName>style.visibility</p:attrName>
+                                        </p:attrNameLst>
+                                      </p:cBhvr>
+                                      <p:to>
+                                        <p:strVal val="visible"/>
+                                      </p:to>
+                                    </p:set>
+                                    <p:anim calcmode="lin" valueType="num">
+                                      <p:cBhvr additive="base">
+                                        <p:cTn id="7" dur="500" fill="hold"/>
+                                        <p:tgtEl>
+                                          <p:spTgt spid="16"/>
+                                        </p:tgtEl>
+                                        <p:attrNameLst>
+                                          <p:attrName>ppt_x</p:attrName>
+                                        </p:attrNameLst>
+                                      </p:cBhvr>
+                                      <p:tavLst>
+                                        <p:tav tm="0">
+                                          <p:val>
+                                            <p:strVal val="0-#ppt_w/2"/>
+                                          </p:val>
+                                        </p:tav>
+                                        <p:tav tm="100000">
+                                          <p:val>
+                                            <p:strVal val="#ppt_x"/>
+                                          </p:val>
+                                        </p:tav>
+                                      </p:tavLst>
+                                    </p:anim>
+                                    <p:anim calcmode="lin" valueType="num">
+                                      <p:cBhvr additive="base">
+                                        <p:cTn id="8" dur="500" fill="hold"/>
+                                        <p:tgtEl>
+                                          <p:spTgt spid="16"/>
+                                        </p:tgtEl>
+                                        <p:attrNameLst>
+                                          <p:attrName>ppt_y</p:attrName>
+                                        </p:attrNameLst>
+                                      </p:cBhvr>
+                                      <p:tavLst>
+                                        <p:tav tm="0">
+                                          <p:val>
+                                            <p:strVal val="#ppt_y"/>
+                                          </p:val>
+                                        </p:tav>
+                                        <p:tav tm="100000">
+                                          <p:val>
+                                            <p:strVal val="#ppt_y"/>
+                                          </p:val>
+                                        </p:tav>
+                                      </p:tavLst>
+                                    </p:anim>
+                                  </p:childTnLst>
+                                </p:cTn>
+                              </p:par>
+                            </p:childTnLst>
+                          </p:cTn>
+                        </p:par>
+                        <p:par>
+                          <p:cTn id="9" fill="hold">
+                            <p:stCondLst>
+                              <p:cond delay="500"/>
+                            </p:stCondLst>
+                            <p:childTnLst>
+                              <p:par>
+                                <p:cTn id="10" presetID="14" presetClass="entr" presetSubtype="10" fill="hold" grpId="0" nodeType="afterEffect">
+                                  <p:stCondLst>
+                                    <p:cond delay="0"/>
+                                  </p:stCondLst>
+                                  <p:childTnLst>
+                                    <p:set>
+                                      <p:cBhvr>
+                                        <p:cTn id="11" dur="1" fill="hold">
+                                          <p:stCondLst>
+                                            <p:cond delay="0"/>
+                                          </p:stCondLst>
+                                        </p:cTn>
+                                        <p:tgtEl>
+                                          <p:spTgt spid="7"/>
+                                        </p:tgtEl>
+                                        <p:attrNameLst>
+                                          <p:attrName>style.visibility</p:attrName>
+                                        </p:attrNameLst>
+                                      </p:cBhvr>
+                                      <p:to>
+                                        <p:strVal val="visible"/>
+                                      </p:to>
+                                    </p:set>
+                                    <p:animEffect transition="in" filter="randombar(horizontal)">
+                                      <p:cBhvr>
+                                        <p:cTn id="12" dur="500"/>
+                                        <p:tgtEl>
+                                          <p:spTgt spid="7"/>
+                                        </p:tgtEl>
+                                      </p:cBhvr>
+                                    </p:animEffect>
+                                  </p:childTnLst>
+                                </p:cTn>
+                              </p:par>
+                            </p:childTnLst>
+                          </p:cTn>
+                        </p:par>
+                      </p:childTnLst>
+                    </p:cTn>
+                  </p:par>
+                  <p:par>
+                    <p:cTn id="13" fill="hold">
+                      <p:stCondLst>
+                        <p:cond delay="indefinite"/>
+                      </p:stCondLst>
+                      <p:childTnLst>
+                        <p:par>
+                          <p:cTn id="14" fill="hold">
+                            <p:stCondLst>
+                              <p:cond delay="0"/>
+                            </p:stCondLst>
+                            <p:childTnLst>
+                              <p:par>
+                                <p:cTn id="15" presetID="14" presetClass="entr" presetSubtype="10" fill="hold" nodeType="clickEffect">
+                                  <p:stCondLst>
+                                    <p:cond delay="0"/>
+                                  </p:stCondLst>
+                                  <p:childTnLst>
+                                    <p:set>
+                                      <p:cBhvr>
+                                        <p:cTn id="16" dur="1" fill="hold">
+                                          <p:stCondLst>
+                                            <p:cond delay="0"/>
+                                          </p:stCondLst>
+                                        </p:cTn>
+                                        <p:tgtEl>
+                                          <p:spTgt spid="5"/>
+                                        </p:tgtEl>
+                                        <p:attrNameLst>
+                                          <p:attrName>style.visibility</p:attrName>
+                                        </p:attrNameLst>
+                                      </p:cBhvr>
+                                      <p:to>
+                                        <p:strVal val="visible"/>
+                                      </p:to>
+                                    </p:set>
+                                    <p:animEffect transition="in" filter="randombar(horizontal)">
+                                      <p:cBhvr>
+                                        <p:cTn id="17" dur="500"/>
+                                        <p:tgtEl>
+                                          <p:spTgt spid="5"/>
+                                        </p:tgtEl>
+                                      </p:cBhvr>
+                                    </p:animEffect>
+                                  </p:childTnLst>
+                                </p:cTn>
+                              </p:par>
+                              <p:par>
+                                <p:cTn id="18" presetID="14" presetClass="entr" presetSubtype="10" fill="hold" nodeType="withEffect">
+                                  <p:stCondLst>
+                                    <p:cond delay="0"/>
+                                  </p:stCondLst>
+                                  <p:childTnLst>
+                                    <p:set>
+                                      <p:cBhvr>
+                                        <p:cTn id="19" dur="1" fill="hold">
+                                          <p:stCondLst>
+                                            <p:cond delay="0"/>
+                                          </p:stCondLst>
+                                        </p:cTn>
+                                        <p:tgtEl>
+                                          <p:spTgt spid="6"/>
+                                        </p:tgtEl>
+                                        <p:attrNameLst>
+                                          <p:attrName>style.visibility</p:attrName>
+                                        </p:attrNameLst>
+                                      </p:cBhvr>
+                                      <p:to>
+                                        <p:strVal val="visible"/>
+                                      </p:to>
+                                    </p:set>
+                                    <p:animEffect transition="in" filter="randombar(horizontal)">
+                                      <p:cBhvr>
+                                        <p:cTn id="20" dur="500"/>
+                                        <p:tgtEl>
+                                          <p:spTgt spid="6"/>
+                                        </p:tgtEl>
+                                      </p:cBhvr>
+                                    </p:animEffect>
+                                  </p:childTnLst>
+                                </p:cTn>
+                              </p:par>
+                              <p:par>
+                                <p:cTn id="21" presetID="14" presetClass="entr" presetSubtype="10" fill="hold" nodeType="withEffect">
+                                  <p:stCondLst>
+                                    <p:cond delay="0"/>
+                                  </p:stCondLst>
+                                  <p:childTnLst>
+                                    <p:set>
+                                      <p:cBhvr>
+                                        <p:cTn id="22" dur="1" fill="hold">
+                                          <p:stCondLst>
+                                            <p:cond delay="0"/>
+                                          </p:stCondLst>
+                                        </p:cTn>
+                                        <p:tgtEl>
+                                          <p:spTgt spid="8"/>
+                                        </p:tgtEl>
+                                        <p:attrNameLst>
+                                          <p:attrName>style.visibility</p:attrName>
+                                        </p:attrNameLst>
+                                      </p:cBhvr>
+                                      <p:to>
+                                        <p:strVal val="visible"/>
+                                      </p:to>
+                                    </p:set>
+                                    <p:animEffect transition="in" filter="randombar(horizontal)">
+                                      <p:cBhvr>
+                                        <p:cTn id="23" dur="500"/>
+                                        <p:tgtEl>
+                                          <p:spTgt spid="8"/>
+                                        </p:tgtEl>
+                                      </p:cBhvr>
+                                    </p:animEffect>
+                                  </p:childTnLst>
+                                </p:cTn>
+                              </p:par>
+                            </p:childTnLst>
+                          </p:cTn>
+                        </p:par>
+                      </p:childTnLst>
+                    </p:cTn>
+                  </p:par>
+                </p:childTnLst>
+              </p:cTn>
+              <p:prevCondLst>
+                <p:cond evt="onPrev" delay="0">
+                  <p:tgtEl>
+                    <p:sldTgt/>
+                  </p:tgtEl>
+                </p:cond>
+              </p:prevCondLst>
+              <p:nextCondLst>
+                <p:cond evt="onNext" delay="0">
+                  <p:tgtEl>
+                    <p:sldTgt/>
+                  </p:tgtEl>
+                </p:cond>
+              </p:nextCondLst>
+            </p:seq>
+          </p:childTnLst>
+        </p:cTn>
+      </p:par>
+    </p:tnLst>
+    <p:bldLst>
+      <p:bldP spid="16" grpId="0"/>
+      <p:bldP spid="7" grpId="0"/>
+    </p:bldLst>
+  </p:timing>
+</p:sld>
+</file>
+
+<file path=ppt/slides/slide21.xml><?xml version="1.0" encoding="utf-8"?>
+<p:sld xmlns:a="http://schemas.openxmlformats.org/drawingml/2006/main" xmlns:r="http://schemas.openxmlformats.org/officeDocument/2006/relationships" xmlns:p="http://schemas.openxmlformats.org/presentationml/2006/main">
+  <p:cSld>
+    <p:spTree>
+      <p:nvGrpSpPr>
+        <p:cNvPr id="1" name=""/>
+        <p:cNvGrpSpPr/>
+        <p:nvPr/>
+      </p:nvGrpSpPr>
+      <p:grpSpPr>
+        <a:xfrm>
+          <a:off x="0" y="0"/>
+          <a:ext cx="0" cy="0"/>
+          <a:chOff x="0" y="0"/>
+          <a:chExt cx="0" cy="0"/>
+        </a:xfrm>
+      </p:grpSpPr>
+      <p:sp>
+        <p:nvSpPr>
           <p:cNvPr id="4" name="TextBox 3"/>
           <p:cNvSpPr txBox="1"/>
           <p:nvPr/>
@@ -31495,7 +33530,7 @@
 </p:sld>
 </file>
 
-<file path=ppt/slides/slide21.xml><?xml version="1.0" encoding="utf-8"?>
+<file path=ppt/slides/slide22.xml><?xml version="1.0" encoding="utf-8"?>
 <p:sld xmlns:a="http://schemas.openxmlformats.org/drawingml/2006/main" xmlns:r="http://schemas.openxmlformats.org/officeDocument/2006/relationships" xmlns:p="http://schemas.openxmlformats.org/presentationml/2006/main">
   <p:cSld>
     <p:spTree>
@@ -31661,10 +33696,10 @@
               </a:lnSpc>
             </a:pPr>
             <a:r>
-              <a:rPr lang="zh-CN" altLang="en-US" sz="2000" dirty="0" smtClean="0">
+              <a:rPr lang="en-US" altLang="zh-CN" sz="2000" b="1" dirty="0" smtClean="0">
                 <a:latin typeface="+mn-ea"/>
               </a:rPr>
-              <a:t>页面对象设计模式</a:t>
+              <a:t>PO</a:t>
             </a:r>
             <a:r>
               <a:rPr lang="zh-CN" altLang="en-US" sz="2000" b="1" dirty="0" smtClean="0">
@@ -31758,27 +33793,27 @@
       </p:sp>
       <p:graphicFrame>
         <p:nvGraphicFramePr>
-          <p:cNvPr id="3" name="对象 2"/>
+          <p:cNvPr id="2" name="对象 1"/>
           <p:cNvGraphicFramePr>
             <a:graphicFrameLocks noChangeAspect="1"/>
           </p:cNvGraphicFramePr>
           <p:nvPr>
             <p:extLst>
               <p:ext uri="{D42A27DB-BD31-4B8C-83A1-F6EECF244321}">
-                <p14:modId xmlns:p14="http://schemas.microsoft.com/office/powerpoint/2010/main" val="2401448197"/>
+                <p14:modId xmlns:p14="http://schemas.microsoft.com/office/powerpoint/2010/main" val="781918888"/>
               </p:ext>
             </p:extLst>
           </p:nvPr>
         </p:nvGraphicFramePr>
         <p:xfrm>
-          <a:off x="6876256" y="2283718"/>
+          <a:off x="6638155" y="2825606"/>
           <a:ext cx="1484313" cy="711200"/>
         </p:xfrm>
         <a:graphic>
           <a:graphicData uri="http://schemas.openxmlformats.org/presentationml/2006/ole">
             <mc:AlternateContent xmlns:mc="http://schemas.openxmlformats.org/markup-compatibility/2006">
               <mc:Choice xmlns:v="urn:schemas-microsoft-com:vml" Requires="v">
-                <p:oleObj spid="_x0000_s3081" name="包装程序外壳对象" showAsIcon="1" r:id="rId4" imgW="1485000" imgH="711360" progId="Package">
+                <p:oleObj spid="_x0000_s3094" name="包装程序外壳对象" showAsIcon="1" r:id="rId4" imgW="1485000" imgH="711360" progId="Package">
                   <p:embed/>
                 </p:oleObj>
               </mc:Choice>
@@ -31799,7 +33834,7 @@
                     </p:blipFill>
                     <p:spPr>
                       <a:xfrm>
-                        <a:off x="6876256" y="2283718"/>
+                        <a:off x="6638155" y="2825606"/>
                         <a:ext cx="1484313" cy="711200"/>
                       </a:xfrm>
                       <a:prstGeom prst="rect">
@@ -32019,41 +34054,6 @@
                                   </p:childTnLst>
                                 </p:cTn>
                               </p:par>
-                              <p:par>
-                                <p:cTn id="18" presetID="14" presetClass="entr" presetSubtype="10" fill="hold" nodeType="withEffect">
-                                  <p:stCondLst>
-                                    <p:cond delay="0"/>
-                                  </p:stCondLst>
-                                  <p:childTnLst>
-                                    <p:set>
-                                      <p:cBhvr>
-                                        <p:cTn id="19" dur="1" fill="hold">
-                                          <p:stCondLst>
-                                            <p:cond delay="0"/>
-                                          </p:stCondLst>
-                                        </p:cTn>
-                                        <p:tgtEl>
-                                          <p:spTgt spid="3"/>
-                                        </p:tgtEl>
-                                        <p:attrNameLst>
-                                          <p:attrName>style.visibility</p:attrName>
-                                        </p:attrNameLst>
-                                      </p:cBhvr>
-                                      <p:to>
-                                        <p:strVal val="visible"/>
-                                      </p:to>
-                                    </p:set>
-                                    <p:animEffect transition="in" filter="randombar(horizontal)">
-                                      <p:cBhvr>
-                                        <p:cTn id="20" dur="500"/>
-                                        <p:tgtEl>
-                                          <p:spTgt spid="3"/>
-                                        </p:tgtEl>
-                                      </p:cBhvr>
-                                    </p:animEffect>
-                                  </p:childTnLst>
-                                </p:cTn>
-                              </p:par>
                             </p:childTnLst>
                           </p:cTn>
                         </p:par>
@@ -32090,7 +34090,7 @@
 </p:sld>
 </file>
 
-<file path=ppt/slides/slide22.xml><?xml version="1.0" encoding="utf-8"?>
+<file path=ppt/slides/slide23.xml><?xml version="1.0" encoding="utf-8"?>
 <p:sld xmlns:a="http://schemas.openxmlformats.org/drawingml/2006/main" xmlns:r="http://schemas.openxmlformats.org/officeDocument/2006/relationships" xmlns:p="http://schemas.openxmlformats.org/presentationml/2006/main">
   <p:cSld>
     <p:spTree>
@@ -32612,7 +34612,7 @@
 </p:sld>
 </file>
 
-<file path=ppt/slides/slide23.xml><?xml version="1.0" encoding="utf-8"?>
+<file path=ppt/slides/slide24.xml><?xml version="1.0" encoding="utf-8"?>
 <p:sld xmlns:a="http://schemas.openxmlformats.org/drawingml/2006/main" xmlns:r="http://schemas.openxmlformats.org/officeDocument/2006/relationships" xmlns:p="http://schemas.openxmlformats.org/presentationml/2006/main">
   <p:cSld>
     <p:spTree>
@@ -33140,7 +35140,7 @@
 </p:sld>
 </file>
 
-<file path=ppt/slides/slide24.xml><?xml version="1.0" encoding="utf-8"?>
+<file path=ppt/slides/slide25.xml><?xml version="1.0" encoding="utf-8"?>
 <p:sld xmlns:a="http://schemas.openxmlformats.org/drawingml/2006/main" xmlns:r="http://schemas.openxmlformats.org/officeDocument/2006/relationships" xmlns:p="http://schemas.openxmlformats.org/presentationml/2006/main">
   <p:cSld>
     <p:spTree>
@@ -33510,7 +35510,7 @@
 </p:sld>
 </file>
 
-<file path=ppt/slides/slide25.xml><?xml version="1.0" encoding="utf-8"?>
+<file path=ppt/slides/slide26.xml><?xml version="1.0" encoding="utf-8"?>
 <p:sld xmlns:a="http://schemas.openxmlformats.org/drawingml/2006/main" xmlns:r="http://schemas.openxmlformats.org/officeDocument/2006/relationships" xmlns:p="http://schemas.openxmlformats.org/presentationml/2006/main">
   <p:cSld>
     <p:spTree>
@@ -34044,7 +36044,7 @@
 </p:sld>
 </file>
 
-<file path=ppt/slides/slide26.xml><?xml version="1.0" encoding="utf-8"?>
+<file path=ppt/slides/slide27.xml><?xml version="1.0" encoding="utf-8"?>
 <p:sld xmlns:a="http://schemas.openxmlformats.org/drawingml/2006/main" xmlns:r="http://schemas.openxmlformats.org/officeDocument/2006/relationships" xmlns:p="http://schemas.openxmlformats.org/presentationml/2006/main">
   <p:cSld>
     <p:spTree>
@@ -34414,7 +36414,7 @@
 </p:sld>
 </file>
 
-<file path=ppt/slides/slide27.xml><?xml version="1.0" encoding="utf-8"?>
+<file path=ppt/slides/slide28.xml><?xml version="1.0" encoding="utf-8"?>
 <p:sld xmlns:a="http://schemas.openxmlformats.org/drawingml/2006/main" xmlns:r="http://schemas.openxmlformats.org/officeDocument/2006/relationships" xmlns:p="http://schemas.openxmlformats.org/presentationml/2006/main">
   <p:cSld>
     <p:spTree>
@@ -36963,7 +38963,7 @@
         </p:nvSpPr>
         <p:spPr>
           <a:xfrm>
-            <a:off x="1187624" y="1059582"/>
+            <a:off x="1248599" y="915566"/>
             <a:ext cx="6192688" cy="1421928"/>
           </a:xfrm>
           <a:prstGeom prst="rect">
@@ -37004,7 +39004,29 @@
               <a:rPr lang="zh-CN" altLang="en-US" sz="1200" dirty="0" smtClean="0">
                 <a:latin typeface="+mn-ea"/>
               </a:rPr>
-              <a:t>环境，可直接安装对应库即可</a:t>
+              <a:t>环境，可直接安装对应</a:t>
+            </a:r>
+            <a:r>
+              <a:rPr lang="zh-CN" altLang="en-US" sz="1200" dirty="0" smtClean="0">
+                <a:latin typeface="+mn-ea"/>
+              </a:rPr>
+              <a:t>库即可</a:t>
+            </a:r>
+            <a:endParaRPr lang="en-US" altLang="zh-CN" sz="1200" dirty="0" smtClean="0">
+              <a:latin typeface="+mn-ea"/>
+            </a:endParaRPr>
+          </a:p>
+          <a:p>
+            <a:pPr>
+              <a:lnSpc>
+                <a:spcPct val="120000"/>
+              </a:lnSpc>
+            </a:pPr>
+            <a:r>
+              <a:rPr lang="en-US" altLang="zh-CN" sz="1200" dirty="0">
+                <a:hlinkClick r:id="rId3"/>
+              </a:rPr>
+              <a:t>https://robotframework.org/#libraries</a:t>
             </a:r>
             <a:endParaRPr lang="en-US" altLang="zh-CN" sz="1200" dirty="0" smtClean="0">
               <a:latin typeface="+mn-ea"/>
@@ -37106,16 +39128,6 @@
               </a:rPr>
               <a:t>robotframework-databaselibrary</a:t>
             </a:r>
-            <a:endParaRPr lang="en-US" altLang="zh-CN" sz="1200" dirty="0" smtClean="0">
-              <a:latin typeface="+mn-ea"/>
-            </a:endParaRPr>
-          </a:p>
-          <a:p>
-            <a:pPr>
-              <a:lnSpc>
-                <a:spcPct val="120000"/>
-              </a:lnSpc>
-            </a:pPr>
             <a:endParaRPr lang="zh-CN" altLang="en-US" sz="1200" dirty="0">
               <a:latin typeface="+mn-ea"/>
             </a:endParaRPr>
@@ -37130,7 +39142,7 @@
         </p:nvSpPr>
         <p:spPr>
           <a:xfrm>
-            <a:off x="1187624" y="2211710"/>
+            <a:off x="1228313" y="2283718"/>
             <a:ext cx="6192688" cy="904863"/>
           </a:xfrm>
           <a:prstGeom prst="rect">
@@ -37272,14 +39284,14 @@
           <p:nvPr/>
         </p:nvPicPr>
         <p:blipFill>
-          <a:blip r:embed="rId3"/>
+          <a:blip r:embed="rId4"/>
           <a:stretch>
             <a:fillRect/>
           </a:stretch>
         </p:blipFill>
         <p:spPr>
           <a:xfrm>
-            <a:off x="1266403" y="3188581"/>
+            <a:off x="1248599" y="3196362"/>
             <a:ext cx="6257925" cy="1428750"/>
           </a:xfrm>
           <a:prstGeom prst="rect">
@@ -40579,27 +42591,27 @@
       </p:pic>
       <p:graphicFrame>
         <p:nvGraphicFramePr>
-          <p:cNvPr id="4" name="对象 3"/>
+          <p:cNvPr id="5" name="对象 4"/>
           <p:cNvGraphicFramePr>
             <a:graphicFrameLocks noChangeAspect="1"/>
           </p:cNvGraphicFramePr>
           <p:nvPr>
             <p:extLst>
               <p:ext uri="{D42A27DB-BD31-4B8C-83A1-F6EECF244321}">
-                <p14:modId xmlns:p14="http://schemas.microsoft.com/office/powerpoint/2010/main" val="2941628693"/>
+                <p14:modId xmlns:p14="http://schemas.microsoft.com/office/powerpoint/2010/main" val="2091777377"/>
               </p:ext>
             </p:extLst>
           </p:nvPr>
         </p:nvGraphicFramePr>
         <p:xfrm>
-          <a:off x="6948264" y="2468888"/>
+          <a:off x="7102992" y="2355726"/>
           <a:ext cx="1219200" cy="711200"/>
         </p:xfrm>
         <a:graphic>
           <a:graphicData uri="http://schemas.openxmlformats.org/presentationml/2006/ole">
             <mc:AlternateContent xmlns:mc="http://schemas.openxmlformats.org/markup-compatibility/2006">
               <mc:Choice xmlns:v="urn:schemas-microsoft-com:vml" Requires="v">
-                <p:oleObj spid="_x0000_s2068" name="包装程序外壳对象" showAsIcon="1" r:id="rId6" imgW="1218600" imgH="711360" progId="Package">
+                <p:oleObj spid="_x0000_s2081" name="包装程序外壳对象" showAsIcon="1" r:id="rId6" imgW="1218600" imgH="711360" progId="Package">
                   <p:embed/>
                 </p:oleObj>
               </mc:Choice>
@@ -40620,7 +42632,7 @@
                     </p:blipFill>
                     <p:spPr>
                       <a:xfrm>
-                        <a:off x="6948264" y="2468888"/>
+                        <a:off x="7102992" y="2355726"/>
                         <a:ext cx="1219200" cy="711200"/>
                       </a:xfrm>
                       <a:prstGeom prst="rect">
@@ -40895,59 +42907,6 @@
                                         <p:cTn id="22" dur="500"/>
                                         <p:tgtEl>
                                           <p:spTgt spid="3"/>
-                                        </p:tgtEl>
-                                      </p:cBhvr>
-                                    </p:animEffect>
-                                  </p:childTnLst>
-                                </p:cTn>
-                              </p:par>
-                            </p:childTnLst>
-                          </p:cTn>
-                        </p:par>
-                      </p:childTnLst>
-                    </p:cTn>
-                  </p:par>
-                  <p:par>
-                    <p:cTn id="23" fill="hold">
-                      <p:stCondLst>
-                        <p:cond delay="indefinite"/>
-                      </p:stCondLst>
-                      <p:childTnLst>
-                        <p:par>
-                          <p:cTn id="24" fill="hold">
-                            <p:stCondLst>
-                              <p:cond delay="0"/>
-                            </p:stCondLst>
-                            <p:childTnLst>
-                              <p:par>
-                                <p:cTn id="25" presetID="14" presetClass="entr" presetSubtype="10" fill="hold" nodeType="clickEffect">
-                                  <p:stCondLst>
-                                    <p:cond delay="0"/>
-                                  </p:stCondLst>
-                                  <p:childTnLst>
-                                    <p:set>
-                                      <p:cBhvr>
-                                        <p:cTn id="26" dur="1" fill="hold">
-                                          <p:stCondLst>
-                                            <p:cond delay="0"/>
-                                          </p:stCondLst>
-                                        </p:cTn>
-                                        <p:tgtEl>
-                                          <p:spTgt spid="4"/>
-                                        </p:tgtEl>
-                                        <p:attrNameLst>
-                                          <p:attrName>style.visibility</p:attrName>
-                                        </p:attrNameLst>
-                                      </p:cBhvr>
-                                      <p:to>
-                                        <p:strVal val="visible"/>
-                                      </p:to>
-                                    </p:set>
-                                    <p:animEffect transition="in" filter="randombar(horizontal)">
-                                      <p:cBhvr>
-                                        <p:cTn id="27" dur="500"/>
-                                        <p:tgtEl>
-                                          <p:spTgt spid="4"/>
                                         </p:tgtEl>
                                       </p:cBhvr>
                                     </p:animEffect>

--- a/基于RobotFramework的UI自动化测试.pptx
+++ b/基于RobotFramework的UI自动化测试.pptx
@@ -238,7 +238,7 @@
           <a:p>
             <a:fld id="{7CDE5C2F-3901-4E1F-B5ED-EF5753AEB818}" type="datetimeFigureOut">
               <a:rPr lang="zh-CN" altLang="en-US" smtClean="0"/>
-              <a:t>2019/10/29</a:t>
+              <a:t>2019/11/25</a:t>
             </a:fld>
             <a:endParaRPr lang="zh-CN" altLang="en-US"/>
           </a:p>
@@ -2891,7 +2891,7 @@
           <a:p>
             <a:fld id="{530820CF-B880-4189-942D-D702A7CBA730}" type="datetimeFigureOut">
               <a:rPr lang="zh-CN" altLang="en-US" smtClean="0"/>
-              <a:t>2019/10/29</a:t>
+              <a:t>2019/11/25</a:t>
             </a:fld>
             <a:endParaRPr lang="zh-CN" altLang="en-US"/>
           </a:p>
@@ -4021,7 +4021,7 @@
           <a:p>
             <a:fld id="{530820CF-B880-4189-942D-D702A7CBA730}" type="datetimeFigureOut">
               <a:rPr lang="zh-CN" altLang="en-US" smtClean="0"/>
-              <a:t>2019/10/29</a:t>
+              <a:t>2019/11/25</a:t>
             </a:fld>
             <a:endParaRPr lang="zh-CN" altLang="en-US"/>
           </a:p>
@@ -4162,7 +4162,7 @@
           <a:p>
             <a:fld id="{530820CF-B880-4189-942D-D702A7CBA730}" type="datetimeFigureOut">
               <a:rPr lang="zh-CN" altLang="en-US" smtClean="0"/>
-              <a:t>2019/10/29</a:t>
+              <a:t>2019/11/25</a:t>
             </a:fld>
             <a:endParaRPr lang="zh-CN" altLang="en-US"/>
           </a:p>
@@ -4483,7 +4483,7 @@
           <a:p>
             <a:fld id="{530820CF-B880-4189-942D-D702A7CBA730}" type="datetimeFigureOut">
               <a:rPr lang="zh-CN" altLang="en-US" smtClean="0"/>
-              <a:t>2019/10/29</a:t>
+              <a:t>2019/11/25</a:t>
             </a:fld>
             <a:endParaRPr lang="zh-CN" altLang="en-US"/>
           </a:p>
@@ -4576,7 +4576,7 @@
           <a:p>
             <a:fld id="{530820CF-B880-4189-942D-D702A7CBA730}" type="datetimeFigureOut">
               <a:rPr lang="zh-CN" altLang="en-US" smtClean="0"/>
-              <a:t>2019/10/29</a:t>
+              <a:t>2019/11/25</a:t>
             </a:fld>
             <a:endParaRPr lang="zh-CN" altLang="en-US"/>
           </a:p>
@@ -4849,7 +4849,7 @@
           <a:p>
             <a:fld id="{530820CF-B880-4189-942D-D702A7CBA730}" type="datetimeFigureOut">
               <a:rPr lang="zh-CN" altLang="en-US" smtClean="0"/>
-              <a:t>2019/10/29</a:t>
+              <a:t>2019/11/25</a:t>
             </a:fld>
             <a:endParaRPr lang="zh-CN" altLang="en-US"/>
           </a:p>
@@ -5099,7 +5099,7 @@
           <a:p>
             <a:fld id="{530820CF-B880-4189-942D-D702A7CBA730}" type="datetimeFigureOut">
               <a:rPr lang="zh-CN" altLang="en-US" smtClean="0"/>
-              <a:t>2019/10/29</a:t>
+              <a:t>2019/11/25</a:t>
             </a:fld>
             <a:endParaRPr lang="zh-CN" altLang="en-US"/>
           </a:p>
@@ -5265,7 +5265,7 @@
           <a:p>
             <a:fld id="{530820CF-B880-4189-942D-D702A7CBA730}" type="datetimeFigureOut">
               <a:rPr lang="zh-CN" altLang="en-US" smtClean="0"/>
-              <a:t>2019/10/29</a:t>
+              <a:t>2019/11/25</a:t>
             </a:fld>
             <a:endParaRPr lang="zh-CN" altLang="en-US"/>
           </a:p>
@@ -5441,7 +5441,7 @@
           <a:p>
             <a:fld id="{530820CF-B880-4189-942D-D702A7CBA730}" type="datetimeFigureOut">
               <a:rPr lang="zh-CN" altLang="en-US" smtClean="0"/>
-              <a:t>2019/10/29</a:t>
+              <a:t>2019/11/25</a:t>
             </a:fld>
             <a:endParaRPr lang="zh-CN" altLang="en-US"/>
           </a:p>
@@ -5650,7 +5650,7 @@
           <a:p>
             <a:fld id="{530820CF-B880-4189-942D-D702A7CBA730}" type="datetimeFigureOut">
               <a:rPr lang="zh-CN" altLang="en-US" smtClean="0"/>
-              <a:t>2019/10/29</a:t>
+              <a:t>2019/11/25</a:t>
             </a:fld>
             <a:endParaRPr lang="zh-CN" altLang="en-US"/>
           </a:p>
@@ -19790,23 +19790,23 @@
           <p:nvPr>
             <p:extLst>
               <p:ext uri="{D42A27DB-BD31-4B8C-83A1-F6EECF244321}">
-                <p14:modId xmlns:p14="http://schemas.microsoft.com/office/powerpoint/2010/main" val="3040946958"/>
+                <p14:modId xmlns:p14="http://schemas.microsoft.com/office/powerpoint/2010/main" val="3752778933"/>
               </p:ext>
             </p:extLst>
           </p:nvPr>
         </p:nvGraphicFramePr>
         <p:xfrm>
-          <a:off x="1115616" y="1203598"/>
-          <a:ext cx="6696743" cy="3185557"/>
+          <a:off x="827584" y="1203598"/>
+          <a:ext cx="7488831" cy="3002677"/>
         </p:xfrm>
         <a:graphic>
           <a:graphicData uri="http://schemas.openxmlformats.org/drawingml/2006/table">
             <a:tbl>
               <a:tblPr/>
               <a:tblGrid>
-                <a:gridCol w="811726"/>
-                <a:gridCol w="1149946"/>
-                <a:gridCol w="4735071"/>
+                <a:gridCol w="835836"/>
+                <a:gridCol w="1184103"/>
+                <a:gridCol w="5468892"/>
               </a:tblGrid>
               <a:tr h="288031">
                 <a:tc>
@@ -20260,7 +20260,31 @@
                           <a:ea typeface="+mn-ea"/>
                           <a:cs typeface="+mn-cs"/>
                         </a:rPr>
-                        <a:t>${Scalar2} | Set Variable If | "${Scalar1}"==“hello" | jimmy | wrong</a:t>
+                        <a:t>${Scalar2} </a:t>
+                      </a:r>
+                      <a:r>
+                        <a:rPr lang="en-US" altLang="zh-CN" sz="1200" kern="1200" dirty="0" smtClean="0">
+                          <a:solidFill>
+                            <a:schemeClr val="tx1"/>
+                          </a:solidFill>
+                          <a:effectLst/>
+                          <a:latin typeface="+mn-ea"/>
+                          <a:ea typeface="+mn-ea"/>
+                          <a:cs typeface="+mn-cs"/>
+                        </a:rPr>
+                        <a:t>| Set </a:t>
+                      </a:r>
+                      <a:r>
+                        <a:rPr lang="en-US" altLang="zh-CN" sz="1200" kern="1200" dirty="0" smtClean="0">
+                          <a:solidFill>
+                            <a:schemeClr val="tx1"/>
+                          </a:solidFill>
+                          <a:effectLst/>
+                          <a:latin typeface="+mn-ea"/>
+                          <a:ea typeface="+mn-ea"/>
+                          <a:cs typeface="+mn-cs"/>
+                        </a:rPr>
+                        <a:t>Variable If | "${Scalar1}"==“hello" | jimmy | wrong</a:t>
                       </a:r>
                     </a:p>
                   </a:txBody>
@@ -21969,7 +21993,7 @@
           <p:nvPr>
             <p:extLst>
               <p:ext uri="{D42A27DB-BD31-4B8C-83A1-F6EECF244321}">
-                <p14:modId xmlns:p14="http://schemas.microsoft.com/office/powerpoint/2010/main" val="881588642"/>
+                <p14:modId xmlns:p14="http://schemas.microsoft.com/office/powerpoint/2010/main" val="3205768633"/>
               </p:ext>
             </p:extLst>
           </p:nvPr>
@@ -22195,7 +22219,55 @@
                           <a:ea typeface="+mn-ea"/>
                           <a:cs typeface="+mn-cs"/>
                         </a:rPr>
-                        <a:t>表单嵌套</a:t>
+                        <a:t>表单</a:t>
+                      </a:r>
+                      <a:r>
+                        <a:rPr lang="zh-CN" altLang="en-US" sz="1000" kern="1200" dirty="0" smtClean="0">
+                          <a:solidFill>
+                            <a:schemeClr val="tx1"/>
+                          </a:solidFill>
+                          <a:effectLst/>
+                          <a:latin typeface="+mn-ea"/>
+                          <a:ea typeface="+mn-ea"/>
+                          <a:cs typeface="+mn-cs"/>
+                        </a:rPr>
+                        <a:t>嵌套</a:t>
+                      </a:r>
+                      <a:r>
+                        <a:rPr lang="en-US" altLang="zh-CN" sz="1000" kern="1200" dirty="0" smtClean="0">
+                          <a:solidFill>
+                            <a:schemeClr val="tx1"/>
+                          </a:solidFill>
+                          <a:effectLst/>
+                          <a:latin typeface="+mn-ea"/>
+                          <a:ea typeface="+mn-ea"/>
+                          <a:cs typeface="+mn-cs"/>
+                        </a:rPr>
+                        <a:t>&lt;</a:t>
+                      </a:r>
+                      <a:r>
+                        <a:rPr lang="en-US" altLang="zh-CN" sz="1000" kern="1200" dirty="0" err="1" smtClean="0">
+                          <a:solidFill>
+                            <a:schemeClr val="tx1"/>
+                          </a:solidFill>
+                          <a:effectLst/>
+                          <a:latin typeface="+mn-ea"/>
+                          <a:ea typeface="+mn-ea"/>
+                          <a:cs typeface="+mn-cs"/>
+                        </a:rPr>
+                        <a:t>iframe</a:t>
+                      </a:r>
+                      <a:r>
+                        <a:rPr lang="en-US" altLang="zh-CN" sz="1000" kern="1200" dirty="0" smtClean="0">
+                          <a:solidFill>
+                            <a:schemeClr val="tx1"/>
+                          </a:solidFill>
+                          <a:effectLst/>
+                          <a:latin typeface="+mn-ea"/>
+                          <a:ea typeface="+mn-ea"/>
+                          <a:cs typeface="+mn-cs"/>
+                        </a:rPr>
+                        <a:t>&gt;</a:t>
                       </a:r>
                       <a:endParaRPr lang="en-US" sz="1000" kern="1200" dirty="0">
                         <a:solidFill>
@@ -23097,17 +23169,49 @@
                     <a:p>
                       <a:pPr fontAlgn="t"/>
                       <a:r>
-                        <a:rPr lang="zh-CN" altLang="en-US" sz="1000" dirty="0" smtClean="0">
+                        <a:rPr lang="zh-CN" altLang="en-US" sz="1000" kern="1200" dirty="0" smtClean="0">
+                          <a:solidFill>
+                            <a:schemeClr val="tx1"/>
+                          </a:solidFill>
                           <a:effectLst/>
                           <a:latin typeface="+mn-ea"/>
                           <a:ea typeface="+mn-ea"/>
-                        </a:rPr>
-                        <a:t>下拉框</a:t>
-                      </a:r>
-                      <a:endParaRPr lang="en-US" sz="1000" dirty="0">
+                          <a:cs typeface="+mn-cs"/>
+                        </a:rPr>
+                        <a:t>下拉</a:t>
+                      </a:r>
+                      <a:r>
+                        <a:rPr lang="zh-CN" altLang="en-US" sz="1000" kern="1200" dirty="0" smtClean="0">
+                          <a:solidFill>
+                            <a:schemeClr val="tx1"/>
+                          </a:solidFill>
+                          <a:effectLst/>
+                          <a:latin typeface="+mn-ea"/>
+                          <a:ea typeface="+mn-ea"/>
+                          <a:cs typeface="+mn-cs"/>
+                        </a:rPr>
+                        <a:t>框</a:t>
+                      </a:r>
+                      <a:r>
+                        <a:rPr lang="en-US" altLang="zh-CN" sz="1000" kern="1200" dirty="0" smtClean="0">
+                          <a:solidFill>
+                            <a:schemeClr val="tx1"/>
+                          </a:solidFill>
+                          <a:effectLst/>
+                          <a:latin typeface="+mn-ea"/>
+                          <a:ea typeface="+mn-ea"/>
+                          <a:cs typeface="+mn-cs"/>
+                        </a:rPr>
+                        <a:t>&lt;select&gt;</a:t>
+                      </a:r>
+                      <a:endParaRPr lang="en-US" sz="1000" kern="1200" dirty="0">
+                        <a:solidFill>
+                          <a:schemeClr val="tx1"/>
+                        </a:solidFill>
                         <a:effectLst/>
                         <a:latin typeface="+mn-ea"/>
                         <a:ea typeface="+mn-ea"/>
+                        <a:cs typeface="+mn-cs"/>
                       </a:endParaRPr>
                     </a:p>
                   </a:txBody>
@@ -24312,7 +24416,23 @@
                     <a:bodyPr/>
                     <a:lstStyle/>
                     <a:p>
-                      <a:pPr fontAlgn="t"/>
+                      <a:pPr marL="0" marR="0" indent="0" algn="l" defTabSz="914400" rtl="0" eaLnBrk="1" fontAlgn="t" latinLnBrk="0" hangingPunct="1">
+                        <a:lnSpc>
+                          <a:spcPct val="100000"/>
+                        </a:lnSpc>
+                        <a:spcBef>
+                          <a:spcPts val="0"/>
+                        </a:spcBef>
+                        <a:spcAft>
+                          <a:spcPts val="0"/>
+                        </a:spcAft>
+                        <a:buClrTx/>
+                        <a:buSzTx/>
+                        <a:buFontTx/>
+                        <a:buNone/>
+                        <a:tabLst/>
+                        <a:defRPr/>
+                      </a:pPr>
                       <a:r>
                         <a:rPr lang="zh-CN" altLang="en-US" sz="1000" dirty="0" smtClean="0">
                           <a:effectLst/>
@@ -24321,11 +24441,18 @@
                         </a:rPr>
                         <a:t>复选框</a:t>
                       </a:r>
-                      <a:endParaRPr lang="en-US" sz="1000" dirty="0">
-                        <a:effectLst/>
-                        <a:latin typeface="+mn-ea"/>
-                        <a:ea typeface="+mn-ea"/>
-                      </a:endParaRPr>
+                      <a:r>
+                        <a:rPr lang="en-US" altLang="zh-CN" sz="1000" kern="1200" dirty="0" smtClean="0">
+                          <a:solidFill>
+                            <a:schemeClr val="tx1"/>
+                          </a:solidFill>
+                          <a:effectLst/>
+                          <a:latin typeface="+mn-ea"/>
+                          <a:ea typeface="+mn-ea"/>
+                          <a:cs typeface="+mn-cs"/>
+                        </a:rPr>
+                        <a:t>&lt;li&gt;</a:t>
+                      </a:r>
                     </a:p>
                   </a:txBody>
                   <a:tcPr marL="31953" marR="31953" marT="31953" marB="31953" anchor="ctr">
@@ -29394,15 +29521,7 @@
                           <a:latin typeface="+mn-ea"/>
                           <a:ea typeface="+mn-ea"/>
                         </a:rPr>
-                        <a:t>${a}| </a:t>
-                      </a:r>
-                      <a:r>
-                        <a:rPr lang="en-US" altLang="zh-CN" sz="1200" dirty="0" smtClean="0">
-                          <a:effectLst/>
-                          <a:latin typeface="+mn-ea"/>
-                          <a:ea typeface="+mn-ea"/>
-                        </a:rPr>
-                        <a:t>Set Variable </a:t>
+                        <a:t>${a}| Set Variable </a:t>
                       </a:r>
                       <a:r>
                         <a:rPr lang="en-US" altLang="zh-CN" sz="1200" kern="1200" dirty="0" smtClean="0">
@@ -29424,11 +29543,6 @@
                         </a:rPr>
                         <a:t>59</a:t>
                       </a:r>
-                      <a:endParaRPr lang="en-US" altLang="zh-CN" sz="1200" dirty="0" smtClean="0">
-                        <a:effectLst/>
-                        <a:latin typeface="+mn-ea"/>
-                        <a:ea typeface="+mn-ea"/>
-                      </a:endParaRPr>
                     </a:p>
                   </a:txBody>
                   <a:tcPr marL="31953" marR="31953" marT="31953" marB="31953" anchor="ctr">
@@ -30288,15 +30402,6 @@
                         </a:rPr>
                         <a:t>FOR</a:t>
                       </a:r>
-                      <a:endParaRPr lang="en-US" sz="1200" kern="1200" dirty="0" smtClean="0">
-                        <a:solidFill>
-                          <a:schemeClr val="tx1"/>
-                        </a:solidFill>
-                        <a:effectLst/>
-                        <a:latin typeface="+mn-ea"/>
-                        <a:ea typeface="+mn-ea"/>
-                        <a:cs typeface="+mn-cs"/>
-                      </a:endParaRPr>
                     </a:p>
                   </a:txBody>
                   <a:tcPr marL="31953" marR="31953" marT="31953" marB="31953" anchor="ctr">
@@ -32387,7 +32492,7 @@
           <a:graphicData uri="http://schemas.openxmlformats.org/presentationml/2006/ole">
             <mc:AlternateContent xmlns:mc="http://schemas.openxmlformats.org/markup-compatibility/2006">
               <mc:Choice xmlns:v="urn:schemas-microsoft-com:vml" Requires="v">
-                <p:oleObj spid="_x0000_s1063" name="包装程序外壳对象" showAsIcon="1" r:id="rId4" imgW="1244160" imgH="711360" progId="Package">
+                <p:oleObj spid="_x0000_s1070" name="包装程序外壳对象" showAsIcon="1" r:id="rId4" imgW="1244160" imgH="711360" progId="Package">
                   <p:embed/>
                 </p:oleObj>
               </mc:Choice>
@@ -33813,7 +33918,7 @@
           <a:graphicData uri="http://schemas.openxmlformats.org/presentationml/2006/ole">
             <mc:AlternateContent xmlns:mc="http://schemas.openxmlformats.org/markup-compatibility/2006">
               <mc:Choice xmlns:v="urn:schemas-microsoft-com:vml" Requires="v">
-                <p:oleObj spid="_x0000_s3094" name="包装程序外壳对象" showAsIcon="1" r:id="rId4" imgW="1485000" imgH="711360" progId="Package">
+                <p:oleObj spid="_x0000_s3101" name="包装程序外壳对象" showAsIcon="1" r:id="rId4" imgW="1485000" imgH="711360" progId="Package">
                   <p:embed/>
                 </p:oleObj>
               </mc:Choice>
@@ -39004,13 +39109,7 @@
               <a:rPr lang="zh-CN" altLang="en-US" sz="1200" dirty="0" smtClean="0">
                 <a:latin typeface="+mn-ea"/>
               </a:rPr>
-              <a:t>环境，可直接安装对应</a:t>
-            </a:r>
-            <a:r>
-              <a:rPr lang="zh-CN" altLang="en-US" sz="1200" dirty="0" smtClean="0">
-                <a:latin typeface="+mn-ea"/>
-              </a:rPr>
-              <a:t>库即可</a:t>
+              <a:t>环境，可直接安装对应库即可</a:t>
             </a:r>
             <a:endParaRPr lang="en-US" altLang="zh-CN" sz="1200" dirty="0" smtClean="0">
               <a:latin typeface="+mn-ea"/>
@@ -42598,7 +42697,7 @@
           <p:nvPr>
             <p:extLst>
               <p:ext uri="{D42A27DB-BD31-4B8C-83A1-F6EECF244321}">
-                <p14:modId xmlns:p14="http://schemas.microsoft.com/office/powerpoint/2010/main" val="2091777377"/>
+                <p14:modId xmlns:p14="http://schemas.microsoft.com/office/powerpoint/2010/main" val="353969772"/>
               </p:ext>
             </p:extLst>
           </p:nvPr>
@@ -42611,7 +42710,7 @@
           <a:graphicData uri="http://schemas.openxmlformats.org/presentationml/2006/ole">
             <mc:AlternateContent xmlns:mc="http://schemas.openxmlformats.org/markup-compatibility/2006">
               <mc:Choice xmlns:v="urn:schemas-microsoft-com:vml" Requires="v">
-                <p:oleObj spid="_x0000_s2081" name="包装程序外壳对象" showAsIcon="1" r:id="rId6" imgW="1218600" imgH="711360" progId="Package">
+                <p:oleObj spid="_x0000_s2088" name="包装程序外壳对象" showAsIcon="1" r:id="rId6" imgW="1218600" imgH="711360" progId="Package">
                   <p:embed/>
                 </p:oleObj>
               </mc:Choice>
